--- a/PHP MySql Project.pptx
+++ b/PHP MySql Project.pptx
@@ -5,30 +5,33 @@
     <p:sldMasterId id="2147483648" r:id="rId1"/>
   </p:sldMasterIdLst>
   <p:notesMasterIdLst>
-    <p:notesMasterId r:id="rId23"/>
+    <p:notesMasterId r:id="rId26"/>
   </p:notesMasterIdLst>
   <p:sldIdLst>
     <p:sldId id="265" r:id="rId2"/>
     <p:sldId id="267" r:id="rId3"/>
-    <p:sldId id="257" r:id="rId4"/>
-    <p:sldId id="258" r:id="rId5"/>
-    <p:sldId id="278" r:id="rId6"/>
-    <p:sldId id="263" r:id="rId7"/>
-    <p:sldId id="266" r:id="rId8"/>
-    <p:sldId id="256" r:id="rId9"/>
-    <p:sldId id="271" r:id="rId10"/>
-    <p:sldId id="272" r:id="rId11"/>
-    <p:sldId id="273" r:id="rId12"/>
-    <p:sldId id="279" r:id="rId13"/>
-    <p:sldId id="268" r:id="rId14"/>
-    <p:sldId id="259" r:id="rId15"/>
-    <p:sldId id="269" r:id="rId16"/>
-    <p:sldId id="260" r:id="rId17"/>
-    <p:sldId id="270" r:id="rId18"/>
-    <p:sldId id="262" r:id="rId19"/>
-    <p:sldId id="274" r:id="rId20"/>
-    <p:sldId id="275" r:id="rId21"/>
-    <p:sldId id="276" r:id="rId22"/>
+    <p:sldId id="282" r:id="rId4"/>
+    <p:sldId id="281" r:id="rId5"/>
+    <p:sldId id="257" r:id="rId6"/>
+    <p:sldId id="258" r:id="rId7"/>
+    <p:sldId id="278" r:id="rId8"/>
+    <p:sldId id="263" r:id="rId9"/>
+    <p:sldId id="266" r:id="rId10"/>
+    <p:sldId id="256" r:id="rId11"/>
+    <p:sldId id="283" r:id="rId12"/>
+    <p:sldId id="271" r:id="rId13"/>
+    <p:sldId id="272" r:id="rId14"/>
+    <p:sldId id="273" r:id="rId15"/>
+    <p:sldId id="279" r:id="rId16"/>
+    <p:sldId id="268" r:id="rId17"/>
+    <p:sldId id="259" r:id="rId18"/>
+    <p:sldId id="269" r:id="rId19"/>
+    <p:sldId id="260" r:id="rId20"/>
+    <p:sldId id="270" r:id="rId21"/>
+    <p:sldId id="262" r:id="rId22"/>
+    <p:sldId id="274" r:id="rId23"/>
+    <p:sldId id="275" r:id="rId24"/>
+    <p:sldId id="276" r:id="rId25"/>
   </p:sldIdLst>
   <p:sldSz cx="12192000" cy="6858000"/>
   <p:notesSz cx="6858000" cy="9144000"/>
@@ -217,7 +220,7 @@
           <a:p>
             <a:fld id="{4975B6EF-C0FE-4DDF-9EF7-2F87A4A9276D}" type="datetimeFigureOut">
               <a:rPr lang="en-IN" smtClean="0"/>
-              <a:t>20-11-2018</a:t>
+              <a:t>21-11-2018</a:t>
             </a:fld>
             <a:endParaRPr lang="en-IN"/>
           </a:p>
@@ -616,7 +619,7 @@
           <a:p>
             <a:fld id="{ECD09169-D91A-460E-8FD9-5DB9B55309F1}" type="datetimeFigureOut">
               <a:rPr lang="en-IN" smtClean="0"/>
-              <a:t>20-11-2018</a:t>
+              <a:t>21-11-2018</a:t>
             </a:fld>
             <a:endParaRPr lang="en-IN"/>
           </a:p>
@@ -786,7 +789,7 @@
           <a:p>
             <a:fld id="{ECD09169-D91A-460E-8FD9-5DB9B55309F1}" type="datetimeFigureOut">
               <a:rPr lang="en-IN" smtClean="0"/>
-              <a:t>20-11-2018</a:t>
+              <a:t>21-11-2018</a:t>
             </a:fld>
             <a:endParaRPr lang="en-IN"/>
           </a:p>
@@ -966,7 +969,7 @@
           <a:p>
             <a:fld id="{ECD09169-D91A-460E-8FD9-5DB9B55309F1}" type="datetimeFigureOut">
               <a:rPr lang="en-IN" smtClean="0"/>
-              <a:t>20-11-2018</a:t>
+              <a:t>21-11-2018</a:t>
             </a:fld>
             <a:endParaRPr lang="en-IN"/>
           </a:p>
@@ -1136,7 +1139,7 @@
           <a:p>
             <a:fld id="{ECD09169-D91A-460E-8FD9-5DB9B55309F1}" type="datetimeFigureOut">
               <a:rPr lang="en-IN" smtClean="0"/>
-              <a:t>20-11-2018</a:t>
+              <a:t>21-11-2018</a:t>
             </a:fld>
             <a:endParaRPr lang="en-IN"/>
           </a:p>
@@ -1382,7 +1385,7 @@
           <a:p>
             <a:fld id="{ECD09169-D91A-460E-8FD9-5DB9B55309F1}" type="datetimeFigureOut">
               <a:rPr lang="en-IN" smtClean="0"/>
-              <a:t>20-11-2018</a:t>
+              <a:t>21-11-2018</a:t>
             </a:fld>
             <a:endParaRPr lang="en-IN"/>
           </a:p>
@@ -1614,7 +1617,7 @@
           <a:p>
             <a:fld id="{ECD09169-D91A-460E-8FD9-5DB9B55309F1}" type="datetimeFigureOut">
               <a:rPr lang="en-IN" smtClean="0"/>
-              <a:t>20-11-2018</a:t>
+              <a:t>21-11-2018</a:t>
             </a:fld>
             <a:endParaRPr lang="en-IN"/>
           </a:p>
@@ -1981,7 +1984,7 @@
           <a:p>
             <a:fld id="{ECD09169-D91A-460E-8FD9-5DB9B55309F1}" type="datetimeFigureOut">
               <a:rPr lang="en-IN" smtClean="0"/>
-              <a:t>20-11-2018</a:t>
+              <a:t>21-11-2018</a:t>
             </a:fld>
             <a:endParaRPr lang="en-IN"/>
           </a:p>
@@ -2099,7 +2102,7 @@
           <a:p>
             <a:fld id="{ECD09169-D91A-460E-8FD9-5DB9B55309F1}" type="datetimeFigureOut">
               <a:rPr lang="en-IN" smtClean="0"/>
-              <a:t>20-11-2018</a:t>
+              <a:t>21-11-2018</a:t>
             </a:fld>
             <a:endParaRPr lang="en-IN"/>
           </a:p>
@@ -2194,7 +2197,7 @@
           <a:p>
             <a:fld id="{ECD09169-D91A-460E-8FD9-5DB9B55309F1}" type="datetimeFigureOut">
               <a:rPr lang="en-IN" smtClean="0"/>
-              <a:t>20-11-2018</a:t>
+              <a:t>21-11-2018</a:t>
             </a:fld>
             <a:endParaRPr lang="en-IN"/>
           </a:p>
@@ -2471,7 +2474,7 @@
           <a:p>
             <a:fld id="{ECD09169-D91A-460E-8FD9-5DB9B55309F1}" type="datetimeFigureOut">
               <a:rPr lang="en-IN" smtClean="0"/>
-              <a:t>20-11-2018</a:t>
+              <a:t>21-11-2018</a:t>
             </a:fld>
             <a:endParaRPr lang="en-IN"/>
           </a:p>
@@ -2724,7 +2727,7 @@
           <a:p>
             <a:fld id="{ECD09169-D91A-460E-8FD9-5DB9B55309F1}" type="datetimeFigureOut">
               <a:rPr lang="en-IN" smtClean="0"/>
-              <a:t>20-11-2018</a:t>
+              <a:t>21-11-2018</a:t>
             </a:fld>
             <a:endParaRPr lang="en-IN"/>
           </a:p>
@@ -2937,7 +2940,7 @@
           <a:p>
             <a:fld id="{ECD09169-D91A-460E-8FD9-5DB9B55309F1}" type="datetimeFigureOut">
               <a:rPr lang="en-IN" smtClean="0"/>
-              <a:t>20-11-2018</a:t>
+              <a:t>21-11-2018</a:t>
             </a:fld>
             <a:endParaRPr lang="en-IN"/>
           </a:p>
@@ -3806,48 +3809,10 @@
           </a:p>
         </p:txBody>
       </p:sp>
-      <p:sp>
-        <p:nvSpPr>
-          <p:cNvPr id="2" name="TextBox 1"/>
-          <p:cNvSpPr txBox="1"/>
-          <p:nvPr/>
-        </p:nvSpPr>
-        <p:spPr>
-          <a:xfrm>
-            <a:off x="4539344" y="714887"/>
-            <a:ext cx="2700744" cy="369332"/>
-          </a:xfrm>
-          <a:prstGeom prst="rect">
-            <a:avLst/>
-          </a:prstGeom>
-          <a:noFill/>
-        </p:spPr>
-        <p:txBody>
-          <a:bodyPr wrap="square" rtlCol="0">
-            <a:spAutoFit/>
-          </a:bodyPr>
-          <a:lstStyle/>
-          <a:p>
-            <a:r>
-              <a:rPr lang="en-IN" dirty="0" smtClean="0">
-                <a:solidFill>
-                  <a:srgbClr val="FF0000"/>
-                </a:solidFill>
-              </a:rPr>
-              <a:t>Invalid Credentials !</a:t>
-            </a:r>
-            <a:endParaRPr lang="en-IN" dirty="0">
-              <a:solidFill>
-                <a:srgbClr val="FF0000"/>
-              </a:solidFill>
-            </a:endParaRPr>
-          </a:p>
-        </p:txBody>
-      </p:sp>
     </p:spTree>
     <p:extLst>
       <p:ext uri="{BB962C8B-B14F-4D97-AF65-F5344CB8AC3E}">
-        <p14:creationId xmlns:p14="http://schemas.microsoft.com/office/powerpoint/2010/main" val="3230443839"/>
+        <p14:creationId xmlns:p14="http://schemas.microsoft.com/office/powerpoint/2010/main" val="1676867740"/>
       </p:ext>
     </p:extLst>
   </p:cSld>
@@ -3883,29 +3848,21 @@
       </p:grpSpPr>
       <p:sp>
         <p:nvSpPr>
-          <p:cNvPr id="2" name="Rectangle 1"/>
-          <p:cNvSpPr/>
-          <p:nvPr/>
-        </p:nvSpPr>
-        <p:spPr>
-          <a:xfrm>
-            <a:off x="3199971" y="1517358"/>
-            <a:ext cx="6575839" cy="1754326"/>
-          </a:xfrm>
-          <a:prstGeom prst="rect">
-            <a:avLst/>
-          </a:prstGeom>
-          <a:noFill/>
-        </p:spPr>
-        <p:txBody>
-          <a:bodyPr wrap="none" lIns="91440" tIns="45720" rIns="91440" bIns="45720">
-            <a:spAutoFit/>
-          </a:bodyPr>
-          <a:lstStyle/>
-          <a:p>
-            <a:pPr algn="ctr"/>
-            <a:r>
-              <a:rPr lang="en-US" sz="5400" b="0" cap="none" spc="0" dirty="0" smtClean="0">
+          <p:cNvPr id="2" name="Title 1"/>
+          <p:cNvSpPr>
+            <a:spLocks noGrp="1"/>
+          </p:cNvSpPr>
+          <p:nvPr>
+            <p:ph type="title"/>
+          </p:nvPr>
+        </p:nvSpPr>
+        <p:spPr/>
+        <p:txBody>
+          <a:bodyPr/>
+          <a:lstStyle/>
+          <a:p>
+            <a:r>
+              <a:rPr lang="en-US" dirty="0" smtClean="0">
                 <a:ln w="0"/>
                 <a:solidFill>
                   <a:schemeClr val="accent1"/>
@@ -3918,60 +3875,51 @@
                   </a:outerShdw>
                 </a:effectLst>
               </a:rPr>
-              <a:t>Login Success Scenario</a:t>
-            </a:r>
-          </a:p>
-          <a:p>
-            <a:pPr algn="ctr"/>
-            <a:r>
-              <a:rPr lang="en-US" sz="5400" dirty="0" smtClean="0">
-                <a:ln w="0"/>
-                <a:solidFill>
-                  <a:schemeClr val="accent1"/>
-                </a:solidFill>
-                <a:effectLst>
-                  <a:outerShdw blurRad="38100" dist="25400" dir="5400000" algn="ctr" rotWithShape="0">
-                    <a:srgbClr val="6E747A">
-                      <a:alpha val="43000"/>
-                    </a:srgbClr>
-                  </a:outerShdw>
-                </a:effectLst>
-              </a:rPr>
-              <a:t>(User Dashboard)</a:t>
-            </a:r>
-            <a:endParaRPr lang="en-US" sz="5400" b="0" cap="none" spc="0" dirty="0">
-              <a:ln w="0"/>
-              <a:solidFill>
-                <a:schemeClr val="accent1"/>
-              </a:solidFill>
-              <a:effectLst>
-                <a:outerShdw blurRad="38100" dist="25400" dir="5400000" algn="ctr" rotWithShape="0">
-                  <a:srgbClr val="6E747A">
-                    <a:alpha val="43000"/>
-                  </a:srgbClr>
-                </a:outerShdw>
-              </a:effectLst>
-            </a:endParaRPr>
-          </a:p>
-        </p:txBody>
-      </p:sp>
+              <a:t>Architecture</a:t>
+            </a:r>
+            <a:endParaRPr lang="en-IN" dirty="0"/>
+          </a:p>
+        </p:txBody>
+      </p:sp>
+      <p:pic>
+        <p:nvPicPr>
+          <p:cNvPr id="4" name="Content Placeholder 3"/>
+          <p:cNvPicPr>
+            <a:picLocks noGrp="1" noChangeAspect="1"/>
+          </p:cNvPicPr>
+          <p:nvPr>
+            <p:ph idx="1"/>
+          </p:nvPr>
+        </p:nvPicPr>
+        <p:blipFill>
+          <a:blip r:embed="rId2">
+            <a:extLst>
+              <a:ext uri="{28A0092B-C50C-407E-A947-70E740481C1C}">
+                <a14:useLocalDpi xmlns:a14="http://schemas.microsoft.com/office/drawing/2010/main" val="0"/>
+              </a:ext>
+            </a:extLst>
+          </a:blip>
+          <a:stretch>
+            <a:fillRect/>
+          </a:stretch>
+        </p:blipFill>
+        <p:spPr>
+          <a:xfrm>
+            <a:off x="838200" y="1371601"/>
+            <a:ext cx="10369731" cy="5081450"/>
+          </a:xfrm>
+        </p:spPr>
+      </p:pic>
     </p:spTree>
     <p:extLst>
       <p:ext uri="{BB962C8B-B14F-4D97-AF65-F5344CB8AC3E}">
-        <p14:creationId xmlns:p14="http://schemas.microsoft.com/office/powerpoint/2010/main" val="641146023"/>
+        <p14:creationId xmlns:p14="http://schemas.microsoft.com/office/powerpoint/2010/main" val="1443466415"/>
       </p:ext>
     </p:extLst>
   </p:cSld>
   <p:clrMapOvr>
     <a:masterClrMapping/>
   </p:clrMapOvr>
-  <p:timing>
-    <p:tnLst>
-      <p:par>
-        <p:cTn id="1" dur="indefinite" restart="never" nodeType="tmRoot"/>
-      </p:par>
-    </p:tnLst>
-  </p:timing>
 </p:sld>
 </file>
 
@@ -3994,174 +3942,14 @@
       </p:grpSpPr>
       <p:sp>
         <p:nvSpPr>
-          <p:cNvPr id="5" name="Rectangle 4"/>
+          <p:cNvPr id="2" name="Rectangle 1"/>
           <p:cNvSpPr/>
           <p:nvPr/>
         </p:nvSpPr>
         <p:spPr>
           <a:xfrm>
-            <a:off x="0" y="0"/>
-            <a:ext cx="12192000" cy="6858000"/>
-          </a:xfrm>
-          <a:prstGeom prst="rect">
-            <a:avLst/>
-          </a:prstGeom>
-        </p:spPr>
-        <p:style>
-          <a:lnRef idx="1">
-            <a:schemeClr val="accent5"/>
-          </a:lnRef>
-          <a:fillRef idx="2">
-            <a:schemeClr val="accent5"/>
-          </a:fillRef>
-          <a:effectRef idx="1">
-            <a:schemeClr val="accent5"/>
-          </a:effectRef>
-          <a:fontRef idx="minor">
-            <a:schemeClr val="dk1"/>
-          </a:fontRef>
-        </p:style>
-        <p:txBody>
-          <a:bodyPr rtlCol="0" anchor="ctr"/>
-          <a:lstStyle/>
-          <a:p>
-            <a:pPr algn="ctr"/>
-            <a:endParaRPr lang="en-IN"/>
-          </a:p>
-        </p:txBody>
-      </p:sp>
-      <p:sp>
-        <p:nvSpPr>
-          <p:cNvPr id="7" name="Rectangle 6"/>
-          <p:cNvSpPr/>
-          <p:nvPr/>
-        </p:nvSpPr>
-        <p:spPr>
-          <a:xfrm>
-            <a:off x="617220" y="1211580"/>
-            <a:ext cx="2171700" cy="2011680"/>
-          </a:xfrm>
-          <a:prstGeom prst="rect">
-            <a:avLst/>
-          </a:prstGeom>
-        </p:spPr>
-        <p:style>
-          <a:lnRef idx="1">
-            <a:schemeClr val="accent3"/>
-          </a:lnRef>
-          <a:fillRef idx="2">
-            <a:schemeClr val="accent3"/>
-          </a:fillRef>
-          <a:effectRef idx="1">
-            <a:schemeClr val="accent3"/>
-          </a:effectRef>
-          <a:fontRef idx="minor">
-            <a:schemeClr val="dk1"/>
-          </a:fontRef>
-        </p:style>
-        <p:txBody>
-          <a:bodyPr rtlCol="0" anchor="ctr"/>
-          <a:lstStyle/>
-          <a:p>
-            <a:pPr algn="ctr"/>
-            <a:endParaRPr lang="en-IN"/>
-          </a:p>
-        </p:txBody>
-      </p:sp>
-      <p:sp>
-        <p:nvSpPr>
-          <p:cNvPr id="8" name="Rectangle 7"/>
-          <p:cNvSpPr/>
-          <p:nvPr/>
-        </p:nvSpPr>
-        <p:spPr>
-          <a:xfrm>
-            <a:off x="205740" y="228600"/>
-            <a:ext cx="11567160" cy="800100"/>
-          </a:xfrm>
-          <a:prstGeom prst="rect">
-            <a:avLst/>
-          </a:prstGeom>
-        </p:spPr>
-        <p:style>
-          <a:lnRef idx="2">
-            <a:schemeClr val="accent1">
-              <a:shade val="50000"/>
-            </a:schemeClr>
-          </a:lnRef>
-          <a:fillRef idx="1">
-            <a:schemeClr val="accent1"/>
-          </a:fillRef>
-          <a:effectRef idx="0">
-            <a:schemeClr val="accent1"/>
-          </a:effectRef>
-          <a:fontRef idx="minor">
-            <a:schemeClr val="lt1"/>
-          </a:fontRef>
-        </p:style>
-        <p:txBody>
-          <a:bodyPr rtlCol="0" anchor="ctr"/>
-          <a:lstStyle/>
-          <a:p>
-            <a:pPr algn="ctr"/>
-            <a:endParaRPr lang="en-IN"/>
-          </a:p>
-        </p:txBody>
-      </p:sp>
-      <p:sp>
-        <p:nvSpPr>
-          <p:cNvPr id="9" name="Rounded Rectangle 8"/>
-          <p:cNvSpPr/>
-          <p:nvPr/>
-        </p:nvSpPr>
-        <p:spPr>
-          <a:xfrm>
-            <a:off x="9108077" y="400050"/>
-            <a:ext cx="2462348" cy="457200"/>
-          </a:xfrm>
-          <a:prstGeom prst="roundRect">
-            <a:avLst/>
-          </a:prstGeom>
-        </p:spPr>
-        <p:style>
-          <a:lnRef idx="2">
-            <a:schemeClr val="accent5">
-              <a:shade val="50000"/>
-            </a:schemeClr>
-          </a:lnRef>
-          <a:fillRef idx="1">
-            <a:schemeClr val="accent5"/>
-          </a:fillRef>
-          <a:effectRef idx="0">
-            <a:schemeClr val="accent5"/>
-          </a:effectRef>
-          <a:fontRef idx="minor">
-            <a:schemeClr val="lt1"/>
-          </a:fontRef>
-        </p:style>
-        <p:txBody>
-          <a:bodyPr rtlCol="0" anchor="ctr"/>
-          <a:lstStyle/>
-          <a:p>
-            <a:pPr algn="ctr"/>
-            <a:r>
-              <a:rPr lang="en-IN" dirty="0" smtClean="0"/>
-              <a:t>SIGN OUT</a:t>
-            </a:r>
-            <a:endParaRPr lang="en-IN" dirty="0"/>
-          </a:p>
-        </p:txBody>
-      </p:sp>
-      <p:sp>
-        <p:nvSpPr>
-          <p:cNvPr id="15" name="TextBox 14"/>
-          <p:cNvSpPr txBox="1"/>
-          <p:nvPr/>
-        </p:nvSpPr>
-        <p:spPr>
-          <a:xfrm>
-            <a:off x="3543300" y="1714500"/>
-            <a:ext cx="7360920" cy="1200329"/>
+            <a:off x="3123436" y="2026810"/>
+            <a:ext cx="6310894" cy="923330"/>
           </a:xfrm>
           <a:prstGeom prst="rect">
             <a:avLst/>
@@ -4169,230 +3957,40 @@
           <a:noFill/>
         </p:spPr>
         <p:txBody>
-          <a:bodyPr wrap="square" rtlCol="0">
+          <a:bodyPr wrap="none" lIns="91440" tIns="45720" rIns="91440" bIns="45720">
             <a:spAutoFit/>
           </a:bodyPr>
           <a:lstStyle/>
           <a:p>
-            <a:r>
-              <a:rPr lang="en-IN" sz="7200" b="1" spc="50" dirty="0" smtClean="0">
+            <a:pPr algn="ctr"/>
+            <a:r>
+              <a:rPr lang="en-US" sz="5400" b="0" cap="none" spc="0" dirty="0" smtClean="0">
                 <a:ln w="0"/>
                 <a:solidFill>
-                  <a:schemeClr val="bg2"/>
+                  <a:schemeClr val="accent1"/>
                 </a:solidFill>
                 <a:effectLst>
-                  <a:innerShdw blurRad="63500" dist="50800" dir="13500000">
-                    <a:srgbClr val="000000">
-                      <a:alpha val="50000"/>
+                  <a:outerShdw blurRad="38100" dist="25400" dir="5400000" algn="ctr" rotWithShape="0">
+                    <a:srgbClr val="6E747A">
+                      <a:alpha val="43000"/>
                     </a:srgbClr>
-                  </a:innerShdw>
+                  </a:outerShdw>
                 </a:effectLst>
               </a:rPr>
-              <a:t>Welcome ABC</a:t>
-            </a:r>
-            <a:endParaRPr lang="en-IN" sz="7200" b="1" spc="50" dirty="0">
+              <a:t>Login Failure Scenario</a:t>
+            </a:r>
+            <a:endParaRPr lang="en-US" sz="5400" b="0" cap="none" spc="0" dirty="0">
               <a:ln w="0"/>
               <a:solidFill>
-                <a:schemeClr val="bg2"/>
+                <a:schemeClr val="accent1"/>
               </a:solidFill>
               <a:effectLst>
-                <a:innerShdw blurRad="63500" dist="50800" dir="13500000">
-                  <a:srgbClr val="000000">
-                    <a:alpha val="50000"/>
+                <a:outerShdw blurRad="38100" dist="25400" dir="5400000" algn="ctr" rotWithShape="0">
+                  <a:srgbClr val="6E747A">
+                    <a:alpha val="43000"/>
                   </a:srgbClr>
-                </a:innerShdw>
+                </a:outerShdw>
               </a:effectLst>
-            </a:endParaRPr>
-          </a:p>
-        </p:txBody>
-      </p:sp>
-      <p:sp>
-        <p:nvSpPr>
-          <p:cNvPr id="18" name="TextBox 17"/>
-          <p:cNvSpPr txBox="1"/>
-          <p:nvPr/>
-        </p:nvSpPr>
-        <p:spPr>
-          <a:xfrm>
-            <a:off x="617220" y="4524256"/>
-            <a:ext cx="4411980" cy="523220"/>
-          </a:xfrm>
-          <a:prstGeom prst="rect">
-            <a:avLst/>
-          </a:prstGeom>
-          <a:noFill/>
-        </p:spPr>
-        <p:txBody>
-          <a:bodyPr wrap="square" rtlCol="0">
-            <a:spAutoFit/>
-          </a:bodyPr>
-          <a:lstStyle/>
-          <a:p>
-            <a:r>
-              <a:rPr lang="en-IN" sz="2800" dirty="0" smtClean="0">
-                <a:solidFill>
-                  <a:schemeClr val="bg1"/>
-                </a:solidFill>
-              </a:rPr>
-              <a:t>Birthday</a:t>
-            </a:r>
-            <a:r>
-              <a:rPr lang="en-IN" dirty="0" smtClean="0">
-                <a:solidFill>
-                  <a:schemeClr val="bg1"/>
-                </a:solidFill>
-              </a:rPr>
-              <a:t>:</a:t>
-            </a:r>
-            <a:endParaRPr lang="en-IN" dirty="0">
-              <a:solidFill>
-                <a:schemeClr val="bg1"/>
-              </a:solidFill>
-            </a:endParaRPr>
-          </a:p>
-        </p:txBody>
-      </p:sp>
-      <p:sp>
-        <p:nvSpPr>
-          <p:cNvPr id="19" name="TextBox 18"/>
-          <p:cNvSpPr txBox="1"/>
-          <p:nvPr/>
-        </p:nvSpPr>
-        <p:spPr>
-          <a:xfrm>
-            <a:off x="617220" y="3836670"/>
-            <a:ext cx="4411980" cy="523220"/>
-          </a:xfrm>
-          <a:prstGeom prst="rect">
-            <a:avLst/>
-          </a:prstGeom>
-          <a:noFill/>
-        </p:spPr>
-        <p:txBody>
-          <a:bodyPr wrap="square" rtlCol="0">
-            <a:spAutoFit/>
-          </a:bodyPr>
-          <a:lstStyle/>
-          <a:p>
-            <a:r>
-              <a:rPr lang="en-IN" sz="2800" dirty="0" smtClean="0">
-                <a:solidFill>
-                  <a:schemeClr val="bg1"/>
-                </a:solidFill>
-              </a:rPr>
-              <a:t>Address:</a:t>
-            </a:r>
-            <a:r>
-              <a:rPr lang="en-IN" dirty="0" smtClean="0"/>
-              <a:t> </a:t>
-            </a:r>
-            <a:endParaRPr lang="en-IN" dirty="0"/>
-          </a:p>
-        </p:txBody>
-      </p:sp>
-      <p:sp>
-        <p:nvSpPr>
-          <p:cNvPr id="21" name="TextBox 20"/>
-          <p:cNvSpPr txBox="1"/>
-          <p:nvPr/>
-        </p:nvSpPr>
-        <p:spPr>
-          <a:xfrm>
-            <a:off x="331470" y="314623"/>
-            <a:ext cx="3520440" cy="523220"/>
-          </a:xfrm>
-          <a:prstGeom prst="rect">
-            <a:avLst/>
-          </a:prstGeom>
-          <a:noFill/>
-        </p:spPr>
-        <p:txBody>
-          <a:bodyPr wrap="square" rtlCol="0">
-            <a:spAutoFit/>
-          </a:bodyPr>
-          <a:lstStyle/>
-          <a:p>
-            <a:r>
-              <a:rPr lang="en-IN" sz="2800" dirty="0" smtClean="0">
-                <a:solidFill>
-                  <a:schemeClr val="bg1"/>
-                </a:solidFill>
-              </a:rPr>
-              <a:t>Social Vibes</a:t>
-            </a:r>
-            <a:endParaRPr lang="en-IN" sz="2800" dirty="0">
-              <a:solidFill>
-                <a:schemeClr val="bg1"/>
-              </a:solidFill>
-            </a:endParaRPr>
-          </a:p>
-        </p:txBody>
-      </p:sp>
-      <p:pic>
-        <p:nvPicPr>
-          <p:cNvPr id="2" name="Picture 1"/>
-          <p:cNvPicPr>
-            <a:picLocks noChangeAspect="1"/>
-          </p:cNvPicPr>
-          <p:nvPr/>
-        </p:nvPicPr>
-        <p:blipFill>
-          <a:blip r:embed="rId2">
-            <a:extLst>
-              <a:ext uri="{28A0092B-C50C-407E-A947-70E740481C1C}">
-                <a14:useLocalDpi xmlns:a14="http://schemas.microsoft.com/office/drawing/2010/main" val="0"/>
-              </a:ext>
-            </a:extLst>
-          </a:blip>
-          <a:stretch>
-            <a:fillRect/>
-          </a:stretch>
-        </p:blipFill>
-        <p:spPr>
-          <a:xfrm>
-            <a:off x="602087" y="1215926"/>
-            <a:ext cx="2201966" cy="2011680"/>
-          </a:xfrm>
-          <a:prstGeom prst="rect">
-            <a:avLst/>
-          </a:prstGeom>
-        </p:spPr>
-      </p:pic>
-      <p:sp>
-        <p:nvSpPr>
-          <p:cNvPr id="3" name="TextBox 2"/>
-          <p:cNvSpPr txBox="1"/>
-          <p:nvPr/>
-        </p:nvSpPr>
-        <p:spPr>
-          <a:xfrm>
-            <a:off x="1136469" y="2914829"/>
-            <a:ext cx="1084217" cy="369332"/>
-          </a:xfrm>
-          <a:prstGeom prst="rect">
-            <a:avLst/>
-          </a:prstGeom>
-          <a:noFill/>
-        </p:spPr>
-        <p:txBody>
-          <a:bodyPr wrap="square" rtlCol="0">
-            <a:spAutoFit/>
-          </a:bodyPr>
-          <a:lstStyle/>
-          <a:p>
-            <a:pPr algn="ctr"/>
-            <a:r>
-              <a:rPr lang="en-IN" u="sng" dirty="0" smtClean="0">
-                <a:solidFill>
-                  <a:schemeClr val="tx2"/>
-                </a:solidFill>
-              </a:rPr>
-              <a:t>EDIT</a:t>
-            </a:r>
-            <a:endParaRPr lang="en-IN" u="sng" dirty="0">
-              <a:solidFill>
-                <a:schemeClr val="tx2"/>
-              </a:solidFill>
             </a:endParaRPr>
           </a:p>
         </p:txBody>
@@ -4400,7 +3998,7 @@
     </p:spTree>
     <p:extLst>
       <p:ext uri="{BB962C8B-B14F-4D97-AF65-F5344CB8AC3E}">
-        <p14:creationId xmlns:p14="http://schemas.microsoft.com/office/powerpoint/2010/main" val="2860794110"/>
+        <p14:creationId xmlns:p14="http://schemas.microsoft.com/office/powerpoint/2010/main" val="3670692891"/>
       </p:ext>
     </p:extLst>
   </p:cSld>
@@ -4436,14 +4034,90 @@
       </p:grpSpPr>
       <p:sp>
         <p:nvSpPr>
-          <p:cNvPr id="2" name="Rectangle 1"/>
+          <p:cNvPr id="4" name="Rectangle 3"/>
           <p:cNvSpPr/>
           <p:nvPr/>
         </p:nvSpPr>
         <p:spPr>
           <a:xfrm>
-            <a:off x="2615603" y="2144375"/>
-            <a:ext cx="7378815" cy="1754326"/>
+            <a:off x="3272245" y="418011"/>
+            <a:ext cx="4558937" cy="6191795"/>
+          </a:xfrm>
+          <a:prstGeom prst="rect">
+            <a:avLst/>
+          </a:prstGeom>
+        </p:spPr>
+        <p:style>
+          <a:lnRef idx="1">
+            <a:schemeClr val="accent1"/>
+          </a:lnRef>
+          <a:fillRef idx="2">
+            <a:schemeClr val="accent1"/>
+          </a:fillRef>
+          <a:effectRef idx="1">
+            <a:schemeClr val="accent1"/>
+          </a:effectRef>
+          <a:fontRef idx="minor">
+            <a:schemeClr val="dk1"/>
+          </a:fontRef>
+        </p:style>
+        <p:txBody>
+          <a:bodyPr rtlCol="0" anchor="ctr"/>
+          <a:lstStyle/>
+          <a:p>
+            <a:pPr algn="ctr"/>
+            <a:endParaRPr lang="en-IN"/>
+          </a:p>
+        </p:txBody>
+      </p:sp>
+      <p:sp>
+        <p:nvSpPr>
+          <p:cNvPr id="5" name="Rectangle 4"/>
+          <p:cNvSpPr/>
+          <p:nvPr/>
+        </p:nvSpPr>
+        <p:spPr>
+          <a:xfrm>
+            <a:off x="3905794" y="1319349"/>
+            <a:ext cx="3409406" cy="470262"/>
+          </a:xfrm>
+          <a:prstGeom prst="rect">
+            <a:avLst/>
+          </a:prstGeom>
+        </p:spPr>
+        <p:style>
+          <a:lnRef idx="2">
+            <a:schemeClr val="accent6"/>
+          </a:lnRef>
+          <a:fillRef idx="1">
+            <a:schemeClr val="lt1"/>
+          </a:fillRef>
+          <a:effectRef idx="0">
+            <a:schemeClr val="accent6"/>
+          </a:effectRef>
+          <a:fontRef idx="minor">
+            <a:schemeClr val="dk1"/>
+          </a:fontRef>
+        </p:style>
+        <p:txBody>
+          <a:bodyPr rtlCol="0" anchor="ctr"/>
+          <a:lstStyle/>
+          <a:p>
+            <a:pPr algn="ctr"/>
+            <a:endParaRPr lang="en-IN"/>
+          </a:p>
+        </p:txBody>
+      </p:sp>
+      <p:sp>
+        <p:nvSpPr>
+          <p:cNvPr id="7" name="TextBox 6"/>
+          <p:cNvSpPr txBox="1"/>
+          <p:nvPr/>
+        </p:nvSpPr>
+        <p:spPr>
+          <a:xfrm>
+            <a:off x="3892731" y="919239"/>
+            <a:ext cx="3317966" cy="400110"/>
           </a:xfrm>
           <a:prstGeom prst="rect">
             <a:avLst/>
@@ -4451,59 +4125,260 @@
           <a:noFill/>
         </p:spPr>
         <p:txBody>
-          <a:bodyPr wrap="none" lIns="91440" tIns="45720" rIns="91440" bIns="45720">
+          <a:bodyPr wrap="square" rtlCol="0">
             <a:spAutoFit/>
           </a:bodyPr>
           <a:lstStyle/>
           <a:p>
             <a:pPr algn="ctr"/>
             <a:r>
-              <a:rPr lang="en-US" sz="5400" b="0" cap="none" spc="0" dirty="0" smtClean="0">
-                <a:ln w="0"/>
+              <a:rPr lang="en-IN" sz="2000" dirty="0" smtClean="0">
                 <a:solidFill>
-                  <a:schemeClr val="accent1"/>
+                  <a:schemeClr val="bg1"/>
                 </a:solidFill>
-                <a:effectLst>
-                  <a:outerShdw blurRad="38100" dist="25400" dir="5400000" algn="ctr" rotWithShape="0">
-                    <a:srgbClr val="6E747A">
-                      <a:alpha val="43000"/>
-                    </a:srgbClr>
-                  </a:outerShdw>
-                </a:effectLst>
               </a:rPr>
-              <a:t>Forget Password Scenario</a:t>
-            </a:r>
-          </a:p>
+              <a:t>Username</a:t>
+            </a:r>
+            <a:endParaRPr lang="en-IN" dirty="0">
+              <a:solidFill>
+                <a:schemeClr val="bg1"/>
+              </a:solidFill>
+            </a:endParaRPr>
+          </a:p>
+        </p:txBody>
+      </p:sp>
+      <p:sp>
+        <p:nvSpPr>
+          <p:cNvPr id="8" name="Rectangle 7"/>
+          <p:cNvSpPr/>
+          <p:nvPr/>
+        </p:nvSpPr>
+        <p:spPr>
+          <a:xfrm>
+            <a:off x="3905794" y="2312127"/>
+            <a:ext cx="3409406" cy="470262"/>
+          </a:xfrm>
+          <a:prstGeom prst="rect">
+            <a:avLst/>
+          </a:prstGeom>
+        </p:spPr>
+        <p:style>
+          <a:lnRef idx="2">
+            <a:schemeClr val="accent6"/>
+          </a:lnRef>
+          <a:fillRef idx="1">
+            <a:schemeClr val="lt1"/>
+          </a:fillRef>
+          <a:effectRef idx="0">
+            <a:schemeClr val="accent6"/>
+          </a:effectRef>
+          <a:fontRef idx="minor">
+            <a:schemeClr val="dk1"/>
+          </a:fontRef>
+        </p:style>
+        <p:txBody>
+          <a:bodyPr rtlCol="0" anchor="ctr"/>
+          <a:lstStyle/>
           <a:p>
             <a:pPr algn="ctr"/>
-            <a:r>
-              <a:rPr lang="en-US" sz="5400" b="0" cap="none" spc="0" dirty="0" smtClean="0">
-                <a:ln w="0"/>
+            <a:endParaRPr lang="en-IN"/>
+          </a:p>
+        </p:txBody>
+      </p:sp>
+      <p:sp>
+        <p:nvSpPr>
+          <p:cNvPr id="9" name="TextBox 8"/>
+          <p:cNvSpPr txBox="1"/>
+          <p:nvPr/>
+        </p:nvSpPr>
+        <p:spPr>
+          <a:xfrm>
+            <a:off x="4140925" y="1942795"/>
+            <a:ext cx="2939143" cy="369332"/>
+          </a:xfrm>
+          <a:prstGeom prst="rect">
+            <a:avLst/>
+          </a:prstGeom>
+          <a:noFill/>
+        </p:spPr>
+        <p:txBody>
+          <a:bodyPr wrap="square" rtlCol="0">
+            <a:spAutoFit/>
+          </a:bodyPr>
+          <a:lstStyle/>
+          <a:p>
+            <a:pPr algn="ctr"/>
+            <a:r>
+              <a:rPr lang="en-IN" dirty="0" smtClean="0">
                 <a:solidFill>
-                  <a:schemeClr val="accent1"/>
+                  <a:schemeClr val="bg1"/>
                 </a:solidFill>
-                <a:effectLst>
-                  <a:outerShdw blurRad="38100" dist="25400" dir="5400000" algn="ctr" rotWithShape="0">
-                    <a:srgbClr val="6E747A">
-                      <a:alpha val="43000"/>
-                    </a:srgbClr>
-                  </a:outerShdw>
-                </a:effectLst>
               </a:rPr>
-              <a:t>(Details Verification Page)</a:t>
-            </a:r>
-            <a:endParaRPr lang="en-US" sz="5400" b="0" cap="none" spc="0" dirty="0">
-              <a:ln w="0"/>
+              <a:t>Password</a:t>
+            </a:r>
+            <a:endParaRPr lang="en-IN" dirty="0">
               <a:solidFill>
-                <a:schemeClr val="accent1"/>
+                <a:schemeClr val="bg1"/>
               </a:solidFill>
-              <a:effectLst>
-                <a:outerShdw blurRad="38100" dist="25400" dir="5400000" algn="ctr" rotWithShape="0">
-                  <a:srgbClr val="6E747A">
-                    <a:alpha val="43000"/>
-                  </a:srgbClr>
-                </a:outerShdw>
-              </a:effectLst>
+            </a:endParaRPr>
+          </a:p>
+        </p:txBody>
+      </p:sp>
+      <p:sp>
+        <p:nvSpPr>
+          <p:cNvPr id="10" name="TextBox 9"/>
+          <p:cNvSpPr txBox="1"/>
+          <p:nvPr/>
+        </p:nvSpPr>
+        <p:spPr>
+          <a:xfrm>
+            <a:off x="3331027" y="448977"/>
+            <a:ext cx="4558937" cy="369332"/>
+          </a:xfrm>
+          <a:prstGeom prst="rect">
+            <a:avLst/>
+          </a:prstGeom>
+          <a:noFill/>
+        </p:spPr>
+        <p:txBody>
+          <a:bodyPr wrap="square" rtlCol="0">
+            <a:spAutoFit/>
+          </a:bodyPr>
+          <a:lstStyle/>
+          <a:p>
+            <a:pPr algn="ctr"/>
+            <a:r>
+              <a:rPr lang="en-IN" u="sng" dirty="0" smtClean="0">
+                <a:solidFill>
+                  <a:srgbClr val="002060"/>
+                </a:solidFill>
+              </a:rPr>
+              <a:t>LOGIN / SIGN UP</a:t>
+            </a:r>
+            <a:endParaRPr lang="en-IN" u="sng" dirty="0">
+              <a:solidFill>
+                <a:srgbClr val="002060"/>
+              </a:solidFill>
+            </a:endParaRPr>
+          </a:p>
+        </p:txBody>
+      </p:sp>
+      <p:sp>
+        <p:nvSpPr>
+          <p:cNvPr id="11" name="TextBox 10"/>
+          <p:cNvSpPr txBox="1"/>
+          <p:nvPr/>
+        </p:nvSpPr>
+        <p:spPr>
+          <a:xfrm>
+            <a:off x="3892731" y="2935573"/>
+            <a:ext cx="2710542" cy="369332"/>
+          </a:xfrm>
+          <a:prstGeom prst="rect">
+            <a:avLst/>
+          </a:prstGeom>
+          <a:noFill/>
+        </p:spPr>
+        <p:txBody>
+          <a:bodyPr wrap="square" rtlCol="0">
+            <a:spAutoFit/>
+          </a:bodyPr>
+          <a:lstStyle/>
+          <a:p>
+            <a:r>
+              <a:rPr lang="en-IN" u="sng" dirty="0" smtClean="0">
+                <a:solidFill>
+                  <a:srgbClr val="002060"/>
+                </a:solidFill>
+              </a:rPr>
+              <a:t>Forgot your password?</a:t>
+            </a:r>
+            <a:endParaRPr lang="en-IN" u="sng" dirty="0">
+              <a:solidFill>
+                <a:srgbClr val="002060"/>
+              </a:solidFill>
+            </a:endParaRPr>
+          </a:p>
+        </p:txBody>
+      </p:sp>
+      <p:sp>
+        <p:nvSpPr>
+          <p:cNvPr id="12" name="Rounded Rectangle 11"/>
+          <p:cNvSpPr/>
+          <p:nvPr/>
+        </p:nvSpPr>
+        <p:spPr>
+          <a:xfrm>
+            <a:off x="4379321" y="3797721"/>
+            <a:ext cx="2462348" cy="457200"/>
+          </a:xfrm>
+          <a:prstGeom prst="roundRect">
+            <a:avLst/>
+          </a:prstGeom>
+        </p:spPr>
+        <p:style>
+          <a:lnRef idx="2">
+            <a:schemeClr val="accent5">
+              <a:shade val="50000"/>
+            </a:schemeClr>
+          </a:lnRef>
+          <a:fillRef idx="1">
+            <a:schemeClr val="accent5"/>
+          </a:fillRef>
+          <a:effectRef idx="0">
+            <a:schemeClr val="accent5"/>
+          </a:effectRef>
+          <a:fontRef idx="minor">
+            <a:schemeClr val="lt1"/>
+          </a:fontRef>
+        </p:style>
+        <p:txBody>
+          <a:bodyPr rtlCol="0" anchor="ctr"/>
+          <a:lstStyle/>
+          <a:p>
+            <a:pPr algn="ctr"/>
+            <a:r>
+              <a:rPr lang="en-IN" dirty="0" smtClean="0"/>
+              <a:t>LOGIN</a:t>
+            </a:r>
+            <a:endParaRPr lang="en-IN" dirty="0"/>
+          </a:p>
+        </p:txBody>
+      </p:sp>
+      <p:sp>
+        <p:nvSpPr>
+          <p:cNvPr id="2" name="TextBox 1"/>
+          <p:cNvSpPr txBox="1"/>
+          <p:nvPr/>
+        </p:nvSpPr>
+        <p:spPr>
+          <a:xfrm>
+            <a:off x="4539344" y="714887"/>
+            <a:ext cx="2700744" cy="369332"/>
+          </a:xfrm>
+          <a:prstGeom prst="rect">
+            <a:avLst/>
+          </a:prstGeom>
+          <a:noFill/>
+        </p:spPr>
+        <p:txBody>
+          <a:bodyPr wrap="square" rtlCol="0">
+            <a:spAutoFit/>
+          </a:bodyPr>
+          <a:lstStyle/>
+          <a:p>
+            <a:r>
+              <a:rPr lang="en-IN" dirty="0" smtClean="0">
+                <a:solidFill>
+                  <a:srgbClr val="FF0000"/>
+                </a:solidFill>
+              </a:rPr>
+              <a:t>Invalid Credentials !</a:t>
+            </a:r>
+            <a:endParaRPr lang="en-IN" dirty="0">
+              <a:solidFill>
+                <a:srgbClr val="FF0000"/>
+              </a:solidFill>
             </a:endParaRPr>
           </a:p>
         </p:txBody>
@@ -4511,7 +4386,7 @@
     </p:spTree>
     <p:extLst>
       <p:ext uri="{BB962C8B-B14F-4D97-AF65-F5344CB8AC3E}">
-        <p14:creationId xmlns:p14="http://schemas.microsoft.com/office/powerpoint/2010/main" val="630614963"/>
+        <p14:creationId xmlns:p14="http://schemas.microsoft.com/office/powerpoint/2010/main" val="3230443839"/>
       </p:ext>
     </p:extLst>
   </p:cSld>
@@ -4547,52 +4422,14 @@
       </p:grpSpPr>
       <p:sp>
         <p:nvSpPr>
-          <p:cNvPr id="4" name="Rectangle 3"/>
+          <p:cNvPr id="2" name="Rectangle 1"/>
           <p:cNvSpPr/>
           <p:nvPr/>
         </p:nvSpPr>
         <p:spPr>
           <a:xfrm>
-            <a:off x="3272244" y="0"/>
-            <a:ext cx="4558937" cy="6766559"/>
-          </a:xfrm>
-          <a:prstGeom prst="rect">
-            <a:avLst/>
-          </a:prstGeom>
-        </p:spPr>
-        <p:style>
-          <a:lnRef idx="1">
-            <a:schemeClr val="accent1"/>
-          </a:lnRef>
-          <a:fillRef idx="2">
-            <a:schemeClr val="accent1"/>
-          </a:fillRef>
-          <a:effectRef idx="1">
-            <a:schemeClr val="accent1"/>
-          </a:effectRef>
-          <a:fontRef idx="minor">
-            <a:schemeClr val="dk1"/>
-          </a:fontRef>
-        </p:style>
-        <p:txBody>
-          <a:bodyPr rtlCol="0" anchor="ctr"/>
-          <a:lstStyle/>
-          <a:p>
-            <a:pPr algn="ctr"/>
-            <a:endParaRPr lang="en-IN"/>
-          </a:p>
-        </p:txBody>
-      </p:sp>
-      <p:sp>
-        <p:nvSpPr>
-          <p:cNvPr id="7" name="TextBox 6"/>
-          <p:cNvSpPr txBox="1"/>
-          <p:nvPr/>
-        </p:nvSpPr>
-        <p:spPr>
-          <a:xfrm>
-            <a:off x="4376057" y="130629"/>
-            <a:ext cx="2677886" cy="369332"/>
+            <a:off x="3199971" y="1517358"/>
+            <a:ext cx="6575839" cy="1754326"/>
           </a:xfrm>
           <a:prstGeom prst="rect">
             <a:avLst/>
@@ -4600,268 +4437,67 @@
           <a:noFill/>
         </p:spPr>
         <p:txBody>
-          <a:bodyPr wrap="square" rtlCol="0">
+          <a:bodyPr wrap="none" lIns="91440" tIns="45720" rIns="91440" bIns="45720">
             <a:spAutoFit/>
           </a:bodyPr>
           <a:lstStyle/>
           <a:p>
             <a:pPr algn="ctr"/>
             <a:r>
-              <a:rPr lang="en-IN" u="sng" dirty="0" smtClean="0">
+              <a:rPr lang="en-US" sz="5400" b="0" cap="none" spc="0" dirty="0" smtClean="0">
+                <a:ln w="0"/>
                 <a:solidFill>
-                  <a:schemeClr val="bg1"/>
+                  <a:schemeClr val="accent1"/>
                 </a:solidFill>
+                <a:effectLst>
+                  <a:outerShdw blurRad="38100" dist="25400" dir="5400000" algn="ctr" rotWithShape="0">
+                    <a:srgbClr val="6E747A">
+                      <a:alpha val="43000"/>
+                    </a:srgbClr>
+                  </a:outerShdw>
+                </a:effectLst>
               </a:rPr>
-              <a:t>Verify Your Details </a:t>
-            </a:r>
-            <a:endParaRPr lang="en-IN" u="sng" dirty="0">
+              <a:t>Login Success Scenario</a:t>
+            </a:r>
+          </a:p>
+          <a:p>
+            <a:pPr algn="ctr"/>
+            <a:r>
+              <a:rPr lang="en-US" sz="5400" dirty="0" smtClean="0">
+                <a:ln w="0"/>
+                <a:solidFill>
+                  <a:schemeClr val="accent1"/>
+                </a:solidFill>
+                <a:effectLst>
+                  <a:outerShdw blurRad="38100" dist="25400" dir="5400000" algn="ctr" rotWithShape="0">
+                    <a:srgbClr val="6E747A">
+                      <a:alpha val="43000"/>
+                    </a:srgbClr>
+                  </a:outerShdw>
+                </a:effectLst>
+              </a:rPr>
+              <a:t>(User Dashboard)</a:t>
+            </a:r>
+            <a:endParaRPr lang="en-US" sz="5400" b="0" cap="none" spc="0" dirty="0">
+              <a:ln w="0"/>
               <a:solidFill>
-                <a:schemeClr val="bg1"/>
+                <a:schemeClr val="accent1"/>
               </a:solidFill>
+              <a:effectLst>
+                <a:outerShdw blurRad="38100" dist="25400" dir="5400000" algn="ctr" rotWithShape="0">
+                  <a:srgbClr val="6E747A">
+                    <a:alpha val="43000"/>
+                  </a:srgbClr>
+                </a:outerShdw>
+              </a:effectLst>
             </a:endParaRPr>
-          </a:p>
-        </p:txBody>
-      </p:sp>
-      <p:sp>
-        <p:nvSpPr>
-          <p:cNvPr id="8" name="Rectangle 7"/>
-          <p:cNvSpPr/>
-          <p:nvPr/>
-        </p:nvSpPr>
-        <p:spPr>
-          <a:xfrm>
-            <a:off x="4336321" y="1160239"/>
-            <a:ext cx="2952206" cy="313730"/>
-          </a:xfrm>
-          <a:prstGeom prst="rect">
-            <a:avLst/>
-          </a:prstGeom>
-        </p:spPr>
-        <p:style>
-          <a:lnRef idx="2">
-            <a:schemeClr val="accent6"/>
-          </a:lnRef>
-          <a:fillRef idx="1">
-            <a:schemeClr val="lt1"/>
-          </a:fillRef>
-          <a:effectRef idx="0">
-            <a:schemeClr val="accent6"/>
-          </a:effectRef>
-          <a:fontRef idx="minor">
-            <a:schemeClr val="dk1"/>
-          </a:fontRef>
-        </p:style>
-        <p:txBody>
-          <a:bodyPr rtlCol="0" anchor="ctr"/>
-          <a:lstStyle/>
-          <a:p>
-            <a:pPr algn="ctr"/>
-            <a:endParaRPr lang="en-IN"/>
-          </a:p>
-        </p:txBody>
-      </p:sp>
-      <p:sp>
-        <p:nvSpPr>
-          <p:cNvPr id="9" name="Rectangle 8"/>
-          <p:cNvSpPr/>
-          <p:nvPr/>
-        </p:nvSpPr>
-        <p:spPr>
-          <a:xfrm>
-            <a:off x="4336321" y="1831446"/>
-            <a:ext cx="2952206" cy="313730"/>
-          </a:xfrm>
-          <a:prstGeom prst="rect">
-            <a:avLst/>
-          </a:prstGeom>
-        </p:spPr>
-        <p:style>
-          <a:lnRef idx="2">
-            <a:schemeClr val="accent6"/>
-          </a:lnRef>
-          <a:fillRef idx="1">
-            <a:schemeClr val="lt1"/>
-          </a:fillRef>
-          <a:effectRef idx="0">
-            <a:schemeClr val="accent6"/>
-          </a:effectRef>
-          <a:fontRef idx="minor">
-            <a:schemeClr val="dk1"/>
-          </a:fontRef>
-        </p:style>
-        <p:txBody>
-          <a:bodyPr rtlCol="0" anchor="ctr"/>
-          <a:lstStyle/>
-          <a:p>
-            <a:pPr algn="ctr"/>
-            <a:endParaRPr lang="en-IN"/>
-          </a:p>
-        </p:txBody>
-      </p:sp>
-      <p:sp>
-        <p:nvSpPr>
-          <p:cNvPr id="10" name="TextBox 9"/>
-          <p:cNvSpPr txBox="1"/>
-          <p:nvPr/>
-        </p:nvSpPr>
-        <p:spPr>
-          <a:xfrm>
-            <a:off x="4336321" y="822960"/>
-            <a:ext cx="1999165" cy="369332"/>
-          </a:xfrm>
-          <a:prstGeom prst="rect">
-            <a:avLst/>
-          </a:prstGeom>
-          <a:noFill/>
-        </p:spPr>
-        <p:txBody>
-          <a:bodyPr wrap="square" rtlCol="0">
-            <a:spAutoFit/>
-          </a:bodyPr>
-          <a:lstStyle/>
-          <a:p>
-            <a:r>
-              <a:rPr lang="en-IN" dirty="0" smtClean="0">
-                <a:solidFill>
-                  <a:schemeClr val="bg1"/>
-                </a:solidFill>
-              </a:rPr>
-              <a:t>email</a:t>
-            </a:r>
-            <a:endParaRPr lang="en-IN" dirty="0">
-              <a:solidFill>
-                <a:schemeClr val="bg1"/>
-              </a:solidFill>
-            </a:endParaRPr>
-          </a:p>
-        </p:txBody>
-      </p:sp>
-      <p:sp>
-        <p:nvSpPr>
-          <p:cNvPr id="11" name="TextBox 10"/>
-          <p:cNvSpPr txBox="1"/>
-          <p:nvPr/>
-        </p:nvSpPr>
-        <p:spPr>
-          <a:xfrm>
-            <a:off x="4336320" y="1468042"/>
-            <a:ext cx="1999165" cy="369332"/>
-          </a:xfrm>
-          <a:prstGeom prst="rect">
-            <a:avLst/>
-          </a:prstGeom>
-          <a:noFill/>
-        </p:spPr>
-        <p:txBody>
-          <a:bodyPr wrap="square" rtlCol="0">
-            <a:spAutoFit/>
-          </a:bodyPr>
-          <a:lstStyle/>
-          <a:p>
-            <a:r>
-              <a:rPr lang="en-IN" dirty="0" smtClean="0">
-                <a:solidFill>
-                  <a:schemeClr val="bg1"/>
-                </a:solidFill>
-              </a:rPr>
-              <a:t>D.O.B</a:t>
-            </a:r>
-            <a:endParaRPr lang="en-IN" dirty="0">
-              <a:solidFill>
-                <a:schemeClr val="bg1"/>
-              </a:solidFill>
-            </a:endParaRPr>
-          </a:p>
-        </p:txBody>
-      </p:sp>
-      <p:sp>
-        <p:nvSpPr>
-          <p:cNvPr id="12" name="Rectangle 11"/>
-          <p:cNvSpPr/>
-          <p:nvPr/>
-        </p:nvSpPr>
-        <p:spPr>
-          <a:xfrm>
-            <a:off x="6897189" y="1831446"/>
-            <a:ext cx="391338" cy="313730"/>
-          </a:xfrm>
-          <a:prstGeom prst="rect">
-            <a:avLst/>
-          </a:prstGeom>
-        </p:spPr>
-        <p:style>
-          <a:lnRef idx="2">
-            <a:schemeClr val="accent1">
-              <a:shade val="50000"/>
-            </a:schemeClr>
-          </a:lnRef>
-          <a:fillRef idx="1">
-            <a:schemeClr val="accent1"/>
-          </a:fillRef>
-          <a:effectRef idx="0">
-            <a:schemeClr val="accent1"/>
-          </a:effectRef>
-          <a:fontRef idx="minor">
-            <a:schemeClr val="lt1"/>
-          </a:fontRef>
-        </p:style>
-        <p:txBody>
-          <a:bodyPr rtlCol="0" anchor="ctr"/>
-          <a:lstStyle/>
-          <a:p>
-            <a:pPr algn="ctr"/>
-            <a:endParaRPr lang="en-IN"/>
-          </a:p>
-        </p:txBody>
-      </p:sp>
-      <p:sp>
-        <p:nvSpPr>
-          <p:cNvPr id="13" name="Rounded Rectangle 12"/>
-          <p:cNvSpPr/>
-          <p:nvPr/>
-        </p:nvSpPr>
-        <p:spPr>
-          <a:xfrm>
-            <a:off x="4376057" y="2502653"/>
-            <a:ext cx="2462348" cy="457200"/>
-          </a:xfrm>
-          <a:prstGeom prst="roundRect">
-            <a:avLst/>
-          </a:prstGeom>
-        </p:spPr>
-        <p:style>
-          <a:lnRef idx="2">
-            <a:schemeClr val="accent5">
-              <a:shade val="50000"/>
-            </a:schemeClr>
-          </a:lnRef>
-          <a:fillRef idx="1">
-            <a:schemeClr val="accent5"/>
-          </a:fillRef>
-          <a:effectRef idx="0">
-            <a:schemeClr val="accent5"/>
-          </a:effectRef>
-          <a:fontRef idx="minor">
-            <a:schemeClr val="lt1"/>
-          </a:fontRef>
-        </p:style>
-        <p:txBody>
-          <a:bodyPr rtlCol="0" anchor="ctr"/>
-          <a:lstStyle/>
-          <a:p>
-            <a:pPr algn="ctr"/>
-            <a:r>
-              <a:rPr lang="en-IN" dirty="0" smtClean="0"/>
-              <a:t>SUBMIT</a:t>
-            </a:r>
-            <a:endParaRPr lang="en-IN" dirty="0"/>
           </a:p>
         </p:txBody>
       </p:sp>
     </p:spTree>
     <p:extLst>
       <p:ext uri="{BB962C8B-B14F-4D97-AF65-F5344CB8AC3E}">
-        <p14:creationId xmlns:p14="http://schemas.microsoft.com/office/powerpoint/2010/main" val="2008069484"/>
+        <p14:creationId xmlns:p14="http://schemas.microsoft.com/office/powerpoint/2010/main" val="641146023"/>
       </p:ext>
     </p:extLst>
   </p:cSld>
@@ -4897,14 +4533,174 @@
       </p:grpSpPr>
       <p:sp>
         <p:nvSpPr>
-          <p:cNvPr id="2" name="Rectangle 1"/>
+          <p:cNvPr id="5" name="Rectangle 4"/>
           <p:cNvSpPr/>
           <p:nvPr/>
         </p:nvSpPr>
         <p:spPr>
           <a:xfrm>
-            <a:off x="2324593" y="1974558"/>
-            <a:ext cx="8013091" cy="923330"/>
+            <a:off x="0" y="0"/>
+            <a:ext cx="12192000" cy="6858000"/>
+          </a:xfrm>
+          <a:prstGeom prst="rect">
+            <a:avLst/>
+          </a:prstGeom>
+        </p:spPr>
+        <p:style>
+          <a:lnRef idx="1">
+            <a:schemeClr val="accent5"/>
+          </a:lnRef>
+          <a:fillRef idx="2">
+            <a:schemeClr val="accent5"/>
+          </a:fillRef>
+          <a:effectRef idx="1">
+            <a:schemeClr val="accent5"/>
+          </a:effectRef>
+          <a:fontRef idx="minor">
+            <a:schemeClr val="dk1"/>
+          </a:fontRef>
+        </p:style>
+        <p:txBody>
+          <a:bodyPr rtlCol="0" anchor="ctr"/>
+          <a:lstStyle/>
+          <a:p>
+            <a:pPr algn="ctr"/>
+            <a:endParaRPr lang="en-IN"/>
+          </a:p>
+        </p:txBody>
+      </p:sp>
+      <p:sp>
+        <p:nvSpPr>
+          <p:cNvPr id="7" name="Rectangle 6"/>
+          <p:cNvSpPr/>
+          <p:nvPr/>
+        </p:nvSpPr>
+        <p:spPr>
+          <a:xfrm>
+            <a:off x="617220" y="1211580"/>
+            <a:ext cx="2171700" cy="2011680"/>
+          </a:xfrm>
+          <a:prstGeom prst="rect">
+            <a:avLst/>
+          </a:prstGeom>
+        </p:spPr>
+        <p:style>
+          <a:lnRef idx="1">
+            <a:schemeClr val="accent3"/>
+          </a:lnRef>
+          <a:fillRef idx="2">
+            <a:schemeClr val="accent3"/>
+          </a:fillRef>
+          <a:effectRef idx="1">
+            <a:schemeClr val="accent3"/>
+          </a:effectRef>
+          <a:fontRef idx="minor">
+            <a:schemeClr val="dk1"/>
+          </a:fontRef>
+        </p:style>
+        <p:txBody>
+          <a:bodyPr rtlCol="0" anchor="ctr"/>
+          <a:lstStyle/>
+          <a:p>
+            <a:pPr algn="ctr"/>
+            <a:endParaRPr lang="en-IN"/>
+          </a:p>
+        </p:txBody>
+      </p:sp>
+      <p:sp>
+        <p:nvSpPr>
+          <p:cNvPr id="8" name="Rectangle 7"/>
+          <p:cNvSpPr/>
+          <p:nvPr/>
+        </p:nvSpPr>
+        <p:spPr>
+          <a:xfrm>
+            <a:off x="205740" y="228600"/>
+            <a:ext cx="11567160" cy="800100"/>
+          </a:xfrm>
+          <a:prstGeom prst="rect">
+            <a:avLst/>
+          </a:prstGeom>
+        </p:spPr>
+        <p:style>
+          <a:lnRef idx="2">
+            <a:schemeClr val="accent1">
+              <a:shade val="50000"/>
+            </a:schemeClr>
+          </a:lnRef>
+          <a:fillRef idx="1">
+            <a:schemeClr val="accent1"/>
+          </a:fillRef>
+          <a:effectRef idx="0">
+            <a:schemeClr val="accent1"/>
+          </a:effectRef>
+          <a:fontRef idx="minor">
+            <a:schemeClr val="lt1"/>
+          </a:fontRef>
+        </p:style>
+        <p:txBody>
+          <a:bodyPr rtlCol="0" anchor="ctr"/>
+          <a:lstStyle/>
+          <a:p>
+            <a:pPr algn="ctr"/>
+            <a:endParaRPr lang="en-IN"/>
+          </a:p>
+        </p:txBody>
+      </p:sp>
+      <p:sp>
+        <p:nvSpPr>
+          <p:cNvPr id="9" name="Rounded Rectangle 8"/>
+          <p:cNvSpPr/>
+          <p:nvPr/>
+        </p:nvSpPr>
+        <p:spPr>
+          <a:xfrm>
+            <a:off x="9108077" y="400050"/>
+            <a:ext cx="2462348" cy="457200"/>
+          </a:xfrm>
+          <a:prstGeom prst="roundRect">
+            <a:avLst/>
+          </a:prstGeom>
+        </p:spPr>
+        <p:style>
+          <a:lnRef idx="2">
+            <a:schemeClr val="accent5">
+              <a:shade val="50000"/>
+            </a:schemeClr>
+          </a:lnRef>
+          <a:fillRef idx="1">
+            <a:schemeClr val="accent5"/>
+          </a:fillRef>
+          <a:effectRef idx="0">
+            <a:schemeClr val="accent5"/>
+          </a:effectRef>
+          <a:fontRef idx="minor">
+            <a:schemeClr val="lt1"/>
+          </a:fontRef>
+        </p:style>
+        <p:txBody>
+          <a:bodyPr rtlCol="0" anchor="ctr"/>
+          <a:lstStyle/>
+          <a:p>
+            <a:pPr algn="ctr"/>
+            <a:r>
+              <a:rPr lang="en-IN" dirty="0" smtClean="0"/>
+              <a:t>SIGN OUT</a:t>
+            </a:r>
+            <a:endParaRPr lang="en-IN" dirty="0"/>
+          </a:p>
+        </p:txBody>
+      </p:sp>
+      <p:sp>
+        <p:nvSpPr>
+          <p:cNvPr id="15" name="TextBox 14"/>
+          <p:cNvSpPr txBox="1"/>
+          <p:nvPr/>
+        </p:nvSpPr>
+        <p:spPr>
+          <a:xfrm>
+            <a:off x="3543300" y="1714500"/>
+            <a:ext cx="7360920" cy="1200329"/>
           </a:xfrm>
           <a:prstGeom prst="rect">
             <a:avLst/>
@@ -4912,40 +4708,230 @@
           <a:noFill/>
         </p:spPr>
         <p:txBody>
-          <a:bodyPr wrap="none" lIns="91440" tIns="45720" rIns="91440" bIns="45720">
+          <a:bodyPr wrap="square" rtlCol="0">
             <a:spAutoFit/>
           </a:bodyPr>
           <a:lstStyle/>
           <a:p>
-            <a:pPr algn="ctr"/>
-            <a:r>
-              <a:rPr lang="en-US" sz="5400" b="0" cap="none" spc="0" dirty="0" smtClean="0">
+            <a:r>
+              <a:rPr lang="en-IN" sz="7200" b="1" spc="50" dirty="0" smtClean="0">
                 <a:ln w="0"/>
                 <a:solidFill>
-                  <a:schemeClr val="accent1"/>
+                  <a:schemeClr val="bg2"/>
                 </a:solidFill>
                 <a:effectLst>
-                  <a:outerShdw blurRad="38100" dist="25400" dir="5400000" algn="ctr" rotWithShape="0">
-                    <a:srgbClr val="6E747A">
-                      <a:alpha val="43000"/>
+                  <a:innerShdw blurRad="63500" dist="50800" dir="13500000">
+                    <a:srgbClr val="000000">
+                      <a:alpha val="50000"/>
                     </a:srgbClr>
-                  </a:outerShdw>
+                  </a:innerShdw>
                 </a:effectLst>
               </a:rPr>
-              <a:t>Verification Failure Scenario</a:t>
-            </a:r>
-            <a:endParaRPr lang="en-US" sz="5400" b="0" cap="none" spc="0" dirty="0">
+              <a:t>Welcome ABC</a:t>
+            </a:r>
+            <a:endParaRPr lang="en-IN" sz="7200" b="1" spc="50" dirty="0">
               <a:ln w="0"/>
               <a:solidFill>
-                <a:schemeClr val="accent1"/>
+                <a:schemeClr val="bg2"/>
               </a:solidFill>
               <a:effectLst>
-                <a:outerShdw blurRad="38100" dist="25400" dir="5400000" algn="ctr" rotWithShape="0">
-                  <a:srgbClr val="6E747A">
-                    <a:alpha val="43000"/>
+                <a:innerShdw blurRad="63500" dist="50800" dir="13500000">
+                  <a:srgbClr val="000000">
+                    <a:alpha val="50000"/>
                   </a:srgbClr>
-                </a:outerShdw>
+                </a:innerShdw>
               </a:effectLst>
+            </a:endParaRPr>
+          </a:p>
+        </p:txBody>
+      </p:sp>
+      <p:sp>
+        <p:nvSpPr>
+          <p:cNvPr id="18" name="TextBox 17"/>
+          <p:cNvSpPr txBox="1"/>
+          <p:nvPr/>
+        </p:nvSpPr>
+        <p:spPr>
+          <a:xfrm>
+            <a:off x="617220" y="4524256"/>
+            <a:ext cx="4411980" cy="523220"/>
+          </a:xfrm>
+          <a:prstGeom prst="rect">
+            <a:avLst/>
+          </a:prstGeom>
+          <a:noFill/>
+        </p:spPr>
+        <p:txBody>
+          <a:bodyPr wrap="square" rtlCol="0">
+            <a:spAutoFit/>
+          </a:bodyPr>
+          <a:lstStyle/>
+          <a:p>
+            <a:r>
+              <a:rPr lang="en-IN" sz="2800" dirty="0" smtClean="0">
+                <a:solidFill>
+                  <a:schemeClr val="bg1"/>
+                </a:solidFill>
+              </a:rPr>
+              <a:t>Birthday</a:t>
+            </a:r>
+            <a:r>
+              <a:rPr lang="en-IN" dirty="0" smtClean="0">
+                <a:solidFill>
+                  <a:schemeClr val="bg1"/>
+                </a:solidFill>
+              </a:rPr>
+              <a:t>:</a:t>
+            </a:r>
+            <a:endParaRPr lang="en-IN" dirty="0">
+              <a:solidFill>
+                <a:schemeClr val="bg1"/>
+              </a:solidFill>
+            </a:endParaRPr>
+          </a:p>
+        </p:txBody>
+      </p:sp>
+      <p:sp>
+        <p:nvSpPr>
+          <p:cNvPr id="19" name="TextBox 18"/>
+          <p:cNvSpPr txBox="1"/>
+          <p:nvPr/>
+        </p:nvSpPr>
+        <p:spPr>
+          <a:xfrm>
+            <a:off x="617220" y="3836670"/>
+            <a:ext cx="4411980" cy="523220"/>
+          </a:xfrm>
+          <a:prstGeom prst="rect">
+            <a:avLst/>
+          </a:prstGeom>
+          <a:noFill/>
+        </p:spPr>
+        <p:txBody>
+          <a:bodyPr wrap="square" rtlCol="0">
+            <a:spAutoFit/>
+          </a:bodyPr>
+          <a:lstStyle/>
+          <a:p>
+            <a:r>
+              <a:rPr lang="en-IN" sz="2800" dirty="0" smtClean="0">
+                <a:solidFill>
+                  <a:schemeClr val="bg1"/>
+                </a:solidFill>
+              </a:rPr>
+              <a:t>Address:</a:t>
+            </a:r>
+            <a:r>
+              <a:rPr lang="en-IN" dirty="0" smtClean="0"/>
+              <a:t> </a:t>
+            </a:r>
+            <a:endParaRPr lang="en-IN" dirty="0"/>
+          </a:p>
+        </p:txBody>
+      </p:sp>
+      <p:sp>
+        <p:nvSpPr>
+          <p:cNvPr id="21" name="TextBox 20"/>
+          <p:cNvSpPr txBox="1"/>
+          <p:nvPr/>
+        </p:nvSpPr>
+        <p:spPr>
+          <a:xfrm>
+            <a:off x="331470" y="314623"/>
+            <a:ext cx="3520440" cy="523220"/>
+          </a:xfrm>
+          <a:prstGeom prst="rect">
+            <a:avLst/>
+          </a:prstGeom>
+          <a:noFill/>
+        </p:spPr>
+        <p:txBody>
+          <a:bodyPr wrap="square" rtlCol="0">
+            <a:spAutoFit/>
+          </a:bodyPr>
+          <a:lstStyle/>
+          <a:p>
+            <a:r>
+              <a:rPr lang="en-IN" sz="2800" dirty="0" smtClean="0">
+                <a:solidFill>
+                  <a:schemeClr val="bg1"/>
+                </a:solidFill>
+              </a:rPr>
+              <a:t>Social Vibes</a:t>
+            </a:r>
+            <a:endParaRPr lang="en-IN" sz="2800" dirty="0">
+              <a:solidFill>
+                <a:schemeClr val="bg1"/>
+              </a:solidFill>
+            </a:endParaRPr>
+          </a:p>
+        </p:txBody>
+      </p:sp>
+      <p:pic>
+        <p:nvPicPr>
+          <p:cNvPr id="2" name="Picture 1"/>
+          <p:cNvPicPr>
+            <a:picLocks noChangeAspect="1"/>
+          </p:cNvPicPr>
+          <p:nvPr/>
+        </p:nvPicPr>
+        <p:blipFill>
+          <a:blip r:embed="rId2">
+            <a:extLst>
+              <a:ext uri="{28A0092B-C50C-407E-A947-70E740481C1C}">
+                <a14:useLocalDpi xmlns:a14="http://schemas.microsoft.com/office/drawing/2010/main" val="0"/>
+              </a:ext>
+            </a:extLst>
+          </a:blip>
+          <a:stretch>
+            <a:fillRect/>
+          </a:stretch>
+        </p:blipFill>
+        <p:spPr>
+          <a:xfrm>
+            <a:off x="602087" y="1215926"/>
+            <a:ext cx="2201966" cy="2011680"/>
+          </a:xfrm>
+          <a:prstGeom prst="rect">
+            <a:avLst/>
+          </a:prstGeom>
+        </p:spPr>
+      </p:pic>
+      <p:sp>
+        <p:nvSpPr>
+          <p:cNvPr id="3" name="TextBox 2"/>
+          <p:cNvSpPr txBox="1"/>
+          <p:nvPr/>
+        </p:nvSpPr>
+        <p:spPr>
+          <a:xfrm>
+            <a:off x="1136469" y="2914829"/>
+            <a:ext cx="1084217" cy="369332"/>
+          </a:xfrm>
+          <a:prstGeom prst="rect">
+            <a:avLst/>
+          </a:prstGeom>
+          <a:noFill/>
+        </p:spPr>
+        <p:txBody>
+          <a:bodyPr wrap="square" rtlCol="0">
+            <a:spAutoFit/>
+          </a:bodyPr>
+          <a:lstStyle/>
+          <a:p>
+            <a:pPr algn="ctr"/>
+            <a:r>
+              <a:rPr lang="en-IN" u="sng" dirty="0" smtClean="0">
+                <a:solidFill>
+                  <a:schemeClr val="tx2"/>
+                </a:solidFill>
+              </a:rPr>
+              <a:t>EDIT</a:t>
+            </a:r>
+            <a:endParaRPr lang="en-IN" u="sng" dirty="0">
+              <a:solidFill>
+                <a:schemeClr val="tx2"/>
+              </a:solidFill>
             </a:endParaRPr>
           </a:p>
         </p:txBody>
@@ -4953,7 +4939,7 @@
     </p:spTree>
     <p:extLst>
       <p:ext uri="{BB962C8B-B14F-4D97-AF65-F5344CB8AC3E}">
-        <p14:creationId xmlns:p14="http://schemas.microsoft.com/office/powerpoint/2010/main" val="292850194"/>
+        <p14:creationId xmlns:p14="http://schemas.microsoft.com/office/powerpoint/2010/main" val="2860794110"/>
       </p:ext>
     </p:extLst>
   </p:cSld>
@@ -4989,52 +4975,14 @@
       </p:grpSpPr>
       <p:sp>
         <p:nvSpPr>
-          <p:cNvPr id="4" name="Rectangle 3"/>
+          <p:cNvPr id="2" name="Rectangle 1"/>
           <p:cNvSpPr/>
           <p:nvPr/>
         </p:nvSpPr>
         <p:spPr>
           <a:xfrm>
-            <a:off x="3272244" y="0"/>
-            <a:ext cx="4558937" cy="6766559"/>
-          </a:xfrm>
-          <a:prstGeom prst="rect">
-            <a:avLst/>
-          </a:prstGeom>
-        </p:spPr>
-        <p:style>
-          <a:lnRef idx="1">
-            <a:schemeClr val="accent1"/>
-          </a:lnRef>
-          <a:fillRef idx="2">
-            <a:schemeClr val="accent1"/>
-          </a:fillRef>
-          <a:effectRef idx="1">
-            <a:schemeClr val="accent1"/>
-          </a:effectRef>
-          <a:fontRef idx="minor">
-            <a:schemeClr val="dk1"/>
-          </a:fontRef>
-        </p:style>
-        <p:txBody>
-          <a:bodyPr rtlCol="0" anchor="ctr"/>
-          <a:lstStyle/>
-          <a:p>
-            <a:pPr algn="ctr"/>
-            <a:endParaRPr lang="en-IN"/>
-          </a:p>
-        </p:txBody>
-      </p:sp>
-      <p:sp>
-        <p:nvSpPr>
-          <p:cNvPr id="7" name="TextBox 6"/>
-          <p:cNvSpPr txBox="1"/>
-          <p:nvPr/>
-        </p:nvSpPr>
-        <p:spPr>
-          <a:xfrm>
-            <a:off x="4376057" y="130629"/>
-            <a:ext cx="2677886" cy="369332"/>
+            <a:off x="2615603" y="2144375"/>
+            <a:ext cx="7378815" cy="1754326"/>
           </a:xfrm>
           <a:prstGeom prst="rect">
             <a:avLst/>
@@ -5042,306 +4990,59 @@
           <a:noFill/>
         </p:spPr>
         <p:txBody>
-          <a:bodyPr wrap="square" rtlCol="0">
+          <a:bodyPr wrap="none" lIns="91440" tIns="45720" rIns="91440" bIns="45720">
             <a:spAutoFit/>
           </a:bodyPr>
           <a:lstStyle/>
           <a:p>
             <a:pPr algn="ctr"/>
             <a:r>
-              <a:rPr lang="en-IN" u="sng" dirty="0" smtClean="0">
+              <a:rPr lang="en-US" sz="5400" b="0" cap="none" spc="0" dirty="0" smtClean="0">
+                <a:ln w="0"/>
                 <a:solidFill>
-                  <a:schemeClr val="bg1"/>
+                  <a:schemeClr val="accent1"/>
                 </a:solidFill>
+                <a:effectLst>
+                  <a:outerShdw blurRad="38100" dist="25400" dir="5400000" algn="ctr" rotWithShape="0">
+                    <a:srgbClr val="6E747A">
+                      <a:alpha val="43000"/>
+                    </a:srgbClr>
+                  </a:outerShdw>
+                </a:effectLst>
               </a:rPr>
-              <a:t>Verify Your Details </a:t>
-            </a:r>
-            <a:endParaRPr lang="en-IN" u="sng" dirty="0">
+              <a:t>Forget Password Scenario</a:t>
+            </a:r>
+          </a:p>
+          <a:p>
+            <a:pPr algn="ctr"/>
+            <a:r>
+              <a:rPr lang="en-US" sz="5400" b="0" cap="none" spc="0" dirty="0" smtClean="0">
+                <a:ln w="0"/>
+                <a:solidFill>
+                  <a:schemeClr val="accent1"/>
+                </a:solidFill>
+                <a:effectLst>
+                  <a:outerShdw blurRad="38100" dist="25400" dir="5400000" algn="ctr" rotWithShape="0">
+                    <a:srgbClr val="6E747A">
+                      <a:alpha val="43000"/>
+                    </a:srgbClr>
+                  </a:outerShdw>
+                </a:effectLst>
+              </a:rPr>
+              <a:t>(Details Verification Page)</a:t>
+            </a:r>
+            <a:endParaRPr lang="en-US" sz="5400" b="0" cap="none" spc="0" dirty="0">
+              <a:ln w="0"/>
               <a:solidFill>
-                <a:schemeClr val="bg1"/>
+                <a:schemeClr val="accent1"/>
               </a:solidFill>
-            </a:endParaRPr>
-          </a:p>
-        </p:txBody>
-      </p:sp>
-      <p:sp>
-        <p:nvSpPr>
-          <p:cNvPr id="8" name="Rectangle 7"/>
-          <p:cNvSpPr/>
-          <p:nvPr/>
-        </p:nvSpPr>
-        <p:spPr>
-          <a:xfrm>
-            <a:off x="4336321" y="1160239"/>
-            <a:ext cx="2952206" cy="313730"/>
-          </a:xfrm>
-          <a:prstGeom prst="rect">
-            <a:avLst/>
-          </a:prstGeom>
-        </p:spPr>
-        <p:style>
-          <a:lnRef idx="2">
-            <a:schemeClr val="accent6"/>
-          </a:lnRef>
-          <a:fillRef idx="1">
-            <a:schemeClr val="lt1"/>
-          </a:fillRef>
-          <a:effectRef idx="0">
-            <a:schemeClr val="accent6"/>
-          </a:effectRef>
-          <a:fontRef idx="minor">
-            <a:schemeClr val="dk1"/>
-          </a:fontRef>
-        </p:style>
-        <p:txBody>
-          <a:bodyPr rtlCol="0" anchor="ctr"/>
-          <a:lstStyle/>
-          <a:p>
-            <a:pPr algn="ctr"/>
-            <a:endParaRPr lang="en-IN"/>
-          </a:p>
-        </p:txBody>
-      </p:sp>
-      <p:sp>
-        <p:nvSpPr>
-          <p:cNvPr id="9" name="Rectangle 8"/>
-          <p:cNvSpPr/>
-          <p:nvPr/>
-        </p:nvSpPr>
-        <p:spPr>
-          <a:xfrm>
-            <a:off x="4336321" y="1831446"/>
-            <a:ext cx="2952206" cy="313730"/>
-          </a:xfrm>
-          <a:prstGeom prst="rect">
-            <a:avLst/>
-          </a:prstGeom>
-        </p:spPr>
-        <p:style>
-          <a:lnRef idx="2">
-            <a:schemeClr val="accent6"/>
-          </a:lnRef>
-          <a:fillRef idx="1">
-            <a:schemeClr val="lt1"/>
-          </a:fillRef>
-          <a:effectRef idx="0">
-            <a:schemeClr val="accent6"/>
-          </a:effectRef>
-          <a:fontRef idx="minor">
-            <a:schemeClr val="dk1"/>
-          </a:fontRef>
-        </p:style>
-        <p:txBody>
-          <a:bodyPr rtlCol="0" anchor="ctr"/>
-          <a:lstStyle/>
-          <a:p>
-            <a:pPr algn="ctr"/>
-            <a:endParaRPr lang="en-IN"/>
-          </a:p>
-        </p:txBody>
-      </p:sp>
-      <p:sp>
-        <p:nvSpPr>
-          <p:cNvPr id="10" name="TextBox 9"/>
-          <p:cNvSpPr txBox="1"/>
-          <p:nvPr/>
-        </p:nvSpPr>
-        <p:spPr>
-          <a:xfrm>
-            <a:off x="4336321" y="822960"/>
-            <a:ext cx="1999165" cy="369332"/>
-          </a:xfrm>
-          <a:prstGeom prst="rect">
-            <a:avLst/>
-          </a:prstGeom>
-          <a:noFill/>
-        </p:spPr>
-        <p:txBody>
-          <a:bodyPr wrap="square" rtlCol="0">
-            <a:spAutoFit/>
-          </a:bodyPr>
-          <a:lstStyle/>
-          <a:p>
-            <a:r>
-              <a:rPr lang="en-IN" dirty="0">
-                <a:solidFill>
-                  <a:schemeClr val="bg1"/>
-                </a:solidFill>
-              </a:rPr>
-              <a:t>E</a:t>
-            </a:r>
-            <a:r>
-              <a:rPr lang="en-IN" dirty="0" smtClean="0">
-                <a:solidFill>
-                  <a:schemeClr val="bg1"/>
-                </a:solidFill>
-              </a:rPr>
-              <a:t>mail</a:t>
-            </a:r>
-            <a:endParaRPr lang="en-IN" dirty="0">
-              <a:solidFill>
-                <a:schemeClr val="bg1"/>
-              </a:solidFill>
-            </a:endParaRPr>
-          </a:p>
-        </p:txBody>
-      </p:sp>
-      <p:sp>
-        <p:nvSpPr>
-          <p:cNvPr id="11" name="TextBox 10"/>
-          <p:cNvSpPr txBox="1"/>
-          <p:nvPr/>
-        </p:nvSpPr>
-        <p:spPr>
-          <a:xfrm>
-            <a:off x="4336320" y="1468042"/>
-            <a:ext cx="1999165" cy="369332"/>
-          </a:xfrm>
-          <a:prstGeom prst="rect">
-            <a:avLst/>
-          </a:prstGeom>
-          <a:noFill/>
-        </p:spPr>
-        <p:txBody>
-          <a:bodyPr wrap="square" rtlCol="0">
-            <a:spAutoFit/>
-          </a:bodyPr>
-          <a:lstStyle/>
-          <a:p>
-            <a:r>
-              <a:rPr lang="en-IN" dirty="0" smtClean="0">
-                <a:solidFill>
-                  <a:schemeClr val="bg1"/>
-                </a:solidFill>
-              </a:rPr>
-              <a:t>D.O.B</a:t>
-            </a:r>
-            <a:endParaRPr lang="en-IN" dirty="0">
-              <a:solidFill>
-                <a:schemeClr val="bg1"/>
-              </a:solidFill>
-            </a:endParaRPr>
-          </a:p>
-        </p:txBody>
-      </p:sp>
-      <p:sp>
-        <p:nvSpPr>
-          <p:cNvPr id="12" name="Rectangle 11"/>
-          <p:cNvSpPr/>
-          <p:nvPr/>
-        </p:nvSpPr>
-        <p:spPr>
-          <a:xfrm>
-            <a:off x="6897189" y="1831446"/>
-            <a:ext cx="391338" cy="313730"/>
-          </a:xfrm>
-          <a:prstGeom prst="rect">
-            <a:avLst/>
-          </a:prstGeom>
-        </p:spPr>
-        <p:style>
-          <a:lnRef idx="2">
-            <a:schemeClr val="accent1">
-              <a:shade val="50000"/>
-            </a:schemeClr>
-          </a:lnRef>
-          <a:fillRef idx="1">
-            <a:schemeClr val="accent1"/>
-          </a:fillRef>
-          <a:effectRef idx="0">
-            <a:schemeClr val="accent1"/>
-          </a:effectRef>
-          <a:fontRef idx="minor">
-            <a:schemeClr val="lt1"/>
-          </a:fontRef>
-        </p:style>
-        <p:txBody>
-          <a:bodyPr rtlCol="0" anchor="ctr"/>
-          <a:lstStyle/>
-          <a:p>
-            <a:pPr algn="ctr"/>
-            <a:endParaRPr lang="en-IN"/>
-          </a:p>
-        </p:txBody>
-      </p:sp>
-      <p:sp>
-        <p:nvSpPr>
-          <p:cNvPr id="13" name="Rounded Rectangle 12"/>
-          <p:cNvSpPr/>
-          <p:nvPr/>
-        </p:nvSpPr>
-        <p:spPr>
-          <a:xfrm>
-            <a:off x="4376057" y="2502653"/>
-            <a:ext cx="2462348" cy="457200"/>
-          </a:xfrm>
-          <a:prstGeom prst="roundRect">
-            <a:avLst/>
-          </a:prstGeom>
-        </p:spPr>
-        <p:style>
-          <a:lnRef idx="2">
-            <a:schemeClr val="accent5">
-              <a:shade val="50000"/>
-            </a:schemeClr>
-          </a:lnRef>
-          <a:fillRef idx="1">
-            <a:schemeClr val="accent5"/>
-          </a:fillRef>
-          <a:effectRef idx="0">
-            <a:schemeClr val="accent5"/>
-          </a:effectRef>
-          <a:fontRef idx="minor">
-            <a:schemeClr val="lt1"/>
-          </a:fontRef>
-        </p:style>
-        <p:txBody>
-          <a:bodyPr rtlCol="0" anchor="ctr"/>
-          <a:lstStyle/>
-          <a:p>
-            <a:pPr algn="ctr"/>
-            <a:r>
-              <a:rPr lang="en-IN" dirty="0" smtClean="0"/>
-              <a:t>SUBMIT</a:t>
-            </a:r>
-            <a:endParaRPr lang="en-IN" dirty="0"/>
-          </a:p>
-        </p:txBody>
-      </p:sp>
-      <p:sp>
-        <p:nvSpPr>
-          <p:cNvPr id="3" name="TextBox 2"/>
-          <p:cNvSpPr txBox="1"/>
-          <p:nvPr/>
-        </p:nvSpPr>
-        <p:spPr>
-          <a:xfrm>
-            <a:off x="3971656" y="549355"/>
-            <a:ext cx="3082287" cy="369332"/>
-          </a:xfrm>
-          <a:prstGeom prst="rect">
-            <a:avLst/>
-          </a:prstGeom>
-          <a:noFill/>
-        </p:spPr>
-        <p:txBody>
-          <a:bodyPr wrap="square" rtlCol="0">
-            <a:spAutoFit/>
-          </a:bodyPr>
-          <a:lstStyle/>
-          <a:p>
-            <a:r>
-              <a:rPr lang="en-IN" dirty="0" smtClean="0">
-                <a:solidFill>
-                  <a:srgbClr val="FF0000"/>
-                </a:solidFill>
-              </a:rPr>
-              <a:t>Record not found !</a:t>
-            </a:r>
-            <a:endParaRPr lang="en-IN" dirty="0">
-              <a:solidFill>
-                <a:srgbClr val="FF0000"/>
-              </a:solidFill>
+              <a:effectLst>
+                <a:outerShdw blurRad="38100" dist="25400" dir="5400000" algn="ctr" rotWithShape="0">
+                  <a:srgbClr val="6E747A">
+                    <a:alpha val="43000"/>
+                  </a:srgbClr>
+                </a:outerShdw>
+              </a:effectLst>
             </a:endParaRPr>
           </a:p>
         </p:txBody>
@@ -5349,7 +5050,7 @@
     </p:spTree>
     <p:extLst>
       <p:ext uri="{BB962C8B-B14F-4D97-AF65-F5344CB8AC3E}">
-        <p14:creationId xmlns:p14="http://schemas.microsoft.com/office/powerpoint/2010/main" val="4115806148"/>
+        <p14:creationId xmlns:p14="http://schemas.microsoft.com/office/powerpoint/2010/main" val="630614963"/>
       </p:ext>
     </p:extLst>
   </p:cSld>
@@ -5385,14 +5086,52 @@
       </p:grpSpPr>
       <p:sp>
         <p:nvSpPr>
-          <p:cNvPr id="2" name="Rectangle 1"/>
+          <p:cNvPr id="4" name="Rectangle 3"/>
           <p:cNvSpPr/>
           <p:nvPr/>
         </p:nvSpPr>
         <p:spPr>
           <a:xfrm>
-            <a:off x="2179058" y="1713301"/>
-            <a:ext cx="8278035" cy="1754326"/>
+            <a:off x="3272244" y="0"/>
+            <a:ext cx="4558937" cy="6766559"/>
+          </a:xfrm>
+          <a:prstGeom prst="rect">
+            <a:avLst/>
+          </a:prstGeom>
+        </p:spPr>
+        <p:style>
+          <a:lnRef idx="1">
+            <a:schemeClr val="accent1"/>
+          </a:lnRef>
+          <a:fillRef idx="2">
+            <a:schemeClr val="accent1"/>
+          </a:fillRef>
+          <a:effectRef idx="1">
+            <a:schemeClr val="accent1"/>
+          </a:effectRef>
+          <a:fontRef idx="minor">
+            <a:schemeClr val="dk1"/>
+          </a:fontRef>
+        </p:style>
+        <p:txBody>
+          <a:bodyPr rtlCol="0" anchor="ctr"/>
+          <a:lstStyle/>
+          <a:p>
+            <a:pPr algn="ctr"/>
+            <a:endParaRPr lang="en-IN"/>
+          </a:p>
+        </p:txBody>
+      </p:sp>
+      <p:sp>
+        <p:nvSpPr>
+          <p:cNvPr id="7" name="TextBox 6"/>
+          <p:cNvSpPr txBox="1"/>
+          <p:nvPr/>
+        </p:nvSpPr>
+        <p:spPr>
+          <a:xfrm>
+            <a:off x="4376057" y="130629"/>
+            <a:ext cx="2677886" cy="369332"/>
           </a:xfrm>
           <a:prstGeom prst="rect">
             <a:avLst/>
@@ -5400,67 +5139,268 @@
           <a:noFill/>
         </p:spPr>
         <p:txBody>
-          <a:bodyPr wrap="none" lIns="91440" tIns="45720" rIns="91440" bIns="45720">
+          <a:bodyPr wrap="square" rtlCol="0">
             <a:spAutoFit/>
           </a:bodyPr>
           <a:lstStyle/>
           <a:p>
             <a:pPr algn="ctr"/>
             <a:r>
-              <a:rPr lang="en-US" sz="5400" b="0" cap="none" spc="0" dirty="0" smtClean="0">
-                <a:ln w="0"/>
+              <a:rPr lang="en-IN" u="sng" dirty="0" smtClean="0">
                 <a:solidFill>
-                  <a:schemeClr val="accent1"/>
+                  <a:schemeClr val="bg1"/>
                 </a:solidFill>
-                <a:effectLst>
-                  <a:outerShdw blurRad="38100" dist="25400" dir="5400000" algn="ctr" rotWithShape="0">
-                    <a:srgbClr val="6E747A">
-                      <a:alpha val="43000"/>
-                    </a:srgbClr>
-                  </a:outerShdw>
-                </a:effectLst>
               </a:rPr>
-              <a:t>Verification Success Scenario</a:t>
-            </a:r>
-          </a:p>
+              <a:t>Verify Your Details </a:t>
+            </a:r>
+            <a:endParaRPr lang="en-IN" u="sng" dirty="0">
+              <a:solidFill>
+                <a:schemeClr val="bg1"/>
+              </a:solidFill>
+            </a:endParaRPr>
+          </a:p>
+        </p:txBody>
+      </p:sp>
+      <p:sp>
+        <p:nvSpPr>
+          <p:cNvPr id="8" name="Rectangle 7"/>
+          <p:cNvSpPr/>
+          <p:nvPr/>
+        </p:nvSpPr>
+        <p:spPr>
+          <a:xfrm>
+            <a:off x="4336321" y="1160239"/>
+            <a:ext cx="2952206" cy="313730"/>
+          </a:xfrm>
+          <a:prstGeom prst="rect">
+            <a:avLst/>
+          </a:prstGeom>
+        </p:spPr>
+        <p:style>
+          <a:lnRef idx="2">
+            <a:schemeClr val="accent6"/>
+          </a:lnRef>
+          <a:fillRef idx="1">
+            <a:schemeClr val="lt1"/>
+          </a:fillRef>
+          <a:effectRef idx="0">
+            <a:schemeClr val="accent6"/>
+          </a:effectRef>
+          <a:fontRef idx="minor">
+            <a:schemeClr val="dk1"/>
+          </a:fontRef>
+        </p:style>
+        <p:txBody>
+          <a:bodyPr rtlCol="0" anchor="ctr"/>
+          <a:lstStyle/>
           <a:p>
             <a:pPr algn="ctr"/>
-            <a:r>
-              <a:rPr lang="en-US" sz="5400" dirty="0" smtClean="0">
-                <a:ln w="0"/>
+            <a:endParaRPr lang="en-IN"/>
+          </a:p>
+        </p:txBody>
+      </p:sp>
+      <p:sp>
+        <p:nvSpPr>
+          <p:cNvPr id="9" name="Rectangle 8"/>
+          <p:cNvSpPr/>
+          <p:nvPr/>
+        </p:nvSpPr>
+        <p:spPr>
+          <a:xfrm>
+            <a:off x="4336321" y="1831446"/>
+            <a:ext cx="2952206" cy="313730"/>
+          </a:xfrm>
+          <a:prstGeom prst="rect">
+            <a:avLst/>
+          </a:prstGeom>
+        </p:spPr>
+        <p:style>
+          <a:lnRef idx="2">
+            <a:schemeClr val="accent6"/>
+          </a:lnRef>
+          <a:fillRef idx="1">
+            <a:schemeClr val="lt1"/>
+          </a:fillRef>
+          <a:effectRef idx="0">
+            <a:schemeClr val="accent6"/>
+          </a:effectRef>
+          <a:fontRef idx="minor">
+            <a:schemeClr val="dk1"/>
+          </a:fontRef>
+        </p:style>
+        <p:txBody>
+          <a:bodyPr rtlCol="0" anchor="ctr"/>
+          <a:lstStyle/>
+          <a:p>
+            <a:pPr algn="ctr"/>
+            <a:endParaRPr lang="en-IN"/>
+          </a:p>
+        </p:txBody>
+      </p:sp>
+      <p:sp>
+        <p:nvSpPr>
+          <p:cNvPr id="10" name="TextBox 9"/>
+          <p:cNvSpPr txBox="1"/>
+          <p:nvPr/>
+        </p:nvSpPr>
+        <p:spPr>
+          <a:xfrm>
+            <a:off x="4336321" y="822960"/>
+            <a:ext cx="1999165" cy="369332"/>
+          </a:xfrm>
+          <a:prstGeom prst="rect">
+            <a:avLst/>
+          </a:prstGeom>
+          <a:noFill/>
+        </p:spPr>
+        <p:txBody>
+          <a:bodyPr wrap="square" rtlCol="0">
+            <a:spAutoFit/>
+          </a:bodyPr>
+          <a:lstStyle/>
+          <a:p>
+            <a:r>
+              <a:rPr lang="en-IN" dirty="0" smtClean="0">
                 <a:solidFill>
-                  <a:schemeClr val="accent1"/>
+                  <a:schemeClr val="bg1"/>
                 </a:solidFill>
-                <a:effectLst>
-                  <a:outerShdw blurRad="38100" dist="25400" dir="5400000" algn="ctr" rotWithShape="0">
-                    <a:srgbClr val="6E747A">
-                      <a:alpha val="43000"/>
-                    </a:srgbClr>
-                  </a:outerShdw>
-                </a:effectLst>
               </a:rPr>
-              <a:t>(Change Password Page)</a:t>
-            </a:r>
-            <a:endParaRPr lang="en-US" sz="5400" b="0" cap="none" spc="0" dirty="0">
-              <a:ln w="0"/>
+              <a:t>email</a:t>
+            </a:r>
+            <a:endParaRPr lang="en-IN" dirty="0">
               <a:solidFill>
-                <a:schemeClr val="accent1"/>
+                <a:schemeClr val="bg1"/>
               </a:solidFill>
-              <a:effectLst>
-                <a:outerShdw blurRad="38100" dist="25400" dir="5400000" algn="ctr" rotWithShape="0">
-                  <a:srgbClr val="6E747A">
-                    <a:alpha val="43000"/>
-                  </a:srgbClr>
-                </a:outerShdw>
-              </a:effectLst>
             </a:endParaRPr>
+          </a:p>
+        </p:txBody>
+      </p:sp>
+      <p:sp>
+        <p:nvSpPr>
+          <p:cNvPr id="11" name="TextBox 10"/>
+          <p:cNvSpPr txBox="1"/>
+          <p:nvPr/>
+        </p:nvSpPr>
+        <p:spPr>
+          <a:xfrm>
+            <a:off x="4336320" y="1468042"/>
+            <a:ext cx="1999165" cy="369332"/>
+          </a:xfrm>
+          <a:prstGeom prst="rect">
+            <a:avLst/>
+          </a:prstGeom>
+          <a:noFill/>
+        </p:spPr>
+        <p:txBody>
+          <a:bodyPr wrap="square" rtlCol="0">
+            <a:spAutoFit/>
+          </a:bodyPr>
+          <a:lstStyle/>
+          <a:p>
+            <a:r>
+              <a:rPr lang="en-IN" dirty="0" smtClean="0">
+                <a:solidFill>
+                  <a:schemeClr val="bg1"/>
+                </a:solidFill>
+              </a:rPr>
+              <a:t>D.O.B</a:t>
+            </a:r>
+            <a:endParaRPr lang="en-IN" dirty="0">
+              <a:solidFill>
+                <a:schemeClr val="bg1"/>
+              </a:solidFill>
+            </a:endParaRPr>
+          </a:p>
+        </p:txBody>
+      </p:sp>
+      <p:sp>
+        <p:nvSpPr>
+          <p:cNvPr id="12" name="Rectangle 11"/>
+          <p:cNvSpPr/>
+          <p:nvPr/>
+        </p:nvSpPr>
+        <p:spPr>
+          <a:xfrm>
+            <a:off x="6897189" y="1831446"/>
+            <a:ext cx="391338" cy="313730"/>
+          </a:xfrm>
+          <a:prstGeom prst="rect">
+            <a:avLst/>
+          </a:prstGeom>
+        </p:spPr>
+        <p:style>
+          <a:lnRef idx="2">
+            <a:schemeClr val="accent1">
+              <a:shade val="50000"/>
+            </a:schemeClr>
+          </a:lnRef>
+          <a:fillRef idx="1">
+            <a:schemeClr val="accent1"/>
+          </a:fillRef>
+          <a:effectRef idx="0">
+            <a:schemeClr val="accent1"/>
+          </a:effectRef>
+          <a:fontRef idx="minor">
+            <a:schemeClr val="lt1"/>
+          </a:fontRef>
+        </p:style>
+        <p:txBody>
+          <a:bodyPr rtlCol="0" anchor="ctr"/>
+          <a:lstStyle/>
+          <a:p>
+            <a:pPr algn="ctr"/>
+            <a:endParaRPr lang="en-IN"/>
+          </a:p>
+        </p:txBody>
+      </p:sp>
+      <p:sp>
+        <p:nvSpPr>
+          <p:cNvPr id="13" name="Rounded Rectangle 12"/>
+          <p:cNvSpPr/>
+          <p:nvPr/>
+        </p:nvSpPr>
+        <p:spPr>
+          <a:xfrm>
+            <a:off x="4376057" y="2502653"/>
+            <a:ext cx="2462348" cy="457200"/>
+          </a:xfrm>
+          <a:prstGeom prst="roundRect">
+            <a:avLst/>
+          </a:prstGeom>
+        </p:spPr>
+        <p:style>
+          <a:lnRef idx="2">
+            <a:schemeClr val="accent5">
+              <a:shade val="50000"/>
+            </a:schemeClr>
+          </a:lnRef>
+          <a:fillRef idx="1">
+            <a:schemeClr val="accent5"/>
+          </a:fillRef>
+          <a:effectRef idx="0">
+            <a:schemeClr val="accent5"/>
+          </a:effectRef>
+          <a:fontRef idx="minor">
+            <a:schemeClr val="lt1"/>
+          </a:fontRef>
+        </p:style>
+        <p:txBody>
+          <a:bodyPr rtlCol="0" anchor="ctr"/>
+          <a:lstStyle/>
+          <a:p>
+            <a:pPr algn="ctr"/>
+            <a:r>
+              <a:rPr lang="en-IN" dirty="0" smtClean="0"/>
+              <a:t>SUBMIT</a:t>
+            </a:r>
+            <a:endParaRPr lang="en-IN" dirty="0"/>
           </a:p>
         </p:txBody>
       </p:sp>
     </p:spTree>
     <p:extLst>
       <p:ext uri="{BB962C8B-B14F-4D97-AF65-F5344CB8AC3E}">
-        <p14:creationId xmlns:p14="http://schemas.microsoft.com/office/powerpoint/2010/main" val="3591374543"/>
+        <p14:creationId xmlns:p14="http://schemas.microsoft.com/office/powerpoint/2010/main" val="2008069484"/>
       </p:ext>
     </p:extLst>
   </p:cSld>
@@ -5496,52 +5436,14 @@
       </p:grpSpPr>
       <p:sp>
         <p:nvSpPr>
-          <p:cNvPr id="4" name="Rectangle 3"/>
+          <p:cNvPr id="2" name="Rectangle 1"/>
           <p:cNvSpPr/>
           <p:nvPr/>
         </p:nvSpPr>
         <p:spPr>
           <a:xfrm>
-            <a:off x="3272244" y="0"/>
-            <a:ext cx="4558937" cy="6766559"/>
-          </a:xfrm>
-          <a:prstGeom prst="rect">
-            <a:avLst/>
-          </a:prstGeom>
-        </p:spPr>
-        <p:style>
-          <a:lnRef idx="1">
-            <a:schemeClr val="accent1"/>
-          </a:lnRef>
-          <a:fillRef idx="2">
-            <a:schemeClr val="accent1"/>
-          </a:fillRef>
-          <a:effectRef idx="1">
-            <a:schemeClr val="accent1"/>
-          </a:effectRef>
-          <a:fontRef idx="minor">
-            <a:schemeClr val="dk1"/>
-          </a:fontRef>
-        </p:style>
-        <p:txBody>
-          <a:bodyPr rtlCol="0" anchor="ctr"/>
-          <a:lstStyle/>
-          <a:p>
-            <a:pPr algn="ctr"/>
-            <a:endParaRPr lang="en-IN"/>
-          </a:p>
-        </p:txBody>
-      </p:sp>
-      <p:sp>
-        <p:nvSpPr>
-          <p:cNvPr id="7" name="TextBox 6"/>
-          <p:cNvSpPr txBox="1"/>
-          <p:nvPr/>
-        </p:nvSpPr>
-        <p:spPr>
-          <a:xfrm>
-            <a:off x="4376057" y="130629"/>
-            <a:ext cx="2677886" cy="369332"/>
+            <a:off x="2324593" y="1974558"/>
+            <a:ext cx="8013091" cy="923330"/>
           </a:xfrm>
           <a:prstGeom prst="rect">
             <a:avLst/>
@@ -5549,268 +5451,48 @@
           <a:noFill/>
         </p:spPr>
         <p:txBody>
-          <a:bodyPr wrap="square" rtlCol="0">
+          <a:bodyPr wrap="none" lIns="91440" tIns="45720" rIns="91440" bIns="45720">
             <a:spAutoFit/>
           </a:bodyPr>
           <a:lstStyle/>
           <a:p>
             <a:pPr algn="ctr"/>
             <a:r>
-              <a:rPr lang="en-IN" u="sng" dirty="0" smtClean="0">
+              <a:rPr lang="en-US" sz="5400" b="0" cap="none" spc="0" dirty="0" smtClean="0">
+                <a:ln w="0"/>
                 <a:solidFill>
-                  <a:schemeClr val="bg1"/>
+                  <a:schemeClr val="accent1"/>
                 </a:solidFill>
+                <a:effectLst>
+                  <a:outerShdw blurRad="38100" dist="25400" dir="5400000" algn="ctr" rotWithShape="0">
+                    <a:srgbClr val="6E747A">
+                      <a:alpha val="43000"/>
+                    </a:srgbClr>
+                  </a:outerShdw>
+                </a:effectLst>
               </a:rPr>
-              <a:t>Change Your Password </a:t>
-            </a:r>
-            <a:endParaRPr lang="en-IN" u="sng" dirty="0">
+              <a:t>Verification Failure Scenario</a:t>
+            </a:r>
+            <a:endParaRPr lang="en-US" sz="5400" b="0" cap="none" spc="0" dirty="0">
+              <a:ln w="0"/>
               <a:solidFill>
-                <a:schemeClr val="bg1"/>
+                <a:schemeClr val="accent1"/>
               </a:solidFill>
+              <a:effectLst>
+                <a:outerShdw blurRad="38100" dist="25400" dir="5400000" algn="ctr" rotWithShape="0">
+                  <a:srgbClr val="6E747A">
+                    <a:alpha val="43000"/>
+                  </a:srgbClr>
+                </a:outerShdw>
+              </a:effectLst>
             </a:endParaRPr>
-          </a:p>
-        </p:txBody>
-      </p:sp>
-      <p:sp>
-        <p:nvSpPr>
-          <p:cNvPr id="8" name="Rectangle 7"/>
-          <p:cNvSpPr/>
-          <p:nvPr/>
-        </p:nvSpPr>
-        <p:spPr>
-          <a:xfrm>
-            <a:off x="4336321" y="1160239"/>
-            <a:ext cx="2952206" cy="313730"/>
-          </a:xfrm>
-          <a:prstGeom prst="rect">
-            <a:avLst/>
-          </a:prstGeom>
-        </p:spPr>
-        <p:style>
-          <a:lnRef idx="2">
-            <a:schemeClr val="accent6"/>
-          </a:lnRef>
-          <a:fillRef idx="1">
-            <a:schemeClr val="lt1"/>
-          </a:fillRef>
-          <a:effectRef idx="0">
-            <a:schemeClr val="accent6"/>
-          </a:effectRef>
-          <a:fontRef idx="minor">
-            <a:schemeClr val="dk1"/>
-          </a:fontRef>
-        </p:style>
-        <p:txBody>
-          <a:bodyPr rtlCol="0" anchor="ctr"/>
-          <a:lstStyle/>
-          <a:p>
-            <a:pPr algn="ctr"/>
-            <a:endParaRPr lang="en-IN"/>
-          </a:p>
-        </p:txBody>
-      </p:sp>
-      <p:sp>
-        <p:nvSpPr>
-          <p:cNvPr id="9" name="Rectangle 8"/>
-          <p:cNvSpPr/>
-          <p:nvPr/>
-        </p:nvSpPr>
-        <p:spPr>
-          <a:xfrm>
-            <a:off x="4336321" y="1831446"/>
-            <a:ext cx="2952206" cy="313730"/>
-          </a:xfrm>
-          <a:prstGeom prst="rect">
-            <a:avLst/>
-          </a:prstGeom>
-        </p:spPr>
-        <p:style>
-          <a:lnRef idx="2">
-            <a:schemeClr val="accent6"/>
-          </a:lnRef>
-          <a:fillRef idx="1">
-            <a:schemeClr val="lt1"/>
-          </a:fillRef>
-          <a:effectRef idx="0">
-            <a:schemeClr val="accent6"/>
-          </a:effectRef>
-          <a:fontRef idx="minor">
-            <a:schemeClr val="dk1"/>
-          </a:fontRef>
-        </p:style>
-        <p:txBody>
-          <a:bodyPr rtlCol="0" anchor="ctr"/>
-          <a:lstStyle/>
-          <a:p>
-            <a:pPr algn="ctr"/>
-            <a:endParaRPr lang="en-IN"/>
-          </a:p>
-        </p:txBody>
-      </p:sp>
-      <p:sp>
-        <p:nvSpPr>
-          <p:cNvPr id="10" name="TextBox 9"/>
-          <p:cNvSpPr txBox="1"/>
-          <p:nvPr/>
-        </p:nvSpPr>
-        <p:spPr>
-          <a:xfrm>
-            <a:off x="4336321" y="822960"/>
-            <a:ext cx="1999165" cy="369332"/>
-          </a:xfrm>
-          <a:prstGeom prst="rect">
-            <a:avLst/>
-          </a:prstGeom>
-          <a:noFill/>
-        </p:spPr>
-        <p:txBody>
-          <a:bodyPr wrap="square" rtlCol="0">
-            <a:spAutoFit/>
-          </a:bodyPr>
-          <a:lstStyle/>
-          <a:p>
-            <a:r>
-              <a:rPr lang="en-IN" dirty="0" smtClean="0">
-                <a:solidFill>
-                  <a:schemeClr val="bg1"/>
-                </a:solidFill>
-              </a:rPr>
-              <a:t>New Password</a:t>
-            </a:r>
-            <a:endParaRPr lang="en-IN" dirty="0">
-              <a:solidFill>
-                <a:schemeClr val="bg1"/>
-              </a:solidFill>
-            </a:endParaRPr>
-          </a:p>
-        </p:txBody>
-      </p:sp>
-      <p:sp>
-        <p:nvSpPr>
-          <p:cNvPr id="11" name="TextBox 10"/>
-          <p:cNvSpPr txBox="1"/>
-          <p:nvPr/>
-        </p:nvSpPr>
-        <p:spPr>
-          <a:xfrm>
-            <a:off x="4336319" y="1468042"/>
-            <a:ext cx="2717623" cy="369332"/>
-          </a:xfrm>
-          <a:prstGeom prst="rect">
-            <a:avLst/>
-          </a:prstGeom>
-          <a:noFill/>
-        </p:spPr>
-        <p:txBody>
-          <a:bodyPr wrap="square" rtlCol="0">
-            <a:spAutoFit/>
-          </a:bodyPr>
-          <a:lstStyle/>
-          <a:p>
-            <a:r>
-              <a:rPr lang="en-IN" dirty="0" smtClean="0">
-                <a:solidFill>
-                  <a:schemeClr val="bg1"/>
-                </a:solidFill>
-              </a:rPr>
-              <a:t>Confirm New  Password</a:t>
-            </a:r>
-            <a:endParaRPr lang="en-IN" dirty="0">
-              <a:solidFill>
-                <a:schemeClr val="bg1"/>
-              </a:solidFill>
-            </a:endParaRPr>
-          </a:p>
-        </p:txBody>
-      </p:sp>
-      <p:sp>
-        <p:nvSpPr>
-          <p:cNvPr id="12" name="Rectangle 11"/>
-          <p:cNvSpPr/>
-          <p:nvPr/>
-        </p:nvSpPr>
-        <p:spPr>
-          <a:xfrm>
-            <a:off x="6897189" y="1831446"/>
-            <a:ext cx="391338" cy="313730"/>
-          </a:xfrm>
-          <a:prstGeom prst="rect">
-            <a:avLst/>
-          </a:prstGeom>
-        </p:spPr>
-        <p:style>
-          <a:lnRef idx="2">
-            <a:schemeClr val="accent1">
-              <a:shade val="50000"/>
-            </a:schemeClr>
-          </a:lnRef>
-          <a:fillRef idx="1">
-            <a:schemeClr val="accent1"/>
-          </a:fillRef>
-          <a:effectRef idx="0">
-            <a:schemeClr val="accent1"/>
-          </a:effectRef>
-          <a:fontRef idx="minor">
-            <a:schemeClr val="lt1"/>
-          </a:fontRef>
-        </p:style>
-        <p:txBody>
-          <a:bodyPr rtlCol="0" anchor="ctr"/>
-          <a:lstStyle/>
-          <a:p>
-            <a:pPr algn="ctr"/>
-            <a:endParaRPr lang="en-IN"/>
-          </a:p>
-        </p:txBody>
-      </p:sp>
-      <p:sp>
-        <p:nvSpPr>
-          <p:cNvPr id="13" name="Rounded Rectangle 12"/>
-          <p:cNvSpPr/>
-          <p:nvPr/>
-        </p:nvSpPr>
-        <p:spPr>
-          <a:xfrm>
-            <a:off x="4376057" y="2502653"/>
-            <a:ext cx="2462348" cy="457200"/>
-          </a:xfrm>
-          <a:prstGeom prst="roundRect">
-            <a:avLst/>
-          </a:prstGeom>
-        </p:spPr>
-        <p:style>
-          <a:lnRef idx="2">
-            <a:schemeClr val="accent5">
-              <a:shade val="50000"/>
-            </a:schemeClr>
-          </a:lnRef>
-          <a:fillRef idx="1">
-            <a:schemeClr val="accent5"/>
-          </a:fillRef>
-          <a:effectRef idx="0">
-            <a:schemeClr val="accent5"/>
-          </a:effectRef>
-          <a:fontRef idx="minor">
-            <a:schemeClr val="lt1"/>
-          </a:fontRef>
-        </p:style>
-        <p:txBody>
-          <a:bodyPr rtlCol="0" anchor="ctr"/>
-          <a:lstStyle/>
-          <a:p>
-            <a:pPr algn="ctr"/>
-            <a:r>
-              <a:rPr lang="en-IN" dirty="0" smtClean="0"/>
-              <a:t>SUBMIT</a:t>
-            </a:r>
-            <a:endParaRPr lang="en-IN" dirty="0"/>
           </a:p>
         </p:txBody>
       </p:sp>
     </p:spTree>
     <p:extLst>
       <p:ext uri="{BB962C8B-B14F-4D97-AF65-F5344CB8AC3E}">
-        <p14:creationId xmlns:p14="http://schemas.microsoft.com/office/powerpoint/2010/main" val="1732123617"/>
+        <p14:creationId xmlns:p14="http://schemas.microsoft.com/office/powerpoint/2010/main" val="292850194"/>
       </p:ext>
     </p:extLst>
   </p:cSld>
@@ -5846,14 +5528,52 @@
       </p:grpSpPr>
       <p:sp>
         <p:nvSpPr>
-          <p:cNvPr id="2" name="Rectangle 1"/>
+          <p:cNvPr id="4" name="Rectangle 3"/>
           <p:cNvSpPr/>
           <p:nvPr/>
         </p:nvSpPr>
         <p:spPr>
           <a:xfrm>
-            <a:off x="1721721" y="2039872"/>
-            <a:ext cx="8905323" cy="923330"/>
+            <a:off x="3272244" y="0"/>
+            <a:ext cx="4558937" cy="6766559"/>
+          </a:xfrm>
+          <a:prstGeom prst="rect">
+            <a:avLst/>
+          </a:prstGeom>
+        </p:spPr>
+        <p:style>
+          <a:lnRef idx="1">
+            <a:schemeClr val="accent1"/>
+          </a:lnRef>
+          <a:fillRef idx="2">
+            <a:schemeClr val="accent1"/>
+          </a:fillRef>
+          <a:effectRef idx="1">
+            <a:schemeClr val="accent1"/>
+          </a:effectRef>
+          <a:fontRef idx="minor">
+            <a:schemeClr val="dk1"/>
+          </a:fontRef>
+        </p:style>
+        <p:txBody>
+          <a:bodyPr rtlCol="0" anchor="ctr"/>
+          <a:lstStyle/>
+          <a:p>
+            <a:pPr algn="ctr"/>
+            <a:endParaRPr lang="en-IN"/>
+          </a:p>
+        </p:txBody>
+      </p:sp>
+      <p:sp>
+        <p:nvSpPr>
+          <p:cNvPr id="7" name="TextBox 6"/>
+          <p:cNvSpPr txBox="1"/>
+          <p:nvPr/>
+        </p:nvSpPr>
+        <p:spPr>
+          <a:xfrm>
+            <a:off x="4376057" y="130629"/>
+            <a:ext cx="2677886" cy="369332"/>
           </a:xfrm>
           <a:prstGeom prst="rect">
             <a:avLst/>
@@ -5861,40 +5581,306 @@
           <a:noFill/>
         </p:spPr>
         <p:txBody>
-          <a:bodyPr wrap="none" lIns="91440" tIns="45720" rIns="91440" bIns="45720">
+          <a:bodyPr wrap="square" rtlCol="0">
             <a:spAutoFit/>
           </a:bodyPr>
           <a:lstStyle/>
           <a:p>
             <a:pPr algn="ctr"/>
             <a:r>
-              <a:rPr lang="en-US" sz="5400" dirty="0" smtClean="0">
-                <a:ln w="0"/>
+              <a:rPr lang="en-IN" u="sng" dirty="0" smtClean="0">
                 <a:solidFill>
-                  <a:schemeClr val="accent1"/>
+                  <a:schemeClr val="bg1"/>
                 </a:solidFill>
-                <a:effectLst>
-                  <a:outerShdw blurRad="38100" dist="25400" dir="5400000" algn="ctr" rotWithShape="0">
-                    <a:srgbClr val="6E747A">
-                      <a:alpha val="43000"/>
-                    </a:srgbClr>
-                  </a:outerShdw>
-                </a:effectLst>
               </a:rPr>
-              <a:t>Password Change Success Page</a:t>
-            </a:r>
-            <a:endParaRPr lang="en-US" sz="5400" b="0" cap="none" spc="0" dirty="0">
-              <a:ln w="0"/>
+              <a:t>Verify Your Details </a:t>
+            </a:r>
+            <a:endParaRPr lang="en-IN" u="sng" dirty="0">
               <a:solidFill>
-                <a:schemeClr val="accent1"/>
+                <a:schemeClr val="bg1"/>
               </a:solidFill>
-              <a:effectLst>
-                <a:outerShdw blurRad="38100" dist="25400" dir="5400000" algn="ctr" rotWithShape="0">
-                  <a:srgbClr val="6E747A">
-                    <a:alpha val="43000"/>
-                  </a:srgbClr>
-                </a:outerShdw>
-              </a:effectLst>
+            </a:endParaRPr>
+          </a:p>
+        </p:txBody>
+      </p:sp>
+      <p:sp>
+        <p:nvSpPr>
+          <p:cNvPr id="8" name="Rectangle 7"/>
+          <p:cNvSpPr/>
+          <p:nvPr/>
+        </p:nvSpPr>
+        <p:spPr>
+          <a:xfrm>
+            <a:off x="4336321" y="1160239"/>
+            <a:ext cx="2952206" cy="313730"/>
+          </a:xfrm>
+          <a:prstGeom prst="rect">
+            <a:avLst/>
+          </a:prstGeom>
+        </p:spPr>
+        <p:style>
+          <a:lnRef idx="2">
+            <a:schemeClr val="accent6"/>
+          </a:lnRef>
+          <a:fillRef idx="1">
+            <a:schemeClr val="lt1"/>
+          </a:fillRef>
+          <a:effectRef idx="0">
+            <a:schemeClr val="accent6"/>
+          </a:effectRef>
+          <a:fontRef idx="minor">
+            <a:schemeClr val="dk1"/>
+          </a:fontRef>
+        </p:style>
+        <p:txBody>
+          <a:bodyPr rtlCol="0" anchor="ctr"/>
+          <a:lstStyle/>
+          <a:p>
+            <a:pPr algn="ctr"/>
+            <a:endParaRPr lang="en-IN"/>
+          </a:p>
+        </p:txBody>
+      </p:sp>
+      <p:sp>
+        <p:nvSpPr>
+          <p:cNvPr id="9" name="Rectangle 8"/>
+          <p:cNvSpPr/>
+          <p:nvPr/>
+        </p:nvSpPr>
+        <p:spPr>
+          <a:xfrm>
+            <a:off x="4336321" y="1831446"/>
+            <a:ext cx="2952206" cy="313730"/>
+          </a:xfrm>
+          <a:prstGeom prst="rect">
+            <a:avLst/>
+          </a:prstGeom>
+        </p:spPr>
+        <p:style>
+          <a:lnRef idx="2">
+            <a:schemeClr val="accent6"/>
+          </a:lnRef>
+          <a:fillRef idx="1">
+            <a:schemeClr val="lt1"/>
+          </a:fillRef>
+          <a:effectRef idx="0">
+            <a:schemeClr val="accent6"/>
+          </a:effectRef>
+          <a:fontRef idx="minor">
+            <a:schemeClr val="dk1"/>
+          </a:fontRef>
+        </p:style>
+        <p:txBody>
+          <a:bodyPr rtlCol="0" anchor="ctr"/>
+          <a:lstStyle/>
+          <a:p>
+            <a:pPr algn="ctr"/>
+            <a:endParaRPr lang="en-IN"/>
+          </a:p>
+        </p:txBody>
+      </p:sp>
+      <p:sp>
+        <p:nvSpPr>
+          <p:cNvPr id="10" name="TextBox 9"/>
+          <p:cNvSpPr txBox="1"/>
+          <p:nvPr/>
+        </p:nvSpPr>
+        <p:spPr>
+          <a:xfrm>
+            <a:off x="4336321" y="822960"/>
+            <a:ext cx="1999165" cy="369332"/>
+          </a:xfrm>
+          <a:prstGeom prst="rect">
+            <a:avLst/>
+          </a:prstGeom>
+          <a:noFill/>
+        </p:spPr>
+        <p:txBody>
+          <a:bodyPr wrap="square" rtlCol="0">
+            <a:spAutoFit/>
+          </a:bodyPr>
+          <a:lstStyle/>
+          <a:p>
+            <a:r>
+              <a:rPr lang="en-IN" dirty="0">
+                <a:solidFill>
+                  <a:schemeClr val="bg1"/>
+                </a:solidFill>
+              </a:rPr>
+              <a:t>E</a:t>
+            </a:r>
+            <a:r>
+              <a:rPr lang="en-IN" dirty="0" smtClean="0">
+                <a:solidFill>
+                  <a:schemeClr val="bg1"/>
+                </a:solidFill>
+              </a:rPr>
+              <a:t>mail</a:t>
+            </a:r>
+            <a:endParaRPr lang="en-IN" dirty="0">
+              <a:solidFill>
+                <a:schemeClr val="bg1"/>
+              </a:solidFill>
+            </a:endParaRPr>
+          </a:p>
+        </p:txBody>
+      </p:sp>
+      <p:sp>
+        <p:nvSpPr>
+          <p:cNvPr id="11" name="TextBox 10"/>
+          <p:cNvSpPr txBox="1"/>
+          <p:nvPr/>
+        </p:nvSpPr>
+        <p:spPr>
+          <a:xfrm>
+            <a:off x="4336320" y="1468042"/>
+            <a:ext cx="1999165" cy="369332"/>
+          </a:xfrm>
+          <a:prstGeom prst="rect">
+            <a:avLst/>
+          </a:prstGeom>
+          <a:noFill/>
+        </p:spPr>
+        <p:txBody>
+          <a:bodyPr wrap="square" rtlCol="0">
+            <a:spAutoFit/>
+          </a:bodyPr>
+          <a:lstStyle/>
+          <a:p>
+            <a:r>
+              <a:rPr lang="en-IN" dirty="0" smtClean="0">
+                <a:solidFill>
+                  <a:schemeClr val="bg1"/>
+                </a:solidFill>
+              </a:rPr>
+              <a:t>D.O.B</a:t>
+            </a:r>
+            <a:endParaRPr lang="en-IN" dirty="0">
+              <a:solidFill>
+                <a:schemeClr val="bg1"/>
+              </a:solidFill>
+            </a:endParaRPr>
+          </a:p>
+        </p:txBody>
+      </p:sp>
+      <p:sp>
+        <p:nvSpPr>
+          <p:cNvPr id="12" name="Rectangle 11"/>
+          <p:cNvSpPr/>
+          <p:nvPr/>
+        </p:nvSpPr>
+        <p:spPr>
+          <a:xfrm>
+            <a:off x="6897189" y="1831446"/>
+            <a:ext cx="391338" cy="313730"/>
+          </a:xfrm>
+          <a:prstGeom prst="rect">
+            <a:avLst/>
+          </a:prstGeom>
+        </p:spPr>
+        <p:style>
+          <a:lnRef idx="2">
+            <a:schemeClr val="accent1">
+              <a:shade val="50000"/>
+            </a:schemeClr>
+          </a:lnRef>
+          <a:fillRef idx="1">
+            <a:schemeClr val="accent1"/>
+          </a:fillRef>
+          <a:effectRef idx="0">
+            <a:schemeClr val="accent1"/>
+          </a:effectRef>
+          <a:fontRef idx="minor">
+            <a:schemeClr val="lt1"/>
+          </a:fontRef>
+        </p:style>
+        <p:txBody>
+          <a:bodyPr rtlCol="0" anchor="ctr"/>
+          <a:lstStyle/>
+          <a:p>
+            <a:pPr algn="ctr"/>
+            <a:endParaRPr lang="en-IN"/>
+          </a:p>
+        </p:txBody>
+      </p:sp>
+      <p:sp>
+        <p:nvSpPr>
+          <p:cNvPr id="13" name="Rounded Rectangle 12"/>
+          <p:cNvSpPr/>
+          <p:nvPr/>
+        </p:nvSpPr>
+        <p:spPr>
+          <a:xfrm>
+            <a:off x="4376057" y="2502653"/>
+            <a:ext cx="2462348" cy="457200"/>
+          </a:xfrm>
+          <a:prstGeom prst="roundRect">
+            <a:avLst/>
+          </a:prstGeom>
+        </p:spPr>
+        <p:style>
+          <a:lnRef idx="2">
+            <a:schemeClr val="accent5">
+              <a:shade val="50000"/>
+            </a:schemeClr>
+          </a:lnRef>
+          <a:fillRef idx="1">
+            <a:schemeClr val="accent5"/>
+          </a:fillRef>
+          <a:effectRef idx="0">
+            <a:schemeClr val="accent5"/>
+          </a:effectRef>
+          <a:fontRef idx="minor">
+            <a:schemeClr val="lt1"/>
+          </a:fontRef>
+        </p:style>
+        <p:txBody>
+          <a:bodyPr rtlCol="0" anchor="ctr"/>
+          <a:lstStyle/>
+          <a:p>
+            <a:pPr algn="ctr"/>
+            <a:r>
+              <a:rPr lang="en-IN" dirty="0" smtClean="0"/>
+              <a:t>SUBMIT</a:t>
+            </a:r>
+            <a:endParaRPr lang="en-IN" dirty="0"/>
+          </a:p>
+        </p:txBody>
+      </p:sp>
+      <p:sp>
+        <p:nvSpPr>
+          <p:cNvPr id="3" name="TextBox 2"/>
+          <p:cNvSpPr txBox="1"/>
+          <p:nvPr/>
+        </p:nvSpPr>
+        <p:spPr>
+          <a:xfrm>
+            <a:off x="3971656" y="549355"/>
+            <a:ext cx="3082287" cy="369332"/>
+          </a:xfrm>
+          <a:prstGeom prst="rect">
+            <a:avLst/>
+          </a:prstGeom>
+          <a:noFill/>
+        </p:spPr>
+        <p:txBody>
+          <a:bodyPr wrap="square" rtlCol="0">
+            <a:spAutoFit/>
+          </a:bodyPr>
+          <a:lstStyle/>
+          <a:p>
+            <a:r>
+              <a:rPr lang="en-IN" dirty="0" smtClean="0">
+                <a:solidFill>
+                  <a:srgbClr val="FF0000"/>
+                </a:solidFill>
+              </a:rPr>
+              <a:t>Record not found !</a:t>
+            </a:r>
+            <a:endParaRPr lang="en-IN" dirty="0">
+              <a:solidFill>
+                <a:srgbClr val="FF0000"/>
+              </a:solidFill>
             </a:endParaRPr>
           </a:p>
         </p:txBody>
@@ -5902,7 +5888,7 @@
     </p:spTree>
     <p:extLst>
       <p:ext uri="{BB962C8B-B14F-4D97-AF65-F5344CB8AC3E}">
-        <p14:creationId xmlns:p14="http://schemas.microsoft.com/office/powerpoint/2010/main" val="3120082087"/>
+        <p14:creationId xmlns:p14="http://schemas.microsoft.com/office/powerpoint/2010/main" val="4115806148"/>
       </p:ext>
     </p:extLst>
   </p:cSld>
@@ -5936,61 +5922,435 @@
           <a:chExt cx="0" cy="0"/>
         </a:xfrm>
       </p:grpSpPr>
-      <p:sp>
-        <p:nvSpPr>
-          <p:cNvPr id="2" name="Rectangle 1"/>
-          <p:cNvSpPr/>
-          <p:nvPr/>
-        </p:nvSpPr>
-        <p:spPr>
-          <a:xfrm>
-            <a:off x="4489896" y="2588512"/>
-            <a:ext cx="3865354" cy="923330"/>
-          </a:xfrm>
-          <a:prstGeom prst="rect">
-            <a:avLst/>
-          </a:prstGeom>
-          <a:noFill/>
-        </p:spPr>
-        <p:txBody>
-          <a:bodyPr wrap="none" lIns="91440" tIns="45720" rIns="91440" bIns="45720">
-            <a:spAutoFit/>
-          </a:bodyPr>
-          <a:lstStyle/>
-          <a:p>
-            <a:pPr algn="ctr"/>
-            <a:r>
-              <a:rPr lang="en-US" sz="5400" b="0" cap="none" spc="0" dirty="0" smtClean="0">
-                <a:ln w="0"/>
-                <a:solidFill>
-                  <a:schemeClr val="accent1"/>
-                </a:solidFill>
-                <a:effectLst>
-                  <a:outerShdw blurRad="38100" dist="25400" dir="5400000" algn="ctr" rotWithShape="0">
-                    <a:srgbClr val="6E747A">
-                      <a:alpha val="43000"/>
-                    </a:srgbClr>
-                  </a:outerShdw>
-                </a:effectLst>
-              </a:rPr>
-              <a:t>Sign-Up Page</a:t>
-            </a:r>
-            <a:endParaRPr lang="en-US" sz="5400" b="0" cap="none" spc="0" dirty="0">
-              <a:ln w="0"/>
-              <a:solidFill>
-                <a:schemeClr val="accent1"/>
-              </a:solidFill>
-              <a:effectLst>
-                <a:outerShdw blurRad="38100" dist="25400" dir="5400000" algn="ctr" rotWithShape="0">
-                  <a:srgbClr val="6E747A">
-                    <a:alpha val="43000"/>
-                  </a:srgbClr>
-                </a:outerShdw>
-              </a:effectLst>
-            </a:endParaRPr>
-          </a:p>
-        </p:txBody>
-      </p:sp>
+      <p:graphicFrame>
+        <p:nvGraphicFramePr>
+          <p:cNvPr id="3" name="Table 2"/>
+          <p:cNvGraphicFramePr>
+            <a:graphicFrameLocks noGrp="1"/>
+          </p:cNvGraphicFramePr>
+          <p:nvPr>
+            <p:extLst>
+              <p:ext uri="{D42A27DB-BD31-4B8C-83A1-F6EECF244321}">
+                <p14:modId xmlns:p14="http://schemas.microsoft.com/office/powerpoint/2010/main" val="2025023443"/>
+              </p:ext>
+            </p:extLst>
+          </p:nvPr>
+        </p:nvGraphicFramePr>
+        <p:xfrm>
+          <a:off x="2032000" y="3984170"/>
+          <a:ext cx="8127999" cy="1280160"/>
+        </p:xfrm>
+        <a:graphic>
+          <a:graphicData uri="http://schemas.openxmlformats.org/drawingml/2006/table">
+            <a:tbl>
+              <a:tblPr firstRow="1" bandRow="1">
+                <a:tableStyleId>{5C22544A-7EE6-4342-B048-85BDC9FD1C3A}</a:tableStyleId>
+              </a:tblPr>
+              <a:tblGrid>
+                <a:gridCol w="2709333">
+                  <a:extLst>
+                    <a:ext uri="{9D8B030D-6E8A-4147-A177-3AD203B41FA5}">
+                      <a16:colId xmlns:a16="http://schemas.microsoft.com/office/drawing/2014/main" val="3518959128"/>
+                    </a:ext>
+                  </a:extLst>
+                </a:gridCol>
+                <a:gridCol w="2709333">
+                  <a:extLst>
+                    <a:ext uri="{9D8B030D-6E8A-4147-A177-3AD203B41FA5}">
+                      <a16:colId xmlns:a16="http://schemas.microsoft.com/office/drawing/2014/main" val="3514477001"/>
+                    </a:ext>
+                  </a:extLst>
+                </a:gridCol>
+                <a:gridCol w="2709333">
+                  <a:extLst>
+                    <a:ext uri="{9D8B030D-6E8A-4147-A177-3AD203B41FA5}">
+                      <a16:colId xmlns:a16="http://schemas.microsoft.com/office/drawing/2014/main" val="42319617"/>
+                    </a:ext>
+                  </a:extLst>
+                </a:gridCol>
+              </a:tblGrid>
+              <a:tr h="450669">
+                <a:tc>
+                  <a:txBody>
+                    <a:bodyPr/>
+                    <a:lstStyle/>
+                    <a:p>
+                      <a:r>
+                        <a:rPr lang="en-IN" dirty="0" smtClean="0"/>
+                        <a:t>Author(s)</a:t>
+                      </a:r>
+                      <a:endParaRPr lang="en-IN" dirty="0"/>
+                    </a:p>
+                  </a:txBody>
+                  <a:tcPr/>
+                </a:tc>
+                <a:tc>
+                  <a:txBody>
+                    <a:bodyPr/>
+                    <a:lstStyle/>
+                    <a:p>
+                      <a:r>
+                        <a:rPr lang="en-IN" dirty="0" smtClean="0"/>
+                        <a:t>Shubhra, Tanu and Abhishek</a:t>
+                      </a:r>
+                      <a:endParaRPr lang="en-IN" dirty="0"/>
+                    </a:p>
+                  </a:txBody>
+                  <a:tcPr/>
+                </a:tc>
+                <a:tc>
+                  <a:txBody>
+                    <a:bodyPr/>
+                    <a:lstStyle/>
+                    <a:p>
+                      <a:endParaRPr lang="en-IN" dirty="0"/>
+                    </a:p>
+                  </a:txBody>
+                  <a:tcPr/>
+                </a:tc>
+                <a:extLst>
+                  <a:ext uri="{0D108BD9-81ED-4DB2-BD59-A6C34878D82A}">
+                    <a16:rowId xmlns:a16="http://schemas.microsoft.com/office/drawing/2014/main" val="406053678"/>
+                  </a:ext>
+                </a:extLst>
+              </a:tr>
+              <a:tr h="450669">
+                <a:tc>
+                  <a:txBody>
+                    <a:bodyPr/>
+                    <a:lstStyle/>
+                    <a:p>
+                      <a:r>
+                        <a:rPr lang="en-IN" dirty="0" smtClean="0"/>
+                        <a:t>Moderators</a:t>
+                      </a:r>
+                      <a:endParaRPr lang="en-IN" dirty="0"/>
+                    </a:p>
+                  </a:txBody>
+                  <a:tcPr/>
+                </a:tc>
+                <a:tc>
+                  <a:txBody>
+                    <a:bodyPr/>
+                    <a:lstStyle/>
+                    <a:p>
+                      <a:r>
+                        <a:rPr lang="en-IN" dirty="0" smtClean="0"/>
+                        <a:t>Awanish, Amit, Priyamvada,</a:t>
+                      </a:r>
+                      <a:r>
+                        <a:rPr lang="en-IN" baseline="0" dirty="0" smtClean="0"/>
+                        <a:t> Tripti</a:t>
+                      </a:r>
+                      <a:endParaRPr lang="en-IN" dirty="0"/>
+                    </a:p>
+                  </a:txBody>
+                  <a:tcPr/>
+                </a:tc>
+                <a:tc>
+                  <a:txBody>
+                    <a:bodyPr/>
+                    <a:lstStyle/>
+                    <a:p>
+                      <a:endParaRPr lang="en-IN" dirty="0"/>
+                    </a:p>
+                  </a:txBody>
+                  <a:tcPr/>
+                </a:tc>
+                <a:extLst>
+                  <a:ext uri="{0D108BD9-81ED-4DB2-BD59-A6C34878D82A}">
+                    <a16:rowId xmlns:a16="http://schemas.microsoft.com/office/drawing/2014/main" val="2777116830"/>
+                  </a:ext>
+                </a:extLst>
+              </a:tr>
+            </a:tbl>
+          </a:graphicData>
+        </a:graphic>
+      </p:graphicFrame>
+      <p:graphicFrame>
+        <p:nvGraphicFramePr>
+          <p:cNvPr id="9" name="Table 8"/>
+          <p:cNvGraphicFramePr>
+            <a:graphicFrameLocks noGrp="1"/>
+          </p:cNvGraphicFramePr>
+          <p:nvPr>
+            <p:extLst>
+              <p:ext uri="{D42A27DB-BD31-4B8C-83A1-F6EECF244321}">
+                <p14:modId xmlns:p14="http://schemas.microsoft.com/office/powerpoint/2010/main" val="256794565"/>
+              </p:ext>
+            </p:extLst>
+          </p:nvPr>
+        </p:nvGraphicFramePr>
+        <p:xfrm>
+          <a:off x="2032000" y="613954"/>
+          <a:ext cx="8128000" cy="3031792"/>
+        </p:xfrm>
+        <a:graphic>
+          <a:graphicData uri="http://schemas.openxmlformats.org/drawingml/2006/table">
+            <a:tbl>
+              <a:tblPr firstRow="1" bandRow="1">
+                <a:tableStyleId>{5C22544A-7EE6-4342-B048-85BDC9FD1C3A}</a:tableStyleId>
+              </a:tblPr>
+              <a:tblGrid>
+                <a:gridCol w="4064000">
+                  <a:extLst>
+                    <a:ext uri="{9D8B030D-6E8A-4147-A177-3AD203B41FA5}">
+                      <a16:colId xmlns:a16="http://schemas.microsoft.com/office/drawing/2014/main" val="988067323"/>
+                    </a:ext>
+                  </a:extLst>
+                </a:gridCol>
+                <a:gridCol w="4064000">
+                  <a:extLst>
+                    <a:ext uri="{9D8B030D-6E8A-4147-A177-3AD203B41FA5}">
+                      <a16:colId xmlns:a16="http://schemas.microsoft.com/office/drawing/2014/main" val="902716038"/>
+                    </a:ext>
+                  </a:extLst>
+                </a:gridCol>
+              </a:tblGrid>
+              <a:tr h="378974">
+                <a:tc>
+                  <a:txBody>
+                    <a:bodyPr/>
+                    <a:lstStyle/>
+                    <a:p>
+                      <a:r>
+                        <a:rPr lang="en-IN" dirty="0" smtClean="0"/>
+                        <a:t>Version (By)</a:t>
+                      </a:r>
+                      <a:endParaRPr lang="en-IN" dirty="0"/>
+                    </a:p>
+                  </a:txBody>
+                  <a:tcPr/>
+                </a:tc>
+                <a:tc>
+                  <a:txBody>
+                    <a:bodyPr/>
+                    <a:lstStyle/>
+                    <a:p>
+                      <a:r>
+                        <a:rPr lang="en-IN" dirty="0" smtClean="0"/>
+                        <a:t>Date</a:t>
+                      </a:r>
+                      <a:endParaRPr lang="en-IN" dirty="0"/>
+                    </a:p>
+                  </a:txBody>
+                  <a:tcPr/>
+                </a:tc>
+                <a:extLst>
+                  <a:ext uri="{0D108BD9-81ED-4DB2-BD59-A6C34878D82A}">
+                    <a16:rowId xmlns:a16="http://schemas.microsoft.com/office/drawing/2014/main" val="3927841727"/>
+                  </a:ext>
+                </a:extLst>
+              </a:tr>
+              <a:tr h="378974">
+                <a:tc>
+                  <a:txBody>
+                    <a:bodyPr/>
+                    <a:lstStyle/>
+                    <a:p>
+                      <a:r>
+                        <a:rPr lang="en-IN" dirty="0" smtClean="0"/>
+                        <a:t>1.0 (Tanu, Shubhra, Abhishek)</a:t>
+                      </a:r>
+                      <a:endParaRPr lang="en-IN" dirty="0"/>
+                    </a:p>
+                  </a:txBody>
+                  <a:tcPr/>
+                </a:tc>
+                <a:tc>
+                  <a:txBody>
+                    <a:bodyPr/>
+                    <a:lstStyle/>
+                    <a:p>
+                      <a:r>
+                        <a:rPr lang="en-IN" dirty="0" smtClean="0"/>
+                        <a:t>20-Nov-2018</a:t>
+                      </a:r>
+                      <a:endParaRPr lang="en-IN" dirty="0"/>
+                    </a:p>
+                  </a:txBody>
+                  <a:tcPr/>
+                </a:tc>
+                <a:extLst>
+                  <a:ext uri="{0D108BD9-81ED-4DB2-BD59-A6C34878D82A}">
+                    <a16:rowId xmlns:a16="http://schemas.microsoft.com/office/drawing/2014/main" val="3141414556"/>
+                  </a:ext>
+                </a:extLst>
+              </a:tr>
+              <a:tr h="378974">
+                <a:tc>
+                  <a:txBody>
+                    <a:bodyPr/>
+                    <a:lstStyle/>
+                    <a:p>
+                      <a:r>
+                        <a:rPr lang="en-IN" dirty="0" smtClean="0"/>
+                        <a:t>1.1 (Amit)</a:t>
+                      </a:r>
+                      <a:endParaRPr lang="en-IN" dirty="0"/>
+                    </a:p>
+                  </a:txBody>
+                  <a:tcPr/>
+                </a:tc>
+                <a:tc>
+                  <a:txBody>
+                    <a:bodyPr/>
+                    <a:lstStyle/>
+                    <a:p>
+                      <a:r>
+                        <a:rPr lang="en-IN" dirty="0" smtClean="0"/>
+                        <a:t>21-Nov-2018</a:t>
+                      </a:r>
+                      <a:endParaRPr lang="en-IN" dirty="0"/>
+                    </a:p>
+                  </a:txBody>
+                  <a:tcPr/>
+                </a:tc>
+                <a:extLst>
+                  <a:ext uri="{0D108BD9-81ED-4DB2-BD59-A6C34878D82A}">
+                    <a16:rowId xmlns:a16="http://schemas.microsoft.com/office/drawing/2014/main" val="2821824423"/>
+                  </a:ext>
+                </a:extLst>
+              </a:tr>
+              <a:tr h="378974">
+                <a:tc>
+                  <a:txBody>
+                    <a:bodyPr/>
+                    <a:lstStyle/>
+                    <a:p>
+                      <a:endParaRPr lang="en-IN"/>
+                    </a:p>
+                  </a:txBody>
+                  <a:tcPr/>
+                </a:tc>
+                <a:tc>
+                  <a:txBody>
+                    <a:bodyPr/>
+                    <a:lstStyle/>
+                    <a:p>
+                      <a:endParaRPr lang="en-IN"/>
+                    </a:p>
+                  </a:txBody>
+                  <a:tcPr/>
+                </a:tc>
+                <a:extLst>
+                  <a:ext uri="{0D108BD9-81ED-4DB2-BD59-A6C34878D82A}">
+                    <a16:rowId xmlns:a16="http://schemas.microsoft.com/office/drawing/2014/main" val="3270570665"/>
+                  </a:ext>
+                </a:extLst>
+              </a:tr>
+              <a:tr h="378974">
+                <a:tc>
+                  <a:txBody>
+                    <a:bodyPr/>
+                    <a:lstStyle/>
+                    <a:p>
+                      <a:endParaRPr lang="en-IN"/>
+                    </a:p>
+                  </a:txBody>
+                  <a:tcPr/>
+                </a:tc>
+                <a:tc>
+                  <a:txBody>
+                    <a:bodyPr/>
+                    <a:lstStyle/>
+                    <a:p>
+                      <a:endParaRPr lang="en-IN"/>
+                    </a:p>
+                  </a:txBody>
+                  <a:tcPr/>
+                </a:tc>
+                <a:extLst>
+                  <a:ext uri="{0D108BD9-81ED-4DB2-BD59-A6C34878D82A}">
+                    <a16:rowId xmlns:a16="http://schemas.microsoft.com/office/drawing/2014/main" val="820374026"/>
+                  </a:ext>
+                </a:extLst>
+              </a:tr>
+              <a:tr h="378974">
+                <a:tc>
+                  <a:txBody>
+                    <a:bodyPr/>
+                    <a:lstStyle/>
+                    <a:p>
+                      <a:endParaRPr lang="en-IN"/>
+                    </a:p>
+                  </a:txBody>
+                  <a:tcPr/>
+                </a:tc>
+                <a:tc>
+                  <a:txBody>
+                    <a:bodyPr/>
+                    <a:lstStyle/>
+                    <a:p>
+                      <a:endParaRPr lang="en-IN"/>
+                    </a:p>
+                  </a:txBody>
+                  <a:tcPr/>
+                </a:tc>
+                <a:extLst>
+                  <a:ext uri="{0D108BD9-81ED-4DB2-BD59-A6C34878D82A}">
+                    <a16:rowId xmlns:a16="http://schemas.microsoft.com/office/drawing/2014/main" val="3585581951"/>
+                  </a:ext>
+                </a:extLst>
+              </a:tr>
+              <a:tr h="378974">
+                <a:tc>
+                  <a:txBody>
+                    <a:bodyPr/>
+                    <a:lstStyle/>
+                    <a:p>
+                      <a:endParaRPr lang="en-IN"/>
+                    </a:p>
+                  </a:txBody>
+                  <a:tcPr/>
+                </a:tc>
+                <a:tc>
+                  <a:txBody>
+                    <a:bodyPr/>
+                    <a:lstStyle/>
+                    <a:p>
+                      <a:endParaRPr lang="en-IN"/>
+                    </a:p>
+                  </a:txBody>
+                  <a:tcPr/>
+                </a:tc>
+                <a:extLst>
+                  <a:ext uri="{0D108BD9-81ED-4DB2-BD59-A6C34878D82A}">
+                    <a16:rowId xmlns:a16="http://schemas.microsoft.com/office/drawing/2014/main" val="2725606373"/>
+                  </a:ext>
+                </a:extLst>
+              </a:tr>
+              <a:tr h="378974">
+                <a:tc>
+                  <a:txBody>
+                    <a:bodyPr/>
+                    <a:lstStyle/>
+                    <a:p>
+                      <a:endParaRPr lang="en-IN"/>
+                    </a:p>
+                  </a:txBody>
+                  <a:tcPr/>
+                </a:tc>
+                <a:tc>
+                  <a:txBody>
+                    <a:bodyPr/>
+                    <a:lstStyle/>
+                    <a:p>
+                      <a:endParaRPr lang="en-IN" dirty="0"/>
+                    </a:p>
+                  </a:txBody>
+                  <a:tcPr/>
+                </a:tc>
+                <a:extLst>
+                  <a:ext uri="{0D108BD9-81ED-4DB2-BD59-A6C34878D82A}">
+                    <a16:rowId xmlns:a16="http://schemas.microsoft.com/office/drawing/2014/main" val="3346307677"/>
+                  </a:ext>
+                </a:extLst>
+              </a:tr>
+            </a:tbl>
+          </a:graphicData>
+        </a:graphic>
+      </p:graphicFrame>
     </p:spTree>
     <p:extLst>
       <p:ext uri="{BB962C8B-B14F-4D97-AF65-F5344CB8AC3E}">
@@ -6030,6 +6390,559 @@
       </p:grpSpPr>
       <p:sp>
         <p:nvSpPr>
+          <p:cNvPr id="2" name="Rectangle 1"/>
+          <p:cNvSpPr/>
+          <p:nvPr/>
+        </p:nvSpPr>
+        <p:spPr>
+          <a:xfrm>
+            <a:off x="2179058" y="1713301"/>
+            <a:ext cx="8278035" cy="1754326"/>
+          </a:xfrm>
+          <a:prstGeom prst="rect">
+            <a:avLst/>
+          </a:prstGeom>
+          <a:noFill/>
+        </p:spPr>
+        <p:txBody>
+          <a:bodyPr wrap="none" lIns="91440" tIns="45720" rIns="91440" bIns="45720">
+            <a:spAutoFit/>
+          </a:bodyPr>
+          <a:lstStyle/>
+          <a:p>
+            <a:pPr algn="ctr"/>
+            <a:r>
+              <a:rPr lang="en-US" sz="5400" b="0" cap="none" spc="0" dirty="0" smtClean="0">
+                <a:ln w="0"/>
+                <a:solidFill>
+                  <a:schemeClr val="accent1"/>
+                </a:solidFill>
+                <a:effectLst>
+                  <a:outerShdw blurRad="38100" dist="25400" dir="5400000" algn="ctr" rotWithShape="0">
+                    <a:srgbClr val="6E747A">
+                      <a:alpha val="43000"/>
+                    </a:srgbClr>
+                  </a:outerShdw>
+                </a:effectLst>
+              </a:rPr>
+              <a:t>Verification Success Scenario</a:t>
+            </a:r>
+          </a:p>
+          <a:p>
+            <a:pPr algn="ctr"/>
+            <a:r>
+              <a:rPr lang="en-US" sz="5400" dirty="0" smtClean="0">
+                <a:ln w="0"/>
+                <a:solidFill>
+                  <a:schemeClr val="accent1"/>
+                </a:solidFill>
+                <a:effectLst>
+                  <a:outerShdw blurRad="38100" dist="25400" dir="5400000" algn="ctr" rotWithShape="0">
+                    <a:srgbClr val="6E747A">
+                      <a:alpha val="43000"/>
+                    </a:srgbClr>
+                  </a:outerShdw>
+                </a:effectLst>
+              </a:rPr>
+              <a:t>(Change Password Page)</a:t>
+            </a:r>
+            <a:endParaRPr lang="en-US" sz="5400" b="0" cap="none" spc="0" dirty="0">
+              <a:ln w="0"/>
+              <a:solidFill>
+                <a:schemeClr val="accent1"/>
+              </a:solidFill>
+              <a:effectLst>
+                <a:outerShdw blurRad="38100" dist="25400" dir="5400000" algn="ctr" rotWithShape="0">
+                  <a:srgbClr val="6E747A">
+                    <a:alpha val="43000"/>
+                  </a:srgbClr>
+                </a:outerShdw>
+              </a:effectLst>
+            </a:endParaRPr>
+          </a:p>
+        </p:txBody>
+      </p:sp>
+    </p:spTree>
+    <p:extLst>
+      <p:ext uri="{BB962C8B-B14F-4D97-AF65-F5344CB8AC3E}">
+        <p14:creationId xmlns:p14="http://schemas.microsoft.com/office/powerpoint/2010/main" val="3591374543"/>
+      </p:ext>
+    </p:extLst>
+  </p:cSld>
+  <p:clrMapOvr>
+    <a:masterClrMapping/>
+  </p:clrMapOvr>
+  <p:timing>
+    <p:tnLst>
+      <p:par>
+        <p:cTn id="1" dur="indefinite" restart="never" nodeType="tmRoot"/>
+      </p:par>
+    </p:tnLst>
+  </p:timing>
+</p:sld>
+</file>
+
+<file path=ppt/slides/slide21.xml><?xml version="1.0" encoding="utf-8"?>
+<p:sld xmlns:a="http://schemas.openxmlformats.org/drawingml/2006/main" xmlns:r="http://schemas.openxmlformats.org/officeDocument/2006/relationships" xmlns:p="http://schemas.openxmlformats.org/presentationml/2006/main">
+  <p:cSld>
+    <p:spTree>
+      <p:nvGrpSpPr>
+        <p:cNvPr id="1" name=""/>
+        <p:cNvGrpSpPr/>
+        <p:nvPr/>
+      </p:nvGrpSpPr>
+      <p:grpSpPr>
+        <a:xfrm>
+          <a:off x="0" y="0"/>
+          <a:ext cx="0" cy="0"/>
+          <a:chOff x="0" y="0"/>
+          <a:chExt cx="0" cy="0"/>
+        </a:xfrm>
+      </p:grpSpPr>
+      <p:sp>
+        <p:nvSpPr>
+          <p:cNvPr id="4" name="Rectangle 3"/>
+          <p:cNvSpPr/>
+          <p:nvPr/>
+        </p:nvSpPr>
+        <p:spPr>
+          <a:xfrm>
+            <a:off x="3272244" y="0"/>
+            <a:ext cx="4558937" cy="6766559"/>
+          </a:xfrm>
+          <a:prstGeom prst="rect">
+            <a:avLst/>
+          </a:prstGeom>
+        </p:spPr>
+        <p:style>
+          <a:lnRef idx="1">
+            <a:schemeClr val="accent1"/>
+          </a:lnRef>
+          <a:fillRef idx="2">
+            <a:schemeClr val="accent1"/>
+          </a:fillRef>
+          <a:effectRef idx="1">
+            <a:schemeClr val="accent1"/>
+          </a:effectRef>
+          <a:fontRef idx="minor">
+            <a:schemeClr val="dk1"/>
+          </a:fontRef>
+        </p:style>
+        <p:txBody>
+          <a:bodyPr rtlCol="0" anchor="ctr"/>
+          <a:lstStyle/>
+          <a:p>
+            <a:pPr algn="ctr"/>
+            <a:endParaRPr lang="en-IN"/>
+          </a:p>
+        </p:txBody>
+      </p:sp>
+      <p:sp>
+        <p:nvSpPr>
+          <p:cNvPr id="7" name="TextBox 6"/>
+          <p:cNvSpPr txBox="1"/>
+          <p:nvPr/>
+        </p:nvSpPr>
+        <p:spPr>
+          <a:xfrm>
+            <a:off x="4376057" y="130629"/>
+            <a:ext cx="2677886" cy="369332"/>
+          </a:xfrm>
+          <a:prstGeom prst="rect">
+            <a:avLst/>
+          </a:prstGeom>
+          <a:noFill/>
+        </p:spPr>
+        <p:txBody>
+          <a:bodyPr wrap="square" rtlCol="0">
+            <a:spAutoFit/>
+          </a:bodyPr>
+          <a:lstStyle/>
+          <a:p>
+            <a:pPr algn="ctr"/>
+            <a:r>
+              <a:rPr lang="en-IN" u="sng" dirty="0" smtClean="0">
+                <a:solidFill>
+                  <a:schemeClr val="bg1"/>
+                </a:solidFill>
+              </a:rPr>
+              <a:t>Change Your Password </a:t>
+            </a:r>
+            <a:endParaRPr lang="en-IN" u="sng" dirty="0">
+              <a:solidFill>
+                <a:schemeClr val="bg1"/>
+              </a:solidFill>
+            </a:endParaRPr>
+          </a:p>
+        </p:txBody>
+      </p:sp>
+      <p:sp>
+        <p:nvSpPr>
+          <p:cNvPr id="8" name="Rectangle 7"/>
+          <p:cNvSpPr/>
+          <p:nvPr/>
+        </p:nvSpPr>
+        <p:spPr>
+          <a:xfrm>
+            <a:off x="4336321" y="1160239"/>
+            <a:ext cx="2952206" cy="313730"/>
+          </a:xfrm>
+          <a:prstGeom prst="rect">
+            <a:avLst/>
+          </a:prstGeom>
+        </p:spPr>
+        <p:style>
+          <a:lnRef idx="2">
+            <a:schemeClr val="accent6"/>
+          </a:lnRef>
+          <a:fillRef idx="1">
+            <a:schemeClr val="lt1"/>
+          </a:fillRef>
+          <a:effectRef idx="0">
+            <a:schemeClr val="accent6"/>
+          </a:effectRef>
+          <a:fontRef idx="minor">
+            <a:schemeClr val="dk1"/>
+          </a:fontRef>
+        </p:style>
+        <p:txBody>
+          <a:bodyPr rtlCol="0" anchor="ctr"/>
+          <a:lstStyle/>
+          <a:p>
+            <a:pPr algn="ctr"/>
+            <a:endParaRPr lang="en-IN"/>
+          </a:p>
+        </p:txBody>
+      </p:sp>
+      <p:sp>
+        <p:nvSpPr>
+          <p:cNvPr id="9" name="Rectangle 8"/>
+          <p:cNvSpPr/>
+          <p:nvPr/>
+        </p:nvSpPr>
+        <p:spPr>
+          <a:xfrm>
+            <a:off x="4336321" y="1831446"/>
+            <a:ext cx="2952206" cy="313730"/>
+          </a:xfrm>
+          <a:prstGeom prst="rect">
+            <a:avLst/>
+          </a:prstGeom>
+        </p:spPr>
+        <p:style>
+          <a:lnRef idx="2">
+            <a:schemeClr val="accent6"/>
+          </a:lnRef>
+          <a:fillRef idx="1">
+            <a:schemeClr val="lt1"/>
+          </a:fillRef>
+          <a:effectRef idx="0">
+            <a:schemeClr val="accent6"/>
+          </a:effectRef>
+          <a:fontRef idx="minor">
+            <a:schemeClr val="dk1"/>
+          </a:fontRef>
+        </p:style>
+        <p:txBody>
+          <a:bodyPr rtlCol="0" anchor="ctr"/>
+          <a:lstStyle/>
+          <a:p>
+            <a:pPr algn="ctr"/>
+            <a:endParaRPr lang="en-IN"/>
+          </a:p>
+        </p:txBody>
+      </p:sp>
+      <p:sp>
+        <p:nvSpPr>
+          <p:cNvPr id="10" name="TextBox 9"/>
+          <p:cNvSpPr txBox="1"/>
+          <p:nvPr/>
+        </p:nvSpPr>
+        <p:spPr>
+          <a:xfrm>
+            <a:off x="4336321" y="822960"/>
+            <a:ext cx="1999165" cy="369332"/>
+          </a:xfrm>
+          <a:prstGeom prst="rect">
+            <a:avLst/>
+          </a:prstGeom>
+          <a:noFill/>
+        </p:spPr>
+        <p:txBody>
+          <a:bodyPr wrap="square" rtlCol="0">
+            <a:spAutoFit/>
+          </a:bodyPr>
+          <a:lstStyle/>
+          <a:p>
+            <a:r>
+              <a:rPr lang="en-IN" dirty="0" smtClean="0">
+                <a:solidFill>
+                  <a:schemeClr val="bg1"/>
+                </a:solidFill>
+              </a:rPr>
+              <a:t>New Password</a:t>
+            </a:r>
+            <a:endParaRPr lang="en-IN" dirty="0">
+              <a:solidFill>
+                <a:schemeClr val="bg1"/>
+              </a:solidFill>
+            </a:endParaRPr>
+          </a:p>
+        </p:txBody>
+      </p:sp>
+      <p:sp>
+        <p:nvSpPr>
+          <p:cNvPr id="11" name="TextBox 10"/>
+          <p:cNvSpPr txBox="1"/>
+          <p:nvPr/>
+        </p:nvSpPr>
+        <p:spPr>
+          <a:xfrm>
+            <a:off x="4336319" y="1468042"/>
+            <a:ext cx="2717623" cy="369332"/>
+          </a:xfrm>
+          <a:prstGeom prst="rect">
+            <a:avLst/>
+          </a:prstGeom>
+          <a:noFill/>
+        </p:spPr>
+        <p:txBody>
+          <a:bodyPr wrap="square" rtlCol="0">
+            <a:spAutoFit/>
+          </a:bodyPr>
+          <a:lstStyle/>
+          <a:p>
+            <a:r>
+              <a:rPr lang="en-IN" dirty="0" smtClean="0">
+                <a:solidFill>
+                  <a:schemeClr val="bg1"/>
+                </a:solidFill>
+              </a:rPr>
+              <a:t>Confirm New  Password</a:t>
+            </a:r>
+            <a:endParaRPr lang="en-IN" dirty="0">
+              <a:solidFill>
+                <a:schemeClr val="bg1"/>
+              </a:solidFill>
+            </a:endParaRPr>
+          </a:p>
+        </p:txBody>
+      </p:sp>
+      <p:sp>
+        <p:nvSpPr>
+          <p:cNvPr id="12" name="Rectangle 11"/>
+          <p:cNvSpPr/>
+          <p:nvPr/>
+        </p:nvSpPr>
+        <p:spPr>
+          <a:xfrm>
+            <a:off x="6897189" y="1831446"/>
+            <a:ext cx="391338" cy="313730"/>
+          </a:xfrm>
+          <a:prstGeom prst="rect">
+            <a:avLst/>
+          </a:prstGeom>
+        </p:spPr>
+        <p:style>
+          <a:lnRef idx="2">
+            <a:schemeClr val="accent1">
+              <a:shade val="50000"/>
+            </a:schemeClr>
+          </a:lnRef>
+          <a:fillRef idx="1">
+            <a:schemeClr val="accent1"/>
+          </a:fillRef>
+          <a:effectRef idx="0">
+            <a:schemeClr val="accent1"/>
+          </a:effectRef>
+          <a:fontRef idx="minor">
+            <a:schemeClr val="lt1"/>
+          </a:fontRef>
+        </p:style>
+        <p:txBody>
+          <a:bodyPr rtlCol="0" anchor="ctr"/>
+          <a:lstStyle/>
+          <a:p>
+            <a:pPr algn="ctr"/>
+            <a:endParaRPr lang="en-IN"/>
+          </a:p>
+        </p:txBody>
+      </p:sp>
+      <p:sp>
+        <p:nvSpPr>
+          <p:cNvPr id="13" name="Rounded Rectangle 12"/>
+          <p:cNvSpPr/>
+          <p:nvPr/>
+        </p:nvSpPr>
+        <p:spPr>
+          <a:xfrm>
+            <a:off x="4376057" y="2502653"/>
+            <a:ext cx="2462348" cy="457200"/>
+          </a:xfrm>
+          <a:prstGeom prst="roundRect">
+            <a:avLst/>
+          </a:prstGeom>
+        </p:spPr>
+        <p:style>
+          <a:lnRef idx="2">
+            <a:schemeClr val="accent5">
+              <a:shade val="50000"/>
+            </a:schemeClr>
+          </a:lnRef>
+          <a:fillRef idx="1">
+            <a:schemeClr val="accent5"/>
+          </a:fillRef>
+          <a:effectRef idx="0">
+            <a:schemeClr val="accent5"/>
+          </a:effectRef>
+          <a:fontRef idx="minor">
+            <a:schemeClr val="lt1"/>
+          </a:fontRef>
+        </p:style>
+        <p:txBody>
+          <a:bodyPr rtlCol="0" anchor="ctr"/>
+          <a:lstStyle/>
+          <a:p>
+            <a:pPr algn="ctr"/>
+            <a:r>
+              <a:rPr lang="en-IN" dirty="0" smtClean="0"/>
+              <a:t>SUBMIT</a:t>
+            </a:r>
+            <a:endParaRPr lang="en-IN" dirty="0"/>
+          </a:p>
+        </p:txBody>
+      </p:sp>
+    </p:spTree>
+    <p:extLst>
+      <p:ext uri="{BB962C8B-B14F-4D97-AF65-F5344CB8AC3E}">
+        <p14:creationId xmlns:p14="http://schemas.microsoft.com/office/powerpoint/2010/main" val="1732123617"/>
+      </p:ext>
+    </p:extLst>
+  </p:cSld>
+  <p:clrMapOvr>
+    <a:masterClrMapping/>
+  </p:clrMapOvr>
+  <p:timing>
+    <p:tnLst>
+      <p:par>
+        <p:cTn id="1" dur="indefinite" restart="never" nodeType="tmRoot"/>
+      </p:par>
+    </p:tnLst>
+  </p:timing>
+</p:sld>
+</file>
+
+<file path=ppt/slides/slide22.xml><?xml version="1.0" encoding="utf-8"?>
+<p:sld xmlns:a="http://schemas.openxmlformats.org/drawingml/2006/main" xmlns:r="http://schemas.openxmlformats.org/officeDocument/2006/relationships" xmlns:p="http://schemas.openxmlformats.org/presentationml/2006/main">
+  <p:cSld>
+    <p:spTree>
+      <p:nvGrpSpPr>
+        <p:cNvPr id="1" name=""/>
+        <p:cNvGrpSpPr/>
+        <p:nvPr/>
+      </p:nvGrpSpPr>
+      <p:grpSpPr>
+        <a:xfrm>
+          <a:off x="0" y="0"/>
+          <a:ext cx="0" cy="0"/>
+          <a:chOff x="0" y="0"/>
+          <a:chExt cx="0" cy="0"/>
+        </a:xfrm>
+      </p:grpSpPr>
+      <p:sp>
+        <p:nvSpPr>
+          <p:cNvPr id="2" name="Rectangle 1"/>
+          <p:cNvSpPr/>
+          <p:nvPr/>
+        </p:nvSpPr>
+        <p:spPr>
+          <a:xfrm>
+            <a:off x="1721721" y="2039872"/>
+            <a:ext cx="8905323" cy="923330"/>
+          </a:xfrm>
+          <a:prstGeom prst="rect">
+            <a:avLst/>
+          </a:prstGeom>
+          <a:noFill/>
+        </p:spPr>
+        <p:txBody>
+          <a:bodyPr wrap="none" lIns="91440" tIns="45720" rIns="91440" bIns="45720">
+            <a:spAutoFit/>
+          </a:bodyPr>
+          <a:lstStyle/>
+          <a:p>
+            <a:pPr algn="ctr"/>
+            <a:r>
+              <a:rPr lang="en-US" sz="5400" dirty="0" smtClean="0">
+                <a:ln w="0"/>
+                <a:solidFill>
+                  <a:schemeClr val="accent1"/>
+                </a:solidFill>
+                <a:effectLst>
+                  <a:outerShdw blurRad="38100" dist="25400" dir="5400000" algn="ctr" rotWithShape="0">
+                    <a:srgbClr val="6E747A">
+                      <a:alpha val="43000"/>
+                    </a:srgbClr>
+                  </a:outerShdw>
+                </a:effectLst>
+              </a:rPr>
+              <a:t>Password Change Success Page</a:t>
+            </a:r>
+            <a:endParaRPr lang="en-US" sz="5400" b="0" cap="none" spc="0" dirty="0">
+              <a:ln w="0"/>
+              <a:solidFill>
+                <a:schemeClr val="accent1"/>
+              </a:solidFill>
+              <a:effectLst>
+                <a:outerShdw blurRad="38100" dist="25400" dir="5400000" algn="ctr" rotWithShape="0">
+                  <a:srgbClr val="6E747A">
+                    <a:alpha val="43000"/>
+                  </a:srgbClr>
+                </a:outerShdw>
+              </a:effectLst>
+            </a:endParaRPr>
+          </a:p>
+        </p:txBody>
+      </p:sp>
+    </p:spTree>
+    <p:extLst>
+      <p:ext uri="{BB962C8B-B14F-4D97-AF65-F5344CB8AC3E}">
+        <p14:creationId xmlns:p14="http://schemas.microsoft.com/office/powerpoint/2010/main" val="3120082087"/>
+      </p:ext>
+    </p:extLst>
+  </p:cSld>
+  <p:clrMapOvr>
+    <a:masterClrMapping/>
+  </p:clrMapOvr>
+  <p:timing>
+    <p:tnLst>
+      <p:par>
+        <p:cTn id="1" dur="indefinite" restart="never" nodeType="tmRoot"/>
+      </p:par>
+    </p:tnLst>
+  </p:timing>
+</p:sld>
+</file>
+
+<file path=ppt/slides/slide23.xml><?xml version="1.0" encoding="utf-8"?>
+<p:sld xmlns:a="http://schemas.openxmlformats.org/drawingml/2006/main" xmlns:r="http://schemas.openxmlformats.org/officeDocument/2006/relationships" xmlns:p="http://schemas.openxmlformats.org/presentationml/2006/main">
+  <p:cSld>
+    <p:spTree>
+      <p:nvGrpSpPr>
+        <p:cNvPr id="1" name=""/>
+        <p:cNvGrpSpPr/>
+        <p:nvPr/>
+      </p:nvGrpSpPr>
+      <p:grpSpPr>
+        <a:xfrm>
+          <a:off x="0" y="0"/>
+          <a:ext cx="0" cy="0"/>
+          <a:chOff x="0" y="0"/>
+          <a:chExt cx="0" cy="0"/>
+        </a:xfrm>
+      </p:grpSpPr>
+      <p:sp>
+        <p:nvSpPr>
           <p:cNvPr id="2" name="TextBox 1"/>
           <p:cNvSpPr txBox="1"/>
           <p:nvPr/>
@@ -6126,7 +7039,7 @@
 </p:sld>
 </file>
 
-<file path=ppt/slides/slide21.xml><?xml version="1.0" encoding="utf-8"?>
+<file path=ppt/slides/slide24.xml><?xml version="1.0" encoding="utf-8"?>
 <p:sld xmlns:a="http://schemas.openxmlformats.org/drawingml/2006/main" xmlns:r="http://schemas.openxmlformats.org/officeDocument/2006/relationships" xmlns:p="http://schemas.openxmlformats.org/presentationml/2006/main">
   <p:cSld>
     <p:spTree>
@@ -6235,949 +7148,16 @@
           <a:chExt cx="0" cy="0"/>
         </a:xfrm>
       </p:grpSpPr>
-      <p:sp>
-        <p:nvSpPr>
-          <p:cNvPr id="4" name="Rectangle 3"/>
-          <p:cNvSpPr/>
-          <p:nvPr/>
-        </p:nvSpPr>
-        <p:spPr>
-          <a:xfrm>
-            <a:off x="3272244" y="0"/>
-            <a:ext cx="4558937" cy="6766559"/>
-          </a:xfrm>
-          <a:prstGeom prst="rect">
-            <a:avLst/>
-          </a:prstGeom>
-        </p:spPr>
-        <p:style>
-          <a:lnRef idx="1">
-            <a:schemeClr val="accent1"/>
-          </a:lnRef>
-          <a:fillRef idx="2">
-            <a:schemeClr val="accent1"/>
-          </a:fillRef>
-          <a:effectRef idx="1">
-            <a:schemeClr val="accent1"/>
-          </a:effectRef>
-          <a:fontRef idx="minor">
-            <a:schemeClr val="dk1"/>
-          </a:fontRef>
-        </p:style>
-        <p:txBody>
-          <a:bodyPr rtlCol="0" anchor="ctr"/>
-          <a:lstStyle/>
-          <a:p>
-            <a:pPr algn="ctr"/>
-            <a:endParaRPr lang="en-IN"/>
-          </a:p>
-        </p:txBody>
-      </p:sp>
-      <p:sp>
-        <p:nvSpPr>
-          <p:cNvPr id="7" name="TextBox 6"/>
-          <p:cNvSpPr txBox="1"/>
-          <p:nvPr/>
-        </p:nvSpPr>
-        <p:spPr>
-          <a:xfrm>
-            <a:off x="3353887" y="188525"/>
-            <a:ext cx="4558937" cy="369332"/>
-          </a:xfrm>
-          <a:prstGeom prst="rect">
-            <a:avLst/>
-          </a:prstGeom>
-          <a:noFill/>
-        </p:spPr>
-        <p:txBody>
-          <a:bodyPr wrap="square" rtlCol="0">
-            <a:spAutoFit/>
-          </a:bodyPr>
-          <a:lstStyle/>
-          <a:p>
-            <a:pPr algn="ctr"/>
-            <a:r>
-              <a:rPr lang="en-IN" u="sng" dirty="0" smtClean="0">
-                <a:solidFill>
-                  <a:srgbClr val="002060"/>
-                </a:solidFill>
-              </a:rPr>
-              <a:t>LOGIN / SIGN UP</a:t>
-            </a:r>
-            <a:endParaRPr lang="en-IN" u="sng" dirty="0">
-              <a:solidFill>
-                <a:srgbClr val="002060"/>
-              </a:solidFill>
-            </a:endParaRPr>
-          </a:p>
-        </p:txBody>
-      </p:sp>
-      <p:sp>
-        <p:nvSpPr>
-          <p:cNvPr id="8" name="Rectangle 7"/>
-          <p:cNvSpPr/>
-          <p:nvPr/>
-        </p:nvSpPr>
-        <p:spPr>
-          <a:xfrm>
-            <a:off x="3905792" y="1824503"/>
-            <a:ext cx="3409406" cy="470262"/>
-          </a:xfrm>
-          <a:prstGeom prst="rect">
-            <a:avLst/>
-          </a:prstGeom>
-        </p:spPr>
-        <p:style>
-          <a:lnRef idx="2">
-            <a:schemeClr val="accent6"/>
-          </a:lnRef>
-          <a:fillRef idx="1">
-            <a:schemeClr val="lt1"/>
-          </a:fillRef>
-          <a:effectRef idx="0">
-            <a:schemeClr val="accent6"/>
-          </a:effectRef>
-          <a:fontRef idx="minor">
-            <a:schemeClr val="dk1"/>
-          </a:fontRef>
-        </p:style>
-        <p:txBody>
-          <a:bodyPr rtlCol="0" anchor="ctr"/>
-          <a:lstStyle/>
-          <a:p>
-            <a:pPr algn="ctr"/>
-            <a:endParaRPr lang="en-IN"/>
-          </a:p>
-        </p:txBody>
-      </p:sp>
-      <p:sp>
-        <p:nvSpPr>
-          <p:cNvPr id="9" name="Rectangle 8"/>
-          <p:cNvSpPr/>
-          <p:nvPr/>
-        </p:nvSpPr>
-        <p:spPr>
-          <a:xfrm>
-            <a:off x="3905792" y="2769388"/>
-            <a:ext cx="3409406" cy="470262"/>
-          </a:xfrm>
-          <a:prstGeom prst="rect">
-            <a:avLst/>
-          </a:prstGeom>
-        </p:spPr>
-        <p:style>
-          <a:lnRef idx="2">
-            <a:schemeClr val="accent6"/>
-          </a:lnRef>
-          <a:fillRef idx="1">
-            <a:schemeClr val="lt1"/>
-          </a:fillRef>
-          <a:effectRef idx="0">
-            <a:schemeClr val="accent6"/>
-          </a:effectRef>
-          <a:fontRef idx="minor">
-            <a:schemeClr val="dk1"/>
-          </a:fontRef>
-        </p:style>
-        <p:txBody>
-          <a:bodyPr rtlCol="0" anchor="ctr"/>
-          <a:lstStyle/>
-          <a:p>
-            <a:pPr algn="ctr"/>
-            <a:endParaRPr lang="en-IN"/>
-          </a:p>
-        </p:txBody>
-      </p:sp>
-      <p:sp>
-        <p:nvSpPr>
-          <p:cNvPr id="10" name="Rectangle 9"/>
-          <p:cNvSpPr/>
-          <p:nvPr/>
-        </p:nvSpPr>
-        <p:spPr>
-          <a:xfrm>
-            <a:off x="3931369" y="1041694"/>
-            <a:ext cx="3409406" cy="384494"/>
-          </a:xfrm>
-          <a:prstGeom prst="rect">
-            <a:avLst/>
-          </a:prstGeom>
-        </p:spPr>
-        <p:style>
-          <a:lnRef idx="2">
-            <a:schemeClr val="accent6"/>
-          </a:lnRef>
-          <a:fillRef idx="1">
-            <a:schemeClr val="lt1"/>
-          </a:fillRef>
-          <a:effectRef idx="0">
-            <a:schemeClr val="accent6"/>
-          </a:effectRef>
-          <a:fontRef idx="minor">
-            <a:schemeClr val="dk1"/>
-          </a:fontRef>
-        </p:style>
-        <p:txBody>
-          <a:bodyPr rtlCol="0" anchor="ctr"/>
-          <a:lstStyle/>
-          <a:p>
-            <a:pPr algn="ctr"/>
-            <a:endParaRPr lang="en-IN"/>
-          </a:p>
-        </p:txBody>
-      </p:sp>
-      <p:sp>
-        <p:nvSpPr>
-          <p:cNvPr id="11" name="Rectangle 10"/>
-          <p:cNvSpPr/>
-          <p:nvPr/>
-        </p:nvSpPr>
-        <p:spPr>
-          <a:xfrm>
-            <a:off x="3892730" y="3746992"/>
-            <a:ext cx="3409406" cy="470262"/>
-          </a:xfrm>
-          <a:prstGeom prst="rect">
-            <a:avLst/>
-          </a:prstGeom>
-        </p:spPr>
-        <p:style>
-          <a:lnRef idx="2">
-            <a:schemeClr val="accent6"/>
-          </a:lnRef>
-          <a:fillRef idx="1">
-            <a:schemeClr val="lt1"/>
-          </a:fillRef>
-          <a:effectRef idx="0">
-            <a:schemeClr val="accent6"/>
-          </a:effectRef>
-          <a:fontRef idx="minor">
-            <a:schemeClr val="dk1"/>
-          </a:fontRef>
-        </p:style>
-        <p:txBody>
-          <a:bodyPr rtlCol="0" anchor="ctr"/>
-          <a:lstStyle/>
-          <a:p>
-            <a:pPr algn="ctr"/>
-            <a:endParaRPr lang="en-IN"/>
-          </a:p>
-        </p:txBody>
-      </p:sp>
-      <p:sp>
-        <p:nvSpPr>
-          <p:cNvPr id="13" name="TextBox 12"/>
-          <p:cNvSpPr txBox="1"/>
-          <p:nvPr/>
-        </p:nvSpPr>
-        <p:spPr>
-          <a:xfrm>
-            <a:off x="4059556" y="1422503"/>
-            <a:ext cx="3317966" cy="400110"/>
-          </a:xfrm>
-          <a:prstGeom prst="rect">
-            <a:avLst/>
-          </a:prstGeom>
-          <a:noFill/>
-        </p:spPr>
-        <p:txBody>
-          <a:bodyPr wrap="square" rtlCol="0">
-            <a:spAutoFit/>
-          </a:bodyPr>
-          <a:lstStyle/>
-          <a:p>
-            <a:pPr algn="ctr"/>
-            <a:r>
-              <a:rPr lang="en-IN" sz="2000" dirty="0" smtClean="0">
-                <a:solidFill>
-                  <a:schemeClr val="bg1"/>
-                </a:solidFill>
-              </a:rPr>
-              <a:t>First Name </a:t>
-            </a:r>
-            <a:r>
-              <a:rPr lang="en-IN" sz="2000" dirty="0" smtClean="0">
-                <a:solidFill>
-                  <a:schemeClr val="tx2"/>
-                </a:solidFill>
-              </a:rPr>
-              <a:t>*</a:t>
-            </a:r>
-            <a:endParaRPr lang="en-IN" dirty="0">
-              <a:solidFill>
-                <a:schemeClr val="tx2"/>
-              </a:solidFill>
-            </a:endParaRPr>
-          </a:p>
-        </p:txBody>
-      </p:sp>
-      <p:sp>
-        <p:nvSpPr>
-          <p:cNvPr id="15" name="TextBox 14"/>
-          <p:cNvSpPr txBox="1"/>
-          <p:nvPr/>
-        </p:nvSpPr>
-        <p:spPr>
-          <a:xfrm>
-            <a:off x="3959951" y="2344265"/>
-            <a:ext cx="3317966" cy="400110"/>
-          </a:xfrm>
-          <a:prstGeom prst="rect">
-            <a:avLst/>
-          </a:prstGeom>
-          <a:noFill/>
-        </p:spPr>
-        <p:txBody>
-          <a:bodyPr wrap="square" rtlCol="0">
-            <a:spAutoFit/>
-          </a:bodyPr>
-          <a:lstStyle/>
-          <a:p>
-            <a:pPr algn="ctr"/>
-            <a:r>
-              <a:rPr lang="en-IN" sz="2000" dirty="0" smtClean="0">
-                <a:solidFill>
-                  <a:schemeClr val="bg1"/>
-                </a:solidFill>
-              </a:rPr>
-              <a:t>Last Name</a:t>
-            </a:r>
-            <a:r>
-              <a:rPr lang="en-IN" dirty="0">
-                <a:solidFill>
-                  <a:srgbClr val="FF0000"/>
-                </a:solidFill>
-              </a:rPr>
-              <a:t> </a:t>
-            </a:r>
-            <a:r>
-              <a:rPr lang="en-IN" dirty="0">
-                <a:solidFill>
-                  <a:schemeClr val="tx2"/>
-                </a:solidFill>
-              </a:rPr>
-              <a:t>*</a:t>
-            </a:r>
-          </a:p>
-        </p:txBody>
-      </p:sp>
-      <p:sp>
-        <p:nvSpPr>
-          <p:cNvPr id="16" name="TextBox 15"/>
-          <p:cNvSpPr txBox="1"/>
-          <p:nvPr/>
-        </p:nvSpPr>
-        <p:spPr>
-          <a:xfrm>
-            <a:off x="3931369" y="3272479"/>
-            <a:ext cx="3317966" cy="400110"/>
-          </a:xfrm>
-          <a:prstGeom prst="rect">
-            <a:avLst/>
-          </a:prstGeom>
-          <a:noFill/>
-        </p:spPr>
-        <p:txBody>
-          <a:bodyPr wrap="square" rtlCol="0">
-            <a:spAutoFit/>
-          </a:bodyPr>
-          <a:lstStyle/>
-          <a:p>
-            <a:pPr algn="ctr"/>
-            <a:r>
-              <a:rPr lang="en-IN" sz="2000" dirty="0" smtClean="0">
-                <a:solidFill>
-                  <a:schemeClr val="bg1"/>
-                </a:solidFill>
-              </a:rPr>
-              <a:t>D.O.B</a:t>
-            </a:r>
-            <a:r>
-              <a:rPr lang="en-IN" dirty="0">
-                <a:solidFill>
-                  <a:schemeClr val="tx2"/>
-                </a:solidFill>
-              </a:rPr>
-              <a:t> *</a:t>
-            </a:r>
-          </a:p>
-        </p:txBody>
-      </p:sp>
-      <p:sp>
-        <p:nvSpPr>
-          <p:cNvPr id="17" name="TextBox 16"/>
-          <p:cNvSpPr txBox="1"/>
-          <p:nvPr/>
-        </p:nvSpPr>
-        <p:spPr>
-          <a:xfrm>
-            <a:off x="3959951" y="677785"/>
-            <a:ext cx="3317966" cy="400110"/>
-          </a:xfrm>
-          <a:prstGeom prst="rect">
-            <a:avLst/>
-          </a:prstGeom>
-          <a:noFill/>
-        </p:spPr>
-        <p:txBody>
-          <a:bodyPr wrap="square" rtlCol="0">
-            <a:spAutoFit/>
-          </a:bodyPr>
-          <a:lstStyle/>
-          <a:p>
-            <a:pPr algn="ctr"/>
-            <a:r>
-              <a:rPr lang="en-IN" sz="2000" dirty="0" smtClean="0">
-                <a:solidFill>
-                  <a:schemeClr val="bg1"/>
-                </a:solidFill>
-              </a:rPr>
-              <a:t>E</a:t>
-            </a:r>
-            <a:r>
-              <a:rPr lang="en-IN" sz="2000" dirty="0" smtClean="0">
-                <a:solidFill>
-                  <a:schemeClr val="bg1"/>
-                </a:solidFill>
-              </a:rPr>
-              <a:t>mail-Id</a:t>
-            </a:r>
-            <a:r>
-              <a:rPr lang="en-IN" dirty="0" smtClean="0">
-                <a:solidFill>
-                  <a:srgbClr val="FF0000"/>
-                </a:solidFill>
-              </a:rPr>
-              <a:t> </a:t>
-            </a:r>
-            <a:r>
-              <a:rPr lang="en-IN" dirty="0">
-                <a:solidFill>
-                  <a:schemeClr val="tx2"/>
-                </a:solidFill>
-              </a:rPr>
-              <a:t>*</a:t>
-            </a:r>
-          </a:p>
-        </p:txBody>
-      </p:sp>
-      <p:sp>
-        <p:nvSpPr>
-          <p:cNvPr id="19" name="Rectangle 18"/>
-          <p:cNvSpPr/>
-          <p:nvPr/>
-        </p:nvSpPr>
-        <p:spPr>
-          <a:xfrm>
-            <a:off x="6867795" y="3735121"/>
-            <a:ext cx="457199" cy="487289"/>
-          </a:xfrm>
-          <a:prstGeom prst="rect">
-            <a:avLst/>
-          </a:prstGeom>
-        </p:spPr>
-        <p:style>
-          <a:lnRef idx="2">
-            <a:schemeClr val="accent1">
-              <a:shade val="50000"/>
-            </a:schemeClr>
-          </a:lnRef>
-          <a:fillRef idx="1">
-            <a:schemeClr val="accent1"/>
-          </a:fillRef>
-          <a:effectRef idx="0">
-            <a:schemeClr val="accent1"/>
-          </a:effectRef>
-          <a:fontRef idx="minor">
-            <a:schemeClr val="lt1"/>
-          </a:fontRef>
-        </p:style>
-        <p:txBody>
-          <a:bodyPr rtlCol="0" anchor="ctr"/>
-          <a:lstStyle/>
-          <a:p>
-            <a:pPr algn="ctr"/>
-            <a:endParaRPr lang="en-IN"/>
-          </a:p>
-        </p:txBody>
-      </p:sp>
-      <p:sp>
-        <p:nvSpPr>
-          <p:cNvPr id="24" name="Rectangle 23"/>
-          <p:cNvSpPr/>
-          <p:nvPr/>
-        </p:nvSpPr>
-        <p:spPr>
-          <a:xfrm>
-            <a:off x="3301636" y="4291658"/>
-            <a:ext cx="4500154" cy="2434458"/>
-          </a:xfrm>
-          <a:prstGeom prst="rect">
-            <a:avLst/>
-          </a:prstGeom>
-        </p:spPr>
-        <p:style>
-          <a:lnRef idx="1">
-            <a:schemeClr val="accent1"/>
-          </a:lnRef>
-          <a:fillRef idx="2">
-            <a:schemeClr val="accent1"/>
-          </a:fillRef>
-          <a:effectRef idx="1">
-            <a:schemeClr val="accent1"/>
-          </a:effectRef>
-          <a:fontRef idx="minor">
-            <a:schemeClr val="dk1"/>
-          </a:fontRef>
-        </p:style>
-        <p:txBody>
-          <a:bodyPr rtlCol="0" anchor="ctr"/>
-          <a:lstStyle/>
-          <a:p>
-            <a:pPr algn="ctr"/>
-            <a:endParaRPr lang="en-IN"/>
-          </a:p>
-        </p:txBody>
-      </p:sp>
-      <p:sp>
-        <p:nvSpPr>
-          <p:cNvPr id="25" name="Rectangle 24"/>
-          <p:cNvSpPr/>
-          <p:nvPr/>
-        </p:nvSpPr>
-        <p:spPr>
-          <a:xfrm>
-            <a:off x="3374568" y="6268473"/>
-            <a:ext cx="1996442" cy="353784"/>
-          </a:xfrm>
-          <a:prstGeom prst="rect">
-            <a:avLst/>
-          </a:prstGeom>
-        </p:spPr>
-        <p:style>
-          <a:lnRef idx="2">
-            <a:schemeClr val="accent6"/>
-          </a:lnRef>
-          <a:fillRef idx="1">
-            <a:schemeClr val="lt1"/>
-          </a:fillRef>
-          <a:effectRef idx="0">
-            <a:schemeClr val="accent6"/>
-          </a:effectRef>
-          <a:fontRef idx="minor">
-            <a:schemeClr val="dk1"/>
-          </a:fontRef>
-        </p:style>
-        <p:txBody>
-          <a:bodyPr rtlCol="0" anchor="ctr"/>
-          <a:lstStyle/>
-          <a:p>
-            <a:pPr algn="ctr"/>
-            <a:endParaRPr lang="en-IN"/>
-          </a:p>
-        </p:txBody>
-      </p:sp>
-      <p:sp>
-        <p:nvSpPr>
-          <p:cNvPr id="26" name="Rectangle 25"/>
-          <p:cNvSpPr/>
-          <p:nvPr/>
-        </p:nvSpPr>
-        <p:spPr>
-          <a:xfrm>
-            <a:off x="5863042" y="6285500"/>
-            <a:ext cx="1836421" cy="343971"/>
-          </a:xfrm>
-          <a:prstGeom prst="rect">
-            <a:avLst/>
-          </a:prstGeom>
-        </p:spPr>
-        <p:style>
-          <a:lnRef idx="2">
-            <a:schemeClr val="accent6"/>
-          </a:lnRef>
-          <a:fillRef idx="1">
-            <a:schemeClr val="lt1"/>
-          </a:fillRef>
-          <a:effectRef idx="0">
-            <a:schemeClr val="accent6"/>
-          </a:effectRef>
-          <a:fontRef idx="minor">
-            <a:schemeClr val="dk1"/>
-          </a:fontRef>
-        </p:style>
-        <p:txBody>
-          <a:bodyPr rtlCol="0" anchor="ctr"/>
-          <a:lstStyle/>
-          <a:p>
-            <a:pPr algn="ctr"/>
-            <a:endParaRPr lang="en-IN"/>
-          </a:p>
-        </p:txBody>
-      </p:sp>
-      <p:sp>
-        <p:nvSpPr>
-          <p:cNvPr id="28" name="Rectangle 27"/>
-          <p:cNvSpPr/>
-          <p:nvPr/>
-        </p:nvSpPr>
-        <p:spPr>
-          <a:xfrm>
-            <a:off x="3730531" y="4841492"/>
-            <a:ext cx="3759928" cy="343268"/>
-          </a:xfrm>
-          <a:prstGeom prst="rect">
-            <a:avLst/>
-          </a:prstGeom>
-        </p:spPr>
-        <p:style>
-          <a:lnRef idx="2">
-            <a:schemeClr val="accent6"/>
-          </a:lnRef>
-          <a:fillRef idx="1">
-            <a:schemeClr val="lt1"/>
-          </a:fillRef>
-          <a:effectRef idx="0">
-            <a:schemeClr val="accent6"/>
-          </a:effectRef>
-          <a:fontRef idx="minor">
-            <a:schemeClr val="dk1"/>
-          </a:fontRef>
-        </p:style>
-        <p:txBody>
-          <a:bodyPr rtlCol="0" anchor="ctr"/>
-          <a:lstStyle/>
-          <a:p>
-            <a:pPr algn="ctr"/>
-            <a:endParaRPr lang="en-IN"/>
-          </a:p>
-        </p:txBody>
-      </p:sp>
-      <p:sp>
-        <p:nvSpPr>
-          <p:cNvPr id="29" name="Rectangle 28"/>
-          <p:cNvSpPr/>
-          <p:nvPr/>
-        </p:nvSpPr>
-        <p:spPr>
-          <a:xfrm>
-            <a:off x="3746859" y="5519721"/>
-            <a:ext cx="3759928" cy="313730"/>
-          </a:xfrm>
-          <a:prstGeom prst="rect">
-            <a:avLst/>
-          </a:prstGeom>
-        </p:spPr>
-        <p:style>
-          <a:lnRef idx="2">
-            <a:schemeClr val="accent6"/>
-          </a:lnRef>
-          <a:fillRef idx="1">
-            <a:schemeClr val="lt1"/>
-          </a:fillRef>
-          <a:effectRef idx="0">
-            <a:schemeClr val="accent6"/>
-          </a:effectRef>
-          <a:fontRef idx="minor">
-            <a:schemeClr val="dk1"/>
-          </a:fontRef>
-        </p:style>
-        <p:txBody>
-          <a:bodyPr rtlCol="0" anchor="ctr"/>
-          <a:lstStyle/>
-          <a:p>
-            <a:pPr algn="ctr"/>
-            <a:endParaRPr lang="en-IN"/>
-          </a:p>
-        </p:txBody>
-      </p:sp>
-      <p:sp>
-        <p:nvSpPr>
-          <p:cNvPr id="31" name="TextBox 30"/>
-          <p:cNvSpPr txBox="1"/>
-          <p:nvPr/>
-        </p:nvSpPr>
-        <p:spPr>
-          <a:xfrm>
-            <a:off x="3701140" y="4559416"/>
-            <a:ext cx="1066803" cy="369332"/>
-          </a:xfrm>
-          <a:prstGeom prst="rect">
-            <a:avLst/>
-          </a:prstGeom>
-          <a:noFill/>
-        </p:spPr>
-        <p:txBody>
-          <a:bodyPr wrap="square" rtlCol="0">
-            <a:spAutoFit/>
-          </a:bodyPr>
-          <a:lstStyle/>
-          <a:p>
-            <a:r>
-              <a:rPr lang="en-IN" dirty="0" smtClean="0">
-                <a:solidFill>
-                  <a:schemeClr val="bg1"/>
-                </a:solidFill>
-              </a:rPr>
-              <a:t>Line 1</a:t>
-            </a:r>
-            <a:r>
-              <a:rPr lang="en-IN" dirty="0" smtClean="0">
-                <a:solidFill>
-                  <a:schemeClr val="tx2"/>
-                </a:solidFill>
-              </a:rPr>
-              <a:t>  *</a:t>
-            </a:r>
-            <a:endParaRPr lang="en-IN" dirty="0">
-              <a:solidFill>
-                <a:schemeClr val="bg1"/>
-              </a:solidFill>
-            </a:endParaRPr>
-          </a:p>
-        </p:txBody>
-      </p:sp>
-      <p:sp>
-        <p:nvSpPr>
-          <p:cNvPr id="32" name="TextBox 31"/>
-          <p:cNvSpPr txBox="1"/>
-          <p:nvPr/>
-        </p:nvSpPr>
-        <p:spPr>
-          <a:xfrm>
-            <a:off x="3671748" y="5168223"/>
-            <a:ext cx="1066803" cy="369332"/>
-          </a:xfrm>
-          <a:prstGeom prst="rect">
-            <a:avLst/>
-          </a:prstGeom>
-          <a:noFill/>
-        </p:spPr>
-        <p:txBody>
-          <a:bodyPr wrap="square" rtlCol="0">
-            <a:spAutoFit/>
-          </a:bodyPr>
-          <a:lstStyle/>
-          <a:p>
-            <a:r>
-              <a:rPr lang="en-IN" dirty="0" smtClean="0">
-                <a:solidFill>
-                  <a:schemeClr val="bg1"/>
-                </a:solidFill>
-              </a:rPr>
-              <a:t>Line 2</a:t>
-            </a:r>
-            <a:r>
-              <a:rPr lang="en-IN" dirty="0" smtClean="0">
-                <a:solidFill>
-                  <a:schemeClr val="tx2"/>
-                </a:solidFill>
-              </a:rPr>
-              <a:t>  </a:t>
-            </a:r>
-            <a:endParaRPr lang="en-IN" dirty="0">
-              <a:solidFill>
-                <a:schemeClr val="bg1"/>
-              </a:solidFill>
-            </a:endParaRPr>
-          </a:p>
-        </p:txBody>
-      </p:sp>
-      <p:sp>
-        <p:nvSpPr>
-          <p:cNvPr id="33" name="Rectangle 32"/>
-          <p:cNvSpPr/>
-          <p:nvPr/>
-        </p:nvSpPr>
-        <p:spPr>
-          <a:xfrm>
-            <a:off x="4910276" y="6268473"/>
-            <a:ext cx="457199" cy="356181"/>
-          </a:xfrm>
-          <a:prstGeom prst="rect">
-            <a:avLst/>
-          </a:prstGeom>
-        </p:spPr>
-        <p:style>
-          <a:lnRef idx="2">
-            <a:schemeClr val="accent1">
-              <a:shade val="50000"/>
-            </a:schemeClr>
-          </a:lnRef>
-          <a:fillRef idx="1">
-            <a:schemeClr val="accent1"/>
-          </a:fillRef>
-          <a:effectRef idx="0">
-            <a:schemeClr val="accent1"/>
-          </a:effectRef>
-          <a:fontRef idx="minor">
-            <a:schemeClr val="lt1"/>
-          </a:fontRef>
-        </p:style>
-        <p:txBody>
-          <a:bodyPr rtlCol="0" anchor="ctr"/>
-          <a:lstStyle/>
-          <a:p>
-            <a:pPr algn="ctr"/>
-            <a:endParaRPr lang="en-IN"/>
-          </a:p>
-        </p:txBody>
-      </p:sp>
-      <p:sp>
-        <p:nvSpPr>
-          <p:cNvPr id="34" name="Rectangle 33"/>
-          <p:cNvSpPr/>
-          <p:nvPr/>
-        </p:nvSpPr>
-        <p:spPr>
-          <a:xfrm>
-            <a:off x="7189743" y="6285500"/>
-            <a:ext cx="509720" cy="350057"/>
-          </a:xfrm>
-          <a:prstGeom prst="rect">
-            <a:avLst/>
-          </a:prstGeom>
-        </p:spPr>
-        <p:style>
-          <a:lnRef idx="2">
-            <a:schemeClr val="accent1">
-              <a:shade val="50000"/>
-            </a:schemeClr>
-          </a:lnRef>
-          <a:fillRef idx="1">
-            <a:schemeClr val="accent1"/>
-          </a:fillRef>
-          <a:effectRef idx="0">
-            <a:schemeClr val="accent1"/>
-          </a:effectRef>
-          <a:fontRef idx="minor">
-            <a:schemeClr val="lt1"/>
-          </a:fontRef>
-        </p:style>
-        <p:txBody>
-          <a:bodyPr rtlCol="0" anchor="ctr"/>
-          <a:lstStyle/>
-          <a:p>
-            <a:pPr algn="ctr"/>
-            <a:endParaRPr lang="en-IN"/>
-          </a:p>
-        </p:txBody>
-      </p:sp>
-      <p:sp>
-        <p:nvSpPr>
-          <p:cNvPr id="35" name="TextBox 34"/>
-          <p:cNvSpPr txBox="1"/>
-          <p:nvPr/>
-        </p:nvSpPr>
-        <p:spPr>
-          <a:xfrm>
-            <a:off x="3788225" y="6285500"/>
-            <a:ext cx="1066803" cy="369332"/>
-          </a:xfrm>
-          <a:prstGeom prst="rect">
-            <a:avLst/>
-          </a:prstGeom>
-          <a:noFill/>
-        </p:spPr>
-        <p:txBody>
-          <a:bodyPr wrap="square" rtlCol="0">
-            <a:spAutoFit/>
-          </a:bodyPr>
-          <a:lstStyle/>
-          <a:p>
-            <a:r>
-              <a:rPr lang="en-IN" dirty="0" smtClean="0"/>
-              <a:t>CITY *</a:t>
-            </a:r>
-            <a:endParaRPr lang="en-IN" dirty="0"/>
-          </a:p>
-        </p:txBody>
-      </p:sp>
-      <p:sp>
-        <p:nvSpPr>
-          <p:cNvPr id="36" name="TextBox 35"/>
-          <p:cNvSpPr txBox="1"/>
-          <p:nvPr/>
-        </p:nvSpPr>
-        <p:spPr>
-          <a:xfrm>
-            <a:off x="6182532" y="6276792"/>
-            <a:ext cx="1066803" cy="369332"/>
-          </a:xfrm>
-          <a:prstGeom prst="rect">
-            <a:avLst/>
-          </a:prstGeom>
-          <a:noFill/>
-        </p:spPr>
-        <p:txBody>
-          <a:bodyPr wrap="square" rtlCol="0">
-            <a:spAutoFit/>
-          </a:bodyPr>
-          <a:lstStyle/>
-          <a:p>
-            <a:r>
-              <a:rPr lang="en-IN" dirty="0" smtClean="0"/>
-              <a:t>STATE *</a:t>
-            </a:r>
-            <a:endParaRPr lang="en-IN" dirty="0"/>
-          </a:p>
-        </p:txBody>
-      </p:sp>
-      <p:sp>
-        <p:nvSpPr>
-          <p:cNvPr id="37" name="TextBox 36"/>
-          <p:cNvSpPr txBox="1"/>
-          <p:nvPr/>
-        </p:nvSpPr>
-        <p:spPr>
-          <a:xfrm>
-            <a:off x="4776650" y="4299155"/>
-            <a:ext cx="1405882" cy="369332"/>
-          </a:xfrm>
-          <a:prstGeom prst="rect">
-            <a:avLst/>
-          </a:prstGeom>
-          <a:noFill/>
-        </p:spPr>
-        <p:txBody>
-          <a:bodyPr wrap="square" rtlCol="0">
-            <a:spAutoFit/>
-          </a:bodyPr>
-          <a:lstStyle/>
-          <a:p>
-            <a:r>
-              <a:rPr lang="en-IN" dirty="0" smtClean="0">
-                <a:solidFill>
-                  <a:schemeClr val="bg1"/>
-                </a:solidFill>
-              </a:rPr>
-              <a:t>Address </a:t>
-            </a:r>
-            <a:r>
-              <a:rPr lang="en-IN" dirty="0" smtClean="0"/>
-              <a:t>*</a:t>
-            </a:r>
-            <a:endParaRPr lang="en-IN" dirty="0"/>
-          </a:p>
-        </p:txBody>
-      </p:sp>
     </p:spTree>
     <p:extLst>
       <p:ext uri="{BB962C8B-B14F-4D97-AF65-F5344CB8AC3E}">
-        <p14:creationId xmlns:p14="http://schemas.microsoft.com/office/powerpoint/2010/main" val="3765728879"/>
+        <p14:creationId xmlns:p14="http://schemas.microsoft.com/office/powerpoint/2010/main" val="2134874267"/>
       </p:ext>
     </p:extLst>
   </p:cSld>
   <p:clrMapOvr>
     <a:masterClrMapping/>
   </p:clrMapOvr>
-  <p:timing>
-    <p:tnLst>
-      <p:par>
-        <p:cTn id="1" dur="indefinite" restart="never" nodeType="tmRoot"/>
-      </p:par>
-    </p:tnLst>
-  </p:timing>
 </p:sld>
 </file>
 
@@ -7200,90 +7180,14 @@
       </p:grpSpPr>
       <p:sp>
         <p:nvSpPr>
-          <p:cNvPr id="4" name="Rectangle 3"/>
+          <p:cNvPr id="2" name="Rectangle 1"/>
           <p:cNvSpPr/>
           <p:nvPr/>
         </p:nvSpPr>
         <p:spPr>
           <a:xfrm>
-            <a:off x="3219993" y="500296"/>
-            <a:ext cx="4558937" cy="4502777"/>
-          </a:xfrm>
-          <a:prstGeom prst="rect">
-            <a:avLst/>
-          </a:prstGeom>
-        </p:spPr>
-        <p:style>
-          <a:lnRef idx="1">
-            <a:schemeClr val="accent1"/>
-          </a:lnRef>
-          <a:fillRef idx="2">
-            <a:schemeClr val="accent1"/>
-          </a:fillRef>
-          <a:effectRef idx="1">
-            <a:schemeClr val="accent1"/>
-          </a:effectRef>
-          <a:fontRef idx="minor">
-            <a:schemeClr val="dk1"/>
-          </a:fontRef>
-        </p:style>
-        <p:txBody>
-          <a:bodyPr rtlCol="0" anchor="ctr"/>
-          <a:lstStyle/>
-          <a:p>
-            <a:pPr algn="ctr"/>
-            <a:endParaRPr lang="en-IN" dirty="0"/>
-          </a:p>
-        </p:txBody>
-      </p:sp>
-      <p:sp>
-        <p:nvSpPr>
-          <p:cNvPr id="5" name="Rectangle 4"/>
-          <p:cNvSpPr/>
-          <p:nvPr/>
-        </p:nvSpPr>
-        <p:spPr>
-          <a:xfrm>
-            <a:off x="4189088" y="1089590"/>
-            <a:ext cx="2952206" cy="313730"/>
-          </a:xfrm>
-          <a:prstGeom prst="rect">
-            <a:avLst/>
-          </a:prstGeom>
-        </p:spPr>
-        <p:style>
-          <a:lnRef idx="2">
-            <a:schemeClr val="accent6"/>
-          </a:lnRef>
-          <a:fillRef idx="1">
-            <a:schemeClr val="lt1"/>
-          </a:fillRef>
-          <a:effectRef idx="0">
-            <a:schemeClr val="accent6"/>
-          </a:effectRef>
-          <a:fontRef idx="minor">
-            <a:schemeClr val="dk1"/>
-          </a:fontRef>
-        </p:style>
-        <p:txBody>
-          <a:bodyPr rtlCol="0" anchor="ctr"/>
-          <a:lstStyle/>
-          <a:p>
-            <a:pPr algn="ctr"/>
-            <a:endParaRPr lang="en-IN"/>
-          </a:p>
-        </p:txBody>
-      </p:sp>
-      <p:sp>
-        <p:nvSpPr>
-          <p:cNvPr id="7" name="TextBox 6"/>
-          <p:cNvSpPr txBox="1"/>
-          <p:nvPr/>
-        </p:nvSpPr>
-        <p:spPr>
-          <a:xfrm>
-            <a:off x="4753508" y="722491"/>
-            <a:ext cx="1933303" cy="369332"/>
+            <a:off x="4489896" y="2588512"/>
+            <a:ext cx="3865354" cy="923330"/>
           </a:xfrm>
           <a:prstGeom prst="rect">
             <a:avLst/>
@@ -7291,346 +7195,40 @@
           <a:noFill/>
         </p:spPr>
         <p:txBody>
-          <a:bodyPr wrap="square" rtlCol="0">
+          <a:bodyPr wrap="none" lIns="91440" tIns="45720" rIns="91440" bIns="45720">
             <a:spAutoFit/>
           </a:bodyPr>
           <a:lstStyle/>
           <a:p>
             <a:pPr algn="ctr"/>
             <a:r>
-              <a:rPr lang="en-IN" dirty="0" smtClean="0">
+              <a:rPr lang="en-US" sz="5400" b="0" cap="none" spc="0" dirty="0" smtClean="0">
+                <a:ln w="0"/>
                 <a:solidFill>
-                  <a:schemeClr val="bg1"/>
+                  <a:schemeClr val="accent1"/>
                 </a:solidFill>
+                <a:effectLst>
+                  <a:outerShdw blurRad="38100" dist="25400" dir="5400000" algn="ctr" rotWithShape="0">
+                    <a:srgbClr val="6E747A">
+                      <a:alpha val="43000"/>
+                    </a:srgbClr>
+                  </a:outerShdw>
+                </a:effectLst>
               </a:rPr>
-              <a:t>Pin </a:t>
-            </a:r>
-            <a:r>
-              <a:rPr lang="en-IN" dirty="0" smtClean="0">
-                <a:solidFill>
-                  <a:schemeClr val="bg1"/>
-                </a:solidFill>
-              </a:rPr>
-              <a:t>Code </a:t>
-            </a:r>
-            <a:r>
-              <a:rPr lang="en-IN" dirty="0" smtClean="0"/>
-              <a:t>*</a:t>
-            </a:r>
-            <a:endParaRPr lang="en-IN" dirty="0"/>
-          </a:p>
-        </p:txBody>
-      </p:sp>
-      <p:sp>
-        <p:nvSpPr>
-          <p:cNvPr id="8" name="Rounded Rectangle 7"/>
-          <p:cNvSpPr/>
-          <p:nvPr/>
-        </p:nvSpPr>
-        <p:spPr>
-          <a:xfrm>
-            <a:off x="4434017" y="3124203"/>
-            <a:ext cx="2462348" cy="457200"/>
-          </a:xfrm>
-          <a:prstGeom prst="roundRect">
-            <a:avLst/>
-          </a:prstGeom>
-        </p:spPr>
-        <p:style>
-          <a:lnRef idx="2">
-            <a:schemeClr val="accent5">
-              <a:shade val="50000"/>
-            </a:schemeClr>
-          </a:lnRef>
-          <a:fillRef idx="1">
-            <a:schemeClr val="accent5"/>
-          </a:fillRef>
-          <a:effectRef idx="0">
-            <a:schemeClr val="accent5"/>
-          </a:effectRef>
-          <a:fontRef idx="minor">
-            <a:schemeClr val="lt1"/>
-          </a:fontRef>
-        </p:style>
-        <p:txBody>
-          <a:bodyPr rtlCol="0" anchor="ctr"/>
-          <a:lstStyle/>
-          <a:p>
-            <a:pPr algn="ctr"/>
-            <a:r>
-              <a:rPr lang="en-IN" dirty="0" smtClean="0"/>
-              <a:t>REGISTER</a:t>
-            </a:r>
-            <a:endParaRPr lang="en-IN" dirty="0"/>
-          </a:p>
-        </p:txBody>
-      </p:sp>
-      <p:sp>
-        <p:nvSpPr>
-          <p:cNvPr id="11" name="Rectangle 10"/>
-          <p:cNvSpPr/>
-          <p:nvPr/>
-        </p:nvSpPr>
-        <p:spPr>
-          <a:xfrm>
-            <a:off x="4189088" y="2322642"/>
-            <a:ext cx="2952206" cy="313730"/>
-          </a:xfrm>
-          <a:prstGeom prst="rect">
-            <a:avLst/>
-          </a:prstGeom>
-        </p:spPr>
-        <p:style>
-          <a:lnRef idx="2">
-            <a:schemeClr val="accent6"/>
-          </a:lnRef>
-          <a:fillRef idx="1">
-            <a:schemeClr val="lt1"/>
-          </a:fillRef>
-          <a:effectRef idx="0">
-            <a:schemeClr val="accent6"/>
-          </a:effectRef>
-          <a:fontRef idx="minor">
-            <a:schemeClr val="dk1"/>
-          </a:fontRef>
-        </p:style>
-        <p:txBody>
-          <a:bodyPr rtlCol="0" anchor="ctr"/>
-          <a:lstStyle/>
-          <a:p>
-            <a:pPr algn="ctr"/>
-            <a:endParaRPr lang="en-IN"/>
-          </a:p>
-        </p:txBody>
-      </p:sp>
-      <p:sp>
-        <p:nvSpPr>
-          <p:cNvPr id="12" name="Rectangle 11"/>
-          <p:cNvSpPr/>
-          <p:nvPr/>
-        </p:nvSpPr>
-        <p:spPr>
-          <a:xfrm>
-            <a:off x="4189088" y="1727555"/>
-            <a:ext cx="2952206" cy="313730"/>
-          </a:xfrm>
-          <a:prstGeom prst="rect">
-            <a:avLst/>
-          </a:prstGeom>
-        </p:spPr>
-        <p:style>
-          <a:lnRef idx="2">
-            <a:schemeClr val="accent6"/>
-          </a:lnRef>
-          <a:fillRef idx="1">
-            <a:schemeClr val="lt1"/>
-          </a:fillRef>
-          <a:effectRef idx="0">
-            <a:schemeClr val="accent6"/>
-          </a:effectRef>
-          <a:fontRef idx="minor">
-            <a:schemeClr val="dk1"/>
-          </a:fontRef>
-        </p:style>
-        <p:txBody>
-          <a:bodyPr rtlCol="0" anchor="ctr"/>
-          <a:lstStyle/>
-          <a:p>
-            <a:pPr algn="ctr"/>
-            <a:endParaRPr lang="en-IN"/>
-          </a:p>
-        </p:txBody>
-      </p:sp>
-      <p:sp>
-        <p:nvSpPr>
-          <p:cNvPr id="14" name="TextBox 13"/>
-          <p:cNvSpPr txBox="1"/>
-          <p:nvPr/>
-        </p:nvSpPr>
-        <p:spPr>
-          <a:xfrm>
-            <a:off x="4753508" y="1339459"/>
-            <a:ext cx="1933303" cy="369332"/>
-          </a:xfrm>
-          <a:prstGeom prst="rect">
-            <a:avLst/>
-          </a:prstGeom>
-          <a:noFill/>
-        </p:spPr>
-        <p:txBody>
-          <a:bodyPr wrap="square" rtlCol="0">
-            <a:spAutoFit/>
-          </a:bodyPr>
-          <a:lstStyle/>
-          <a:p>
-            <a:pPr algn="ctr"/>
-            <a:r>
-              <a:rPr lang="en-IN" dirty="0" smtClean="0">
-                <a:solidFill>
-                  <a:schemeClr val="bg1"/>
-                </a:solidFill>
-              </a:rPr>
-              <a:t>Password </a:t>
-            </a:r>
-            <a:r>
-              <a:rPr lang="en-IN" dirty="0" smtClean="0"/>
-              <a:t>*</a:t>
-            </a:r>
-            <a:endParaRPr lang="en-IN" dirty="0"/>
-          </a:p>
-        </p:txBody>
-      </p:sp>
-      <p:sp>
-        <p:nvSpPr>
-          <p:cNvPr id="15" name="TextBox 14"/>
-          <p:cNvSpPr txBox="1"/>
-          <p:nvPr/>
-        </p:nvSpPr>
-        <p:spPr>
-          <a:xfrm>
-            <a:off x="4673759" y="2010191"/>
-            <a:ext cx="2142857" cy="369332"/>
-          </a:xfrm>
-          <a:prstGeom prst="rect">
-            <a:avLst/>
-          </a:prstGeom>
-          <a:noFill/>
-        </p:spPr>
-        <p:txBody>
-          <a:bodyPr wrap="square" rtlCol="0">
-            <a:spAutoFit/>
-          </a:bodyPr>
-          <a:lstStyle/>
-          <a:p>
-            <a:pPr algn="ctr"/>
-            <a:r>
-              <a:rPr lang="en-IN" dirty="0" smtClean="0">
-                <a:solidFill>
-                  <a:schemeClr val="bg1"/>
-                </a:solidFill>
-              </a:rPr>
-              <a:t>Confirm </a:t>
-            </a:r>
-            <a:r>
-              <a:rPr lang="en-IN" dirty="0" smtClean="0">
-                <a:solidFill>
-                  <a:schemeClr val="bg1"/>
-                </a:solidFill>
-              </a:rPr>
-              <a:t>Password </a:t>
-            </a:r>
-            <a:r>
-              <a:rPr lang="en-IN" dirty="0" smtClean="0"/>
-              <a:t>*</a:t>
-            </a:r>
-            <a:endParaRPr lang="en-IN" dirty="0">
+              <a:t>Sign-Up Page</a:t>
+            </a:r>
+            <a:endParaRPr lang="en-US" sz="5400" b="0" cap="none" spc="0" dirty="0">
+              <a:ln w="0"/>
               <a:solidFill>
-                <a:schemeClr val="bg1"/>
+                <a:schemeClr val="accent1"/>
               </a:solidFill>
-            </a:endParaRPr>
-          </a:p>
-        </p:txBody>
-      </p:sp>
-      <p:sp>
-        <p:nvSpPr>
-          <p:cNvPr id="2" name="TextBox 1"/>
-          <p:cNvSpPr txBox="1"/>
-          <p:nvPr/>
-        </p:nvSpPr>
-        <p:spPr>
-          <a:xfrm>
-            <a:off x="4434017" y="98666"/>
-            <a:ext cx="2756811" cy="369332"/>
-          </a:xfrm>
-          <a:prstGeom prst="rect">
-            <a:avLst/>
-          </a:prstGeom>
-          <a:noFill/>
-        </p:spPr>
-        <p:txBody>
-          <a:bodyPr wrap="square" rtlCol="0">
-            <a:spAutoFit/>
-          </a:bodyPr>
-          <a:lstStyle/>
-          <a:p>
-            <a:r>
-              <a:rPr lang="en-IN" dirty="0" smtClean="0">
-                <a:solidFill>
-                  <a:srgbClr val="FF0000"/>
-                </a:solidFill>
-              </a:rPr>
-              <a:t>SIGN-UP Page Contd…</a:t>
-            </a:r>
-            <a:endParaRPr lang="en-IN" dirty="0">
-              <a:solidFill>
-                <a:srgbClr val="FF0000"/>
-              </a:solidFill>
-            </a:endParaRPr>
-          </a:p>
-        </p:txBody>
-      </p:sp>
-      <p:sp>
-        <p:nvSpPr>
-          <p:cNvPr id="3" name="TextBox 2"/>
-          <p:cNvSpPr txBox="1"/>
-          <p:nvPr/>
-        </p:nvSpPr>
-        <p:spPr>
-          <a:xfrm>
-            <a:off x="3238765" y="2726399"/>
-            <a:ext cx="3657600" cy="307777"/>
-          </a:xfrm>
-          <a:prstGeom prst="rect">
-            <a:avLst/>
-          </a:prstGeom>
-          <a:noFill/>
-        </p:spPr>
-        <p:txBody>
-          <a:bodyPr wrap="square" rtlCol="0">
-            <a:spAutoFit/>
-          </a:bodyPr>
-          <a:lstStyle/>
-          <a:p>
-            <a:r>
-              <a:rPr lang="en-IN" sz="1400" dirty="0" smtClean="0">
-                <a:solidFill>
-                  <a:srgbClr val="FFFF00"/>
-                </a:solidFill>
-              </a:rPr>
-              <a:t>Fields Marked with</a:t>
-            </a:r>
-            <a:r>
-              <a:rPr lang="en-IN" sz="1400" dirty="0" smtClean="0">
-                <a:solidFill>
-                  <a:schemeClr val="bg1"/>
-                </a:solidFill>
-              </a:rPr>
-              <a:t> </a:t>
-            </a:r>
-            <a:r>
-              <a:rPr lang="en-IN" sz="1400" dirty="0" smtClean="0"/>
-              <a:t>*</a:t>
-            </a:r>
-            <a:r>
-              <a:rPr lang="en-IN" sz="1400" dirty="0" smtClean="0">
-                <a:solidFill>
-                  <a:schemeClr val="bg1"/>
-                </a:solidFill>
-              </a:rPr>
-              <a:t> </a:t>
-            </a:r>
-            <a:r>
-              <a:rPr lang="en-IN" sz="1400" dirty="0" smtClean="0">
-                <a:solidFill>
-                  <a:srgbClr val="FFFF00"/>
-                </a:solidFill>
-              </a:rPr>
-              <a:t>are mandatory!</a:t>
-            </a:r>
-            <a:endParaRPr lang="en-IN" sz="1400" dirty="0">
-              <a:solidFill>
-                <a:srgbClr val="FFFF00"/>
-              </a:solidFill>
+              <a:effectLst>
+                <a:outerShdw blurRad="38100" dist="25400" dir="5400000" algn="ctr" rotWithShape="0">
+                  <a:srgbClr val="6E747A">
+                    <a:alpha val="43000"/>
+                  </a:srgbClr>
+                </a:outerShdw>
+              </a:effectLst>
             </a:endParaRPr>
           </a:p>
         </p:txBody>
@@ -7638,7 +7236,7 @@
     </p:spTree>
     <p:extLst>
       <p:ext uri="{BB962C8B-B14F-4D97-AF65-F5344CB8AC3E}">
-        <p14:creationId xmlns:p14="http://schemas.microsoft.com/office/powerpoint/2010/main" val="1037638092"/>
+        <p14:creationId xmlns:p14="http://schemas.microsoft.com/office/powerpoint/2010/main" val="1247881872"/>
       </p:ext>
     </p:extLst>
   </p:cSld>
@@ -7674,14 +7272,52 @@
       </p:grpSpPr>
       <p:sp>
         <p:nvSpPr>
-          <p:cNvPr id="2" name="Rectangle 1"/>
+          <p:cNvPr id="4" name="Rectangle 3"/>
           <p:cNvSpPr/>
           <p:nvPr/>
         </p:nvSpPr>
         <p:spPr>
           <a:xfrm>
-            <a:off x="2768694" y="1830867"/>
-            <a:ext cx="7255512" cy="1754326"/>
+            <a:off x="3272244" y="0"/>
+            <a:ext cx="4558937" cy="6766559"/>
+          </a:xfrm>
+          <a:prstGeom prst="rect">
+            <a:avLst/>
+          </a:prstGeom>
+        </p:spPr>
+        <p:style>
+          <a:lnRef idx="1">
+            <a:schemeClr val="accent1"/>
+          </a:lnRef>
+          <a:fillRef idx="2">
+            <a:schemeClr val="accent1"/>
+          </a:fillRef>
+          <a:effectRef idx="1">
+            <a:schemeClr val="accent1"/>
+          </a:effectRef>
+          <a:fontRef idx="minor">
+            <a:schemeClr val="dk1"/>
+          </a:fontRef>
+        </p:style>
+        <p:txBody>
+          <a:bodyPr rtlCol="0" anchor="ctr"/>
+          <a:lstStyle/>
+          <a:p>
+            <a:pPr algn="ctr"/>
+            <a:endParaRPr lang="en-IN"/>
+          </a:p>
+        </p:txBody>
+      </p:sp>
+      <p:sp>
+        <p:nvSpPr>
+          <p:cNvPr id="7" name="TextBox 6"/>
+          <p:cNvSpPr txBox="1"/>
+          <p:nvPr/>
+        </p:nvSpPr>
+        <p:spPr>
+          <a:xfrm>
+            <a:off x="3353887" y="188525"/>
+            <a:ext cx="4558937" cy="369332"/>
           </a:xfrm>
           <a:prstGeom prst="rect">
             <a:avLst/>
@@ -7689,73 +7325,886 @@
           <a:noFill/>
         </p:spPr>
         <p:txBody>
-          <a:bodyPr wrap="none" lIns="91440" tIns="45720" rIns="91440" bIns="45720">
+          <a:bodyPr wrap="square" rtlCol="0">
             <a:spAutoFit/>
           </a:bodyPr>
           <a:lstStyle/>
           <a:p>
             <a:pPr algn="ctr"/>
             <a:r>
-              <a:rPr lang="en-US" sz="5400" b="0" cap="none" spc="0" dirty="0" smtClean="0">
-                <a:ln w="0"/>
+              <a:rPr lang="en-IN" u="sng" dirty="0" smtClean="0">
                 <a:solidFill>
-                  <a:schemeClr val="accent1"/>
+                  <a:srgbClr val="002060"/>
                 </a:solidFill>
-                <a:effectLst>
-                  <a:outerShdw blurRad="38100" dist="25400" dir="5400000" algn="ctr" rotWithShape="0">
-                    <a:srgbClr val="6E747A">
-                      <a:alpha val="43000"/>
-                    </a:srgbClr>
-                  </a:outerShdw>
-                </a:effectLst>
               </a:rPr>
-              <a:t>Sign-Up Success Scenario</a:t>
-            </a:r>
-          </a:p>
+              <a:t>LOGIN / SIGN UP</a:t>
+            </a:r>
+            <a:endParaRPr lang="en-IN" u="sng" dirty="0">
+              <a:solidFill>
+                <a:srgbClr val="002060"/>
+              </a:solidFill>
+            </a:endParaRPr>
+          </a:p>
+        </p:txBody>
+      </p:sp>
+      <p:sp>
+        <p:nvSpPr>
+          <p:cNvPr id="8" name="Rectangle 7"/>
+          <p:cNvSpPr/>
+          <p:nvPr/>
+        </p:nvSpPr>
+        <p:spPr>
+          <a:xfrm>
+            <a:off x="3905792" y="1824503"/>
+            <a:ext cx="3409406" cy="470262"/>
+          </a:xfrm>
+          <a:prstGeom prst="rect">
+            <a:avLst/>
+          </a:prstGeom>
+        </p:spPr>
+        <p:style>
+          <a:lnRef idx="2">
+            <a:schemeClr val="accent6"/>
+          </a:lnRef>
+          <a:fillRef idx="1">
+            <a:schemeClr val="lt1"/>
+          </a:fillRef>
+          <a:effectRef idx="0">
+            <a:schemeClr val="accent6"/>
+          </a:effectRef>
+          <a:fontRef idx="minor">
+            <a:schemeClr val="dk1"/>
+          </a:fontRef>
+        </p:style>
+        <p:txBody>
+          <a:bodyPr rtlCol="0" anchor="ctr"/>
+          <a:lstStyle/>
           <a:p>
             <a:pPr algn="ctr"/>
-            <a:r>
-              <a:rPr lang="en-US" sz="5400" dirty="0" smtClean="0">
-                <a:ln w="0"/>
+            <a:endParaRPr lang="en-IN"/>
+          </a:p>
+        </p:txBody>
+      </p:sp>
+      <p:sp>
+        <p:nvSpPr>
+          <p:cNvPr id="9" name="Rectangle 8"/>
+          <p:cNvSpPr/>
+          <p:nvPr/>
+        </p:nvSpPr>
+        <p:spPr>
+          <a:xfrm>
+            <a:off x="3905792" y="2769388"/>
+            <a:ext cx="3409406" cy="470262"/>
+          </a:xfrm>
+          <a:prstGeom prst="rect">
+            <a:avLst/>
+          </a:prstGeom>
+        </p:spPr>
+        <p:style>
+          <a:lnRef idx="2">
+            <a:schemeClr val="accent6"/>
+          </a:lnRef>
+          <a:fillRef idx="1">
+            <a:schemeClr val="lt1"/>
+          </a:fillRef>
+          <a:effectRef idx="0">
+            <a:schemeClr val="accent6"/>
+          </a:effectRef>
+          <a:fontRef idx="minor">
+            <a:schemeClr val="dk1"/>
+          </a:fontRef>
+        </p:style>
+        <p:txBody>
+          <a:bodyPr rtlCol="0" anchor="ctr"/>
+          <a:lstStyle/>
+          <a:p>
+            <a:pPr algn="ctr"/>
+            <a:endParaRPr lang="en-IN"/>
+          </a:p>
+        </p:txBody>
+      </p:sp>
+      <p:sp>
+        <p:nvSpPr>
+          <p:cNvPr id="10" name="Rectangle 9"/>
+          <p:cNvSpPr/>
+          <p:nvPr/>
+        </p:nvSpPr>
+        <p:spPr>
+          <a:xfrm>
+            <a:off x="3931369" y="1041694"/>
+            <a:ext cx="3409406" cy="384494"/>
+          </a:xfrm>
+          <a:prstGeom prst="rect">
+            <a:avLst/>
+          </a:prstGeom>
+        </p:spPr>
+        <p:style>
+          <a:lnRef idx="2">
+            <a:schemeClr val="accent6"/>
+          </a:lnRef>
+          <a:fillRef idx="1">
+            <a:schemeClr val="lt1"/>
+          </a:fillRef>
+          <a:effectRef idx="0">
+            <a:schemeClr val="accent6"/>
+          </a:effectRef>
+          <a:fontRef idx="minor">
+            <a:schemeClr val="dk1"/>
+          </a:fontRef>
+        </p:style>
+        <p:txBody>
+          <a:bodyPr rtlCol="0" anchor="ctr"/>
+          <a:lstStyle/>
+          <a:p>
+            <a:pPr algn="ctr"/>
+            <a:endParaRPr lang="en-IN"/>
+          </a:p>
+        </p:txBody>
+      </p:sp>
+      <p:sp>
+        <p:nvSpPr>
+          <p:cNvPr id="11" name="Rectangle 10"/>
+          <p:cNvSpPr/>
+          <p:nvPr/>
+        </p:nvSpPr>
+        <p:spPr>
+          <a:xfrm>
+            <a:off x="3892730" y="3746992"/>
+            <a:ext cx="3409406" cy="470262"/>
+          </a:xfrm>
+          <a:prstGeom prst="rect">
+            <a:avLst/>
+          </a:prstGeom>
+        </p:spPr>
+        <p:style>
+          <a:lnRef idx="2">
+            <a:schemeClr val="accent6"/>
+          </a:lnRef>
+          <a:fillRef idx="1">
+            <a:schemeClr val="lt1"/>
+          </a:fillRef>
+          <a:effectRef idx="0">
+            <a:schemeClr val="accent6"/>
+          </a:effectRef>
+          <a:fontRef idx="minor">
+            <a:schemeClr val="dk1"/>
+          </a:fontRef>
+        </p:style>
+        <p:txBody>
+          <a:bodyPr rtlCol="0" anchor="ctr"/>
+          <a:lstStyle/>
+          <a:p>
+            <a:pPr algn="ctr"/>
+            <a:endParaRPr lang="en-IN"/>
+          </a:p>
+        </p:txBody>
+      </p:sp>
+      <p:sp>
+        <p:nvSpPr>
+          <p:cNvPr id="13" name="TextBox 12"/>
+          <p:cNvSpPr txBox="1"/>
+          <p:nvPr/>
+        </p:nvSpPr>
+        <p:spPr>
+          <a:xfrm>
+            <a:off x="4059556" y="1422503"/>
+            <a:ext cx="3317966" cy="400110"/>
+          </a:xfrm>
+          <a:prstGeom prst="rect">
+            <a:avLst/>
+          </a:prstGeom>
+          <a:noFill/>
+        </p:spPr>
+        <p:txBody>
+          <a:bodyPr wrap="square" rtlCol="0">
+            <a:spAutoFit/>
+          </a:bodyPr>
+          <a:lstStyle/>
+          <a:p>
+            <a:pPr algn="ctr"/>
+            <a:r>
+              <a:rPr lang="en-IN" sz="2000" dirty="0" smtClean="0">
                 <a:solidFill>
-                  <a:schemeClr val="accent1"/>
+                  <a:schemeClr val="bg1"/>
                 </a:solidFill>
-                <a:effectLst>
-                  <a:outerShdw blurRad="38100" dist="25400" dir="5400000" algn="ctr" rotWithShape="0">
-                    <a:srgbClr val="6E747A">
-                      <a:alpha val="43000"/>
-                    </a:srgbClr>
-                  </a:outerShdw>
-                </a:effectLst>
               </a:rPr>
-              <a:t>(User Dashboard)</a:t>
-            </a:r>
-            <a:endParaRPr lang="en-US" sz="5400" b="0" cap="none" spc="0" dirty="0">
-              <a:ln w="0"/>
+              <a:t>First Name </a:t>
+            </a:r>
+            <a:r>
+              <a:rPr lang="en-IN" sz="2000" dirty="0" smtClean="0">
+                <a:solidFill>
+                  <a:schemeClr val="tx2"/>
+                </a:solidFill>
+              </a:rPr>
+              <a:t>*</a:t>
+            </a:r>
+            <a:endParaRPr lang="en-IN" dirty="0">
               <a:solidFill>
-                <a:schemeClr val="accent1"/>
+                <a:schemeClr val="tx2"/>
               </a:solidFill>
-              <a:effectLst>
-                <a:outerShdw blurRad="38100" dist="25400" dir="5400000" algn="ctr" rotWithShape="0">
-                  <a:srgbClr val="6E747A">
-                    <a:alpha val="43000"/>
-                  </a:srgbClr>
-                </a:outerShdw>
-              </a:effectLst>
             </a:endParaRPr>
+          </a:p>
+        </p:txBody>
+      </p:sp>
+      <p:sp>
+        <p:nvSpPr>
+          <p:cNvPr id="15" name="TextBox 14"/>
+          <p:cNvSpPr txBox="1"/>
+          <p:nvPr/>
+        </p:nvSpPr>
+        <p:spPr>
+          <a:xfrm>
+            <a:off x="3959951" y="2344265"/>
+            <a:ext cx="3317966" cy="400110"/>
+          </a:xfrm>
+          <a:prstGeom prst="rect">
+            <a:avLst/>
+          </a:prstGeom>
+          <a:noFill/>
+        </p:spPr>
+        <p:txBody>
+          <a:bodyPr wrap="square" rtlCol="0">
+            <a:spAutoFit/>
+          </a:bodyPr>
+          <a:lstStyle/>
+          <a:p>
+            <a:pPr algn="ctr"/>
+            <a:r>
+              <a:rPr lang="en-IN" sz="2000" dirty="0" smtClean="0">
+                <a:solidFill>
+                  <a:schemeClr val="bg1"/>
+                </a:solidFill>
+              </a:rPr>
+              <a:t>Last Name</a:t>
+            </a:r>
+            <a:r>
+              <a:rPr lang="en-IN" dirty="0">
+                <a:solidFill>
+                  <a:srgbClr val="FF0000"/>
+                </a:solidFill>
+              </a:rPr>
+              <a:t> </a:t>
+            </a:r>
+            <a:r>
+              <a:rPr lang="en-IN" dirty="0">
+                <a:solidFill>
+                  <a:schemeClr val="tx2"/>
+                </a:solidFill>
+              </a:rPr>
+              <a:t>*</a:t>
+            </a:r>
+          </a:p>
+        </p:txBody>
+      </p:sp>
+      <p:sp>
+        <p:nvSpPr>
+          <p:cNvPr id="16" name="TextBox 15"/>
+          <p:cNvSpPr txBox="1"/>
+          <p:nvPr/>
+        </p:nvSpPr>
+        <p:spPr>
+          <a:xfrm>
+            <a:off x="3931369" y="3272479"/>
+            <a:ext cx="3317966" cy="400110"/>
+          </a:xfrm>
+          <a:prstGeom prst="rect">
+            <a:avLst/>
+          </a:prstGeom>
+          <a:noFill/>
+        </p:spPr>
+        <p:txBody>
+          <a:bodyPr wrap="square" rtlCol="0">
+            <a:spAutoFit/>
+          </a:bodyPr>
+          <a:lstStyle/>
+          <a:p>
+            <a:pPr algn="ctr"/>
+            <a:r>
+              <a:rPr lang="en-IN" sz="2000" dirty="0" smtClean="0">
+                <a:solidFill>
+                  <a:schemeClr val="bg1"/>
+                </a:solidFill>
+              </a:rPr>
+              <a:t>D.O.B</a:t>
+            </a:r>
+            <a:r>
+              <a:rPr lang="en-IN" dirty="0">
+                <a:solidFill>
+                  <a:schemeClr val="tx2"/>
+                </a:solidFill>
+              </a:rPr>
+              <a:t> *</a:t>
+            </a:r>
+          </a:p>
+        </p:txBody>
+      </p:sp>
+      <p:sp>
+        <p:nvSpPr>
+          <p:cNvPr id="17" name="TextBox 16"/>
+          <p:cNvSpPr txBox="1"/>
+          <p:nvPr/>
+        </p:nvSpPr>
+        <p:spPr>
+          <a:xfrm>
+            <a:off x="3959951" y="677785"/>
+            <a:ext cx="3317966" cy="400110"/>
+          </a:xfrm>
+          <a:prstGeom prst="rect">
+            <a:avLst/>
+          </a:prstGeom>
+          <a:noFill/>
+        </p:spPr>
+        <p:txBody>
+          <a:bodyPr wrap="square" rtlCol="0">
+            <a:spAutoFit/>
+          </a:bodyPr>
+          <a:lstStyle/>
+          <a:p>
+            <a:pPr algn="ctr"/>
+            <a:r>
+              <a:rPr lang="en-IN" sz="2000" dirty="0" smtClean="0">
+                <a:solidFill>
+                  <a:schemeClr val="bg1"/>
+                </a:solidFill>
+              </a:rPr>
+              <a:t>Email-Id</a:t>
+            </a:r>
+            <a:r>
+              <a:rPr lang="en-IN" dirty="0" smtClean="0">
+                <a:solidFill>
+                  <a:srgbClr val="FF0000"/>
+                </a:solidFill>
+              </a:rPr>
+              <a:t> </a:t>
+            </a:r>
+            <a:r>
+              <a:rPr lang="en-IN" dirty="0">
+                <a:solidFill>
+                  <a:schemeClr val="tx2"/>
+                </a:solidFill>
+              </a:rPr>
+              <a:t>*</a:t>
+            </a:r>
+          </a:p>
+        </p:txBody>
+      </p:sp>
+      <p:sp>
+        <p:nvSpPr>
+          <p:cNvPr id="19" name="Rectangle 18"/>
+          <p:cNvSpPr/>
+          <p:nvPr/>
+        </p:nvSpPr>
+        <p:spPr>
+          <a:xfrm>
+            <a:off x="6867795" y="3735121"/>
+            <a:ext cx="457199" cy="487289"/>
+          </a:xfrm>
+          <a:prstGeom prst="rect">
+            <a:avLst/>
+          </a:prstGeom>
+        </p:spPr>
+        <p:style>
+          <a:lnRef idx="2">
+            <a:schemeClr val="accent1">
+              <a:shade val="50000"/>
+            </a:schemeClr>
+          </a:lnRef>
+          <a:fillRef idx="1">
+            <a:schemeClr val="accent1"/>
+          </a:fillRef>
+          <a:effectRef idx="0">
+            <a:schemeClr val="accent1"/>
+          </a:effectRef>
+          <a:fontRef idx="minor">
+            <a:schemeClr val="lt1"/>
+          </a:fontRef>
+        </p:style>
+        <p:txBody>
+          <a:bodyPr rtlCol="0" anchor="ctr"/>
+          <a:lstStyle/>
+          <a:p>
+            <a:pPr algn="ctr"/>
+            <a:endParaRPr lang="en-IN"/>
+          </a:p>
+        </p:txBody>
+      </p:sp>
+      <p:sp>
+        <p:nvSpPr>
+          <p:cNvPr id="24" name="Rectangle 23"/>
+          <p:cNvSpPr/>
+          <p:nvPr/>
+        </p:nvSpPr>
+        <p:spPr>
+          <a:xfrm>
+            <a:off x="3301636" y="4291658"/>
+            <a:ext cx="4500154" cy="2434458"/>
+          </a:xfrm>
+          <a:prstGeom prst="rect">
+            <a:avLst/>
+          </a:prstGeom>
+        </p:spPr>
+        <p:style>
+          <a:lnRef idx="1">
+            <a:schemeClr val="accent1"/>
+          </a:lnRef>
+          <a:fillRef idx="2">
+            <a:schemeClr val="accent1"/>
+          </a:fillRef>
+          <a:effectRef idx="1">
+            <a:schemeClr val="accent1"/>
+          </a:effectRef>
+          <a:fontRef idx="minor">
+            <a:schemeClr val="dk1"/>
+          </a:fontRef>
+        </p:style>
+        <p:txBody>
+          <a:bodyPr rtlCol="0" anchor="ctr"/>
+          <a:lstStyle/>
+          <a:p>
+            <a:pPr algn="ctr"/>
+            <a:endParaRPr lang="en-IN"/>
+          </a:p>
+        </p:txBody>
+      </p:sp>
+      <p:sp>
+        <p:nvSpPr>
+          <p:cNvPr id="25" name="Rectangle 24"/>
+          <p:cNvSpPr/>
+          <p:nvPr/>
+        </p:nvSpPr>
+        <p:spPr>
+          <a:xfrm>
+            <a:off x="3374568" y="6268473"/>
+            <a:ext cx="1996442" cy="353784"/>
+          </a:xfrm>
+          <a:prstGeom prst="rect">
+            <a:avLst/>
+          </a:prstGeom>
+        </p:spPr>
+        <p:style>
+          <a:lnRef idx="2">
+            <a:schemeClr val="accent6"/>
+          </a:lnRef>
+          <a:fillRef idx="1">
+            <a:schemeClr val="lt1"/>
+          </a:fillRef>
+          <a:effectRef idx="0">
+            <a:schemeClr val="accent6"/>
+          </a:effectRef>
+          <a:fontRef idx="minor">
+            <a:schemeClr val="dk1"/>
+          </a:fontRef>
+        </p:style>
+        <p:txBody>
+          <a:bodyPr rtlCol="0" anchor="ctr"/>
+          <a:lstStyle/>
+          <a:p>
+            <a:pPr algn="ctr"/>
+            <a:endParaRPr lang="en-IN"/>
+          </a:p>
+        </p:txBody>
+      </p:sp>
+      <p:sp>
+        <p:nvSpPr>
+          <p:cNvPr id="26" name="Rectangle 25"/>
+          <p:cNvSpPr/>
+          <p:nvPr/>
+        </p:nvSpPr>
+        <p:spPr>
+          <a:xfrm>
+            <a:off x="5863042" y="6285500"/>
+            <a:ext cx="1836421" cy="343971"/>
+          </a:xfrm>
+          <a:prstGeom prst="rect">
+            <a:avLst/>
+          </a:prstGeom>
+        </p:spPr>
+        <p:style>
+          <a:lnRef idx="2">
+            <a:schemeClr val="accent6"/>
+          </a:lnRef>
+          <a:fillRef idx="1">
+            <a:schemeClr val="lt1"/>
+          </a:fillRef>
+          <a:effectRef idx="0">
+            <a:schemeClr val="accent6"/>
+          </a:effectRef>
+          <a:fontRef idx="minor">
+            <a:schemeClr val="dk1"/>
+          </a:fontRef>
+        </p:style>
+        <p:txBody>
+          <a:bodyPr rtlCol="0" anchor="ctr"/>
+          <a:lstStyle/>
+          <a:p>
+            <a:pPr algn="ctr"/>
+            <a:endParaRPr lang="en-IN"/>
+          </a:p>
+        </p:txBody>
+      </p:sp>
+      <p:sp>
+        <p:nvSpPr>
+          <p:cNvPr id="28" name="Rectangle 27"/>
+          <p:cNvSpPr/>
+          <p:nvPr/>
+        </p:nvSpPr>
+        <p:spPr>
+          <a:xfrm>
+            <a:off x="3730531" y="4841492"/>
+            <a:ext cx="3759928" cy="343268"/>
+          </a:xfrm>
+          <a:prstGeom prst="rect">
+            <a:avLst/>
+          </a:prstGeom>
+        </p:spPr>
+        <p:style>
+          <a:lnRef idx="2">
+            <a:schemeClr val="accent6"/>
+          </a:lnRef>
+          <a:fillRef idx="1">
+            <a:schemeClr val="lt1"/>
+          </a:fillRef>
+          <a:effectRef idx="0">
+            <a:schemeClr val="accent6"/>
+          </a:effectRef>
+          <a:fontRef idx="minor">
+            <a:schemeClr val="dk1"/>
+          </a:fontRef>
+        </p:style>
+        <p:txBody>
+          <a:bodyPr rtlCol="0" anchor="ctr"/>
+          <a:lstStyle/>
+          <a:p>
+            <a:pPr algn="ctr"/>
+            <a:endParaRPr lang="en-IN"/>
+          </a:p>
+        </p:txBody>
+      </p:sp>
+      <p:sp>
+        <p:nvSpPr>
+          <p:cNvPr id="29" name="Rectangle 28"/>
+          <p:cNvSpPr/>
+          <p:nvPr/>
+        </p:nvSpPr>
+        <p:spPr>
+          <a:xfrm>
+            <a:off x="3746859" y="5519721"/>
+            <a:ext cx="3759928" cy="313730"/>
+          </a:xfrm>
+          <a:prstGeom prst="rect">
+            <a:avLst/>
+          </a:prstGeom>
+        </p:spPr>
+        <p:style>
+          <a:lnRef idx="2">
+            <a:schemeClr val="accent6"/>
+          </a:lnRef>
+          <a:fillRef idx="1">
+            <a:schemeClr val="lt1"/>
+          </a:fillRef>
+          <a:effectRef idx="0">
+            <a:schemeClr val="accent6"/>
+          </a:effectRef>
+          <a:fontRef idx="minor">
+            <a:schemeClr val="dk1"/>
+          </a:fontRef>
+        </p:style>
+        <p:txBody>
+          <a:bodyPr rtlCol="0" anchor="ctr"/>
+          <a:lstStyle/>
+          <a:p>
+            <a:pPr algn="ctr"/>
+            <a:endParaRPr lang="en-IN"/>
+          </a:p>
+        </p:txBody>
+      </p:sp>
+      <p:sp>
+        <p:nvSpPr>
+          <p:cNvPr id="31" name="TextBox 30"/>
+          <p:cNvSpPr txBox="1"/>
+          <p:nvPr/>
+        </p:nvSpPr>
+        <p:spPr>
+          <a:xfrm>
+            <a:off x="3701140" y="4559416"/>
+            <a:ext cx="1066803" cy="369332"/>
+          </a:xfrm>
+          <a:prstGeom prst="rect">
+            <a:avLst/>
+          </a:prstGeom>
+          <a:noFill/>
+        </p:spPr>
+        <p:txBody>
+          <a:bodyPr wrap="square" rtlCol="0">
+            <a:spAutoFit/>
+          </a:bodyPr>
+          <a:lstStyle/>
+          <a:p>
+            <a:r>
+              <a:rPr lang="en-IN" dirty="0" smtClean="0">
+                <a:solidFill>
+                  <a:schemeClr val="bg1"/>
+                </a:solidFill>
+              </a:rPr>
+              <a:t>Line 1</a:t>
+            </a:r>
+            <a:r>
+              <a:rPr lang="en-IN" dirty="0" smtClean="0">
+                <a:solidFill>
+                  <a:schemeClr val="tx2"/>
+                </a:solidFill>
+              </a:rPr>
+              <a:t>  *</a:t>
+            </a:r>
+            <a:endParaRPr lang="en-IN" dirty="0">
+              <a:solidFill>
+                <a:schemeClr val="bg1"/>
+              </a:solidFill>
+            </a:endParaRPr>
+          </a:p>
+        </p:txBody>
+      </p:sp>
+      <p:sp>
+        <p:nvSpPr>
+          <p:cNvPr id="32" name="TextBox 31"/>
+          <p:cNvSpPr txBox="1"/>
+          <p:nvPr/>
+        </p:nvSpPr>
+        <p:spPr>
+          <a:xfrm>
+            <a:off x="3671748" y="5168223"/>
+            <a:ext cx="1066803" cy="369332"/>
+          </a:xfrm>
+          <a:prstGeom prst="rect">
+            <a:avLst/>
+          </a:prstGeom>
+          <a:noFill/>
+        </p:spPr>
+        <p:txBody>
+          <a:bodyPr wrap="square" rtlCol="0">
+            <a:spAutoFit/>
+          </a:bodyPr>
+          <a:lstStyle/>
+          <a:p>
+            <a:r>
+              <a:rPr lang="en-IN" dirty="0" smtClean="0">
+                <a:solidFill>
+                  <a:schemeClr val="bg1"/>
+                </a:solidFill>
+              </a:rPr>
+              <a:t>Line 2</a:t>
+            </a:r>
+            <a:r>
+              <a:rPr lang="en-IN" dirty="0" smtClean="0">
+                <a:solidFill>
+                  <a:schemeClr val="tx2"/>
+                </a:solidFill>
+              </a:rPr>
+              <a:t>  </a:t>
+            </a:r>
+            <a:endParaRPr lang="en-IN" dirty="0">
+              <a:solidFill>
+                <a:schemeClr val="bg1"/>
+              </a:solidFill>
+            </a:endParaRPr>
+          </a:p>
+        </p:txBody>
+      </p:sp>
+      <p:sp>
+        <p:nvSpPr>
+          <p:cNvPr id="33" name="Rectangle 32"/>
+          <p:cNvSpPr/>
+          <p:nvPr/>
+        </p:nvSpPr>
+        <p:spPr>
+          <a:xfrm>
+            <a:off x="4910276" y="6268473"/>
+            <a:ext cx="457199" cy="356181"/>
+          </a:xfrm>
+          <a:prstGeom prst="rect">
+            <a:avLst/>
+          </a:prstGeom>
+        </p:spPr>
+        <p:style>
+          <a:lnRef idx="2">
+            <a:schemeClr val="accent1">
+              <a:shade val="50000"/>
+            </a:schemeClr>
+          </a:lnRef>
+          <a:fillRef idx="1">
+            <a:schemeClr val="accent1"/>
+          </a:fillRef>
+          <a:effectRef idx="0">
+            <a:schemeClr val="accent1"/>
+          </a:effectRef>
+          <a:fontRef idx="minor">
+            <a:schemeClr val="lt1"/>
+          </a:fontRef>
+        </p:style>
+        <p:txBody>
+          <a:bodyPr rtlCol="0" anchor="ctr"/>
+          <a:lstStyle/>
+          <a:p>
+            <a:pPr algn="ctr"/>
+            <a:endParaRPr lang="en-IN"/>
+          </a:p>
+        </p:txBody>
+      </p:sp>
+      <p:sp>
+        <p:nvSpPr>
+          <p:cNvPr id="34" name="Rectangle 33"/>
+          <p:cNvSpPr/>
+          <p:nvPr/>
+        </p:nvSpPr>
+        <p:spPr>
+          <a:xfrm>
+            <a:off x="7189743" y="6285500"/>
+            <a:ext cx="509720" cy="350057"/>
+          </a:xfrm>
+          <a:prstGeom prst="rect">
+            <a:avLst/>
+          </a:prstGeom>
+        </p:spPr>
+        <p:style>
+          <a:lnRef idx="2">
+            <a:schemeClr val="accent1">
+              <a:shade val="50000"/>
+            </a:schemeClr>
+          </a:lnRef>
+          <a:fillRef idx="1">
+            <a:schemeClr val="accent1"/>
+          </a:fillRef>
+          <a:effectRef idx="0">
+            <a:schemeClr val="accent1"/>
+          </a:effectRef>
+          <a:fontRef idx="minor">
+            <a:schemeClr val="lt1"/>
+          </a:fontRef>
+        </p:style>
+        <p:txBody>
+          <a:bodyPr rtlCol="0" anchor="ctr"/>
+          <a:lstStyle/>
+          <a:p>
+            <a:pPr algn="ctr"/>
+            <a:endParaRPr lang="en-IN"/>
+          </a:p>
+        </p:txBody>
+      </p:sp>
+      <p:sp>
+        <p:nvSpPr>
+          <p:cNvPr id="35" name="TextBox 34"/>
+          <p:cNvSpPr txBox="1"/>
+          <p:nvPr/>
+        </p:nvSpPr>
+        <p:spPr>
+          <a:xfrm>
+            <a:off x="3788225" y="6285500"/>
+            <a:ext cx="1066803" cy="369332"/>
+          </a:xfrm>
+          <a:prstGeom prst="rect">
+            <a:avLst/>
+          </a:prstGeom>
+          <a:noFill/>
+        </p:spPr>
+        <p:txBody>
+          <a:bodyPr wrap="square" rtlCol="0">
+            <a:spAutoFit/>
+          </a:bodyPr>
+          <a:lstStyle/>
+          <a:p>
+            <a:r>
+              <a:rPr lang="en-IN" dirty="0" smtClean="0"/>
+              <a:t>CITY *</a:t>
+            </a:r>
+            <a:endParaRPr lang="en-IN" dirty="0"/>
+          </a:p>
+        </p:txBody>
+      </p:sp>
+      <p:sp>
+        <p:nvSpPr>
+          <p:cNvPr id="36" name="TextBox 35"/>
+          <p:cNvSpPr txBox="1"/>
+          <p:nvPr/>
+        </p:nvSpPr>
+        <p:spPr>
+          <a:xfrm>
+            <a:off x="6182532" y="6276792"/>
+            <a:ext cx="1066803" cy="369332"/>
+          </a:xfrm>
+          <a:prstGeom prst="rect">
+            <a:avLst/>
+          </a:prstGeom>
+          <a:noFill/>
+        </p:spPr>
+        <p:txBody>
+          <a:bodyPr wrap="square" rtlCol="0">
+            <a:spAutoFit/>
+          </a:bodyPr>
+          <a:lstStyle/>
+          <a:p>
+            <a:r>
+              <a:rPr lang="en-IN" dirty="0" smtClean="0"/>
+              <a:t>STATE *</a:t>
+            </a:r>
+            <a:endParaRPr lang="en-IN" dirty="0"/>
+          </a:p>
+        </p:txBody>
+      </p:sp>
+      <p:sp>
+        <p:nvSpPr>
+          <p:cNvPr id="37" name="TextBox 36"/>
+          <p:cNvSpPr txBox="1"/>
+          <p:nvPr/>
+        </p:nvSpPr>
+        <p:spPr>
+          <a:xfrm>
+            <a:off x="4776650" y="4299155"/>
+            <a:ext cx="1405882" cy="369332"/>
+          </a:xfrm>
+          <a:prstGeom prst="rect">
+            <a:avLst/>
+          </a:prstGeom>
+          <a:noFill/>
+        </p:spPr>
+        <p:txBody>
+          <a:bodyPr wrap="square" rtlCol="0">
+            <a:spAutoFit/>
+          </a:bodyPr>
+          <a:lstStyle/>
+          <a:p>
+            <a:r>
+              <a:rPr lang="en-IN" dirty="0" smtClean="0">
+                <a:solidFill>
+                  <a:schemeClr val="bg1"/>
+                </a:solidFill>
+              </a:rPr>
+              <a:t>Address </a:t>
+            </a:r>
+            <a:r>
+              <a:rPr lang="en-IN" dirty="0" smtClean="0"/>
+              <a:t>*</a:t>
+            </a:r>
+            <a:endParaRPr lang="en-IN" dirty="0"/>
           </a:p>
         </p:txBody>
       </p:sp>
     </p:spTree>
     <p:extLst>
       <p:ext uri="{BB962C8B-B14F-4D97-AF65-F5344CB8AC3E}">
-        <p14:creationId xmlns:p14="http://schemas.microsoft.com/office/powerpoint/2010/main" val="3054584043"/>
+        <p14:creationId xmlns:p14="http://schemas.microsoft.com/office/powerpoint/2010/main" val="3765728879"/>
       </p:ext>
     </p:extLst>
   </p:cSld>
   <p:clrMapOvr>
     <a:masterClrMapping/>
   </p:clrMapOvr>
+  <p:timing>
+    <p:tnLst>
+      <p:par>
+        <p:cTn id="1" dur="indefinite" restart="never" nodeType="tmRoot"/>
+      </p:par>
+    </p:tnLst>
+  </p:timing>
 </p:sld>
 </file>
 
@@ -7778,14 +8227,14 @@
       </p:grpSpPr>
       <p:sp>
         <p:nvSpPr>
-          <p:cNvPr id="5" name="Rectangle 4"/>
+          <p:cNvPr id="4" name="Rectangle 3"/>
           <p:cNvSpPr/>
           <p:nvPr/>
         </p:nvSpPr>
         <p:spPr>
           <a:xfrm>
-            <a:off x="0" y="0"/>
-            <a:ext cx="12192000" cy="6858000"/>
+            <a:off x="3219993" y="500296"/>
+            <a:ext cx="4558937" cy="4502777"/>
           </a:xfrm>
           <a:prstGeom prst="rect">
             <a:avLst/>
@@ -7793,13 +8242,13 @@
         </p:spPr>
         <p:style>
           <a:lnRef idx="1">
-            <a:schemeClr val="accent5"/>
+            <a:schemeClr val="accent1"/>
           </a:lnRef>
           <a:fillRef idx="2">
-            <a:schemeClr val="accent5"/>
+            <a:schemeClr val="accent1"/>
           </a:fillRef>
           <a:effectRef idx="1">
-            <a:schemeClr val="accent5"/>
+            <a:schemeClr val="accent1"/>
           </a:effectRef>
           <a:fontRef idx="minor">
             <a:schemeClr val="dk1"/>
@@ -7810,34 +8259,34 @@
           <a:lstStyle/>
           <a:p>
             <a:pPr algn="ctr"/>
-            <a:endParaRPr lang="en-IN"/>
-          </a:p>
-        </p:txBody>
-      </p:sp>
-      <p:sp>
-        <p:nvSpPr>
-          <p:cNvPr id="7" name="Rectangle 6"/>
+            <a:endParaRPr lang="en-IN" dirty="0"/>
+          </a:p>
+        </p:txBody>
+      </p:sp>
+      <p:sp>
+        <p:nvSpPr>
+          <p:cNvPr id="5" name="Rectangle 4"/>
           <p:cNvSpPr/>
           <p:nvPr/>
         </p:nvSpPr>
         <p:spPr>
           <a:xfrm>
-            <a:off x="617220" y="1211580"/>
-            <a:ext cx="2171700" cy="2011680"/>
+            <a:off x="4189088" y="1089590"/>
+            <a:ext cx="2952206" cy="313730"/>
           </a:xfrm>
           <a:prstGeom prst="rect">
             <a:avLst/>
           </a:prstGeom>
         </p:spPr>
         <p:style>
-          <a:lnRef idx="1">
-            <a:schemeClr val="accent3"/>
+          <a:lnRef idx="2">
+            <a:schemeClr val="accent6"/>
           </a:lnRef>
-          <a:fillRef idx="2">
-            <a:schemeClr val="accent3"/>
+          <a:fillRef idx="1">
+            <a:schemeClr val="lt1"/>
           </a:fillRef>
-          <a:effectRef idx="1">
-            <a:schemeClr val="accent3"/>
+          <a:effectRef idx="0">
+            <a:schemeClr val="accent6"/>
           </a:effectRef>
           <a:fontRef idx="minor">
             <a:schemeClr val="dk1"/>
@@ -7854,53 +8303,52 @@
       </p:sp>
       <p:sp>
         <p:nvSpPr>
-          <p:cNvPr id="8" name="Rectangle 7"/>
+          <p:cNvPr id="7" name="TextBox 6"/>
+          <p:cNvSpPr txBox="1"/>
+          <p:nvPr/>
+        </p:nvSpPr>
+        <p:spPr>
+          <a:xfrm>
+            <a:off x="4753508" y="722491"/>
+            <a:ext cx="1933303" cy="369332"/>
+          </a:xfrm>
+          <a:prstGeom prst="rect">
+            <a:avLst/>
+          </a:prstGeom>
+          <a:noFill/>
+        </p:spPr>
+        <p:txBody>
+          <a:bodyPr wrap="square" rtlCol="0">
+            <a:spAutoFit/>
+          </a:bodyPr>
+          <a:lstStyle/>
+          <a:p>
+            <a:pPr algn="ctr"/>
+            <a:r>
+              <a:rPr lang="en-IN" dirty="0" smtClean="0">
+                <a:solidFill>
+                  <a:schemeClr val="bg1"/>
+                </a:solidFill>
+              </a:rPr>
+              <a:t>Pin Code </a:t>
+            </a:r>
+            <a:r>
+              <a:rPr lang="en-IN" dirty="0" smtClean="0"/>
+              <a:t>*</a:t>
+            </a:r>
+            <a:endParaRPr lang="en-IN" dirty="0"/>
+          </a:p>
+        </p:txBody>
+      </p:sp>
+      <p:sp>
+        <p:nvSpPr>
+          <p:cNvPr id="8" name="Rounded Rectangle 7"/>
           <p:cNvSpPr/>
           <p:nvPr/>
         </p:nvSpPr>
         <p:spPr>
           <a:xfrm>
-            <a:off x="205740" y="228600"/>
-            <a:ext cx="11567160" cy="800100"/>
-          </a:xfrm>
-          <a:prstGeom prst="rect">
-            <a:avLst/>
-          </a:prstGeom>
-        </p:spPr>
-        <p:style>
-          <a:lnRef idx="2">
-            <a:schemeClr val="accent1">
-              <a:shade val="50000"/>
-            </a:schemeClr>
-          </a:lnRef>
-          <a:fillRef idx="1">
-            <a:schemeClr val="accent1"/>
-          </a:fillRef>
-          <a:effectRef idx="0">
-            <a:schemeClr val="accent1"/>
-          </a:effectRef>
-          <a:fontRef idx="minor">
-            <a:schemeClr val="lt1"/>
-          </a:fontRef>
-        </p:style>
-        <p:txBody>
-          <a:bodyPr rtlCol="0" anchor="ctr"/>
-          <a:lstStyle/>
-          <a:p>
-            <a:pPr algn="ctr"/>
-            <a:endParaRPr lang="en-IN"/>
-          </a:p>
-        </p:txBody>
-      </p:sp>
-      <p:sp>
-        <p:nvSpPr>
-          <p:cNvPr id="9" name="Rounded Rectangle 8"/>
-          <p:cNvSpPr/>
-          <p:nvPr/>
-        </p:nvSpPr>
-        <p:spPr>
-          <a:xfrm>
-            <a:off x="9108077" y="400050"/>
+            <a:off x="4434017" y="3124203"/>
             <a:ext cx="2462348" cy="457200"/>
           </a:xfrm>
           <a:prstGeom prst="roundRect">
@@ -7930,7 +8378,7 @@
             <a:pPr algn="ctr"/>
             <a:r>
               <a:rPr lang="en-IN" dirty="0" smtClean="0"/>
-              <a:t>SIGN OUT</a:t>
+              <a:t>REGISTER</a:t>
             </a:r>
             <a:endParaRPr lang="en-IN" dirty="0"/>
           </a:p>
@@ -7938,14 +8386,90 @@
       </p:sp>
       <p:sp>
         <p:nvSpPr>
-          <p:cNvPr id="15" name="TextBox 14"/>
+          <p:cNvPr id="11" name="Rectangle 10"/>
+          <p:cNvSpPr/>
+          <p:nvPr/>
+        </p:nvSpPr>
+        <p:spPr>
+          <a:xfrm>
+            <a:off x="4189088" y="2322642"/>
+            <a:ext cx="2952206" cy="313730"/>
+          </a:xfrm>
+          <a:prstGeom prst="rect">
+            <a:avLst/>
+          </a:prstGeom>
+        </p:spPr>
+        <p:style>
+          <a:lnRef idx="2">
+            <a:schemeClr val="accent6"/>
+          </a:lnRef>
+          <a:fillRef idx="1">
+            <a:schemeClr val="lt1"/>
+          </a:fillRef>
+          <a:effectRef idx="0">
+            <a:schemeClr val="accent6"/>
+          </a:effectRef>
+          <a:fontRef idx="minor">
+            <a:schemeClr val="dk1"/>
+          </a:fontRef>
+        </p:style>
+        <p:txBody>
+          <a:bodyPr rtlCol="0" anchor="ctr"/>
+          <a:lstStyle/>
+          <a:p>
+            <a:pPr algn="ctr"/>
+            <a:endParaRPr lang="en-IN"/>
+          </a:p>
+        </p:txBody>
+      </p:sp>
+      <p:sp>
+        <p:nvSpPr>
+          <p:cNvPr id="12" name="Rectangle 11"/>
+          <p:cNvSpPr/>
+          <p:nvPr/>
+        </p:nvSpPr>
+        <p:spPr>
+          <a:xfrm>
+            <a:off x="4189088" y="1727555"/>
+            <a:ext cx="2952206" cy="313730"/>
+          </a:xfrm>
+          <a:prstGeom prst="rect">
+            <a:avLst/>
+          </a:prstGeom>
+        </p:spPr>
+        <p:style>
+          <a:lnRef idx="2">
+            <a:schemeClr val="accent6"/>
+          </a:lnRef>
+          <a:fillRef idx="1">
+            <a:schemeClr val="lt1"/>
+          </a:fillRef>
+          <a:effectRef idx="0">
+            <a:schemeClr val="accent6"/>
+          </a:effectRef>
+          <a:fontRef idx="minor">
+            <a:schemeClr val="dk1"/>
+          </a:fontRef>
+        </p:style>
+        <p:txBody>
+          <a:bodyPr rtlCol="0" anchor="ctr"/>
+          <a:lstStyle/>
+          <a:p>
+            <a:pPr algn="ctr"/>
+            <a:endParaRPr lang="en-IN"/>
+          </a:p>
+        </p:txBody>
+      </p:sp>
+      <p:sp>
+        <p:nvSpPr>
+          <p:cNvPr id="14" name="TextBox 13"/>
           <p:cNvSpPr txBox="1"/>
           <p:nvPr/>
         </p:nvSpPr>
         <p:spPr>
           <a:xfrm>
-            <a:off x="3543300" y="1714500"/>
-            <a:ext cx="7360920" cy="1200329"/>
+            <a:off x="4753508" y="1339459"/>
+            <a:ext cx="1933303" cy="369332"/>
           </a:xfrm>
           <a:prstGeom prst="rect">
             <a:avLst/>
@@ -7958,75 +8482,57 @@
           </a:bodyPr>
           <a:lstStyle/>
           <a:p>
-            <a:r>
-              <a:rPr lang="en-IN" sz="7200" b="1" spc="50" dirty="0" smtClean="0">
-                <a:ln w="0"/>
-                <a:solidFill>
-                  <a:schemeClr val="bg2"/>
-                </a:solidFill>
-                <a:effectLst>
-                  <a:innerShdw blurRad="63500" dist="50800" dir="13500000">
-                    <a:srgbClr val="000000">
-                      <a:alpha val="50000"/>
-                    </a:srgbClr>
-                  </a:innerShdw>
-                </a:effectLst>
-              </a:rPr>
-              <a:t>Welcome ABC</a:t>
-            </a:r>
-            <a:endParaRPr lang="en-IN" sz="7200" b="1" spc="50" dirty="0">
-              <a:ln w="0"/>
-              <a:solidFill>
-                <a:schemeClr val="bg2"/>
-              </a:solidFill>
-              <a:effectLst>
-                <a:innerShdw blurRad="63500" dist="50800" dir="13500000">
-                  <a:srgbClr val="000000">
-                    <a:alpha val="50000"/>
-                  </a:srgbClr>
-                </a:innerShdw>
-              </a:effectLst>
-            </a:endParaRPr>
-          </a:p>
-        </p:txBody>
-      </p:sp>
-      <p:sp>
-        <p:nvSpPr>
-          <p:cNvPr id="18" name="TextBox 17"/>
-          <p:cNvSpPr txBox="1"/>
-          <p:nvPr/>
-        </p:nvSpPr>
-        <p:spPr>
-          <a:xfrm>
-            <a:off x="617220" y="4524256"/>
-            <a:ext cx="4411980" cy="523220"/>
-          </a:xfrm>
-          <a:prstGeom prst="rect">
-            <a:avLst/>
-          </a:prstGeom>
-          <a:noFill/>
-        </p:spPr>
-        <p:txBody>
-          <a:bodyPr wrap="square" rtlCol="0">
-            <a:spAutoFit/>
-          </a:bodyPr>
-          <a:lstStyle/>
-          <a:p>
-            <a:r>
-              <a:rPr lang="en-IN" sz="2800" dirty="0" smtClean="0">
-                <a:solidFill>
-                  <a:schemeClr val="bg1"/>
-                </a:solidFill>
-              </a:rPr>
-              <a:t>Birthday</a:t>
-            </a:r>
+            <a:pPr algn="ctr"/>
             <a:r>
               <a:rPr lang="en-IN" dirty="0" smtClean="0">
                 <a:solidFill>
                   <a:schemeClr val="bg1"/>
                 </a:solidFill>
               </a:rPr>
-              <a:t>:</a:t>
+              <a:t>Password </a:t>
+            </a:r>
+            <a:r>
+              <a:rPr lang="en-IN" dirty="0" smtClean="0"/>
+              <a:t>*</a:t>
+            </a:r>
+            <a:endParaRPr lang="en-IN" dirty="0"/>
+          </a:p>
+        </p:txBody>
+      </p:sp>
+      <p:sp>
+        <p:nvSpPr>
+          <p:cNvPr id="15" name="TextBox 14"/>
+          <p:cNvSpPr txBox="1"/>
+          <p:nvPr/>
+        </p:nvSpPr>
+        <p:spPr>
+          <a:xfrm>
+            <a:off x="4673759" y="2010191"/>
+            <a:ext cx="2142857" cy="369332"/>
+          </a:xfrm>
+          <a:prstGeom prst="rect">
+            <a:avLst/>
+          </a:prstGeom>
+          <a:noFill/>
+        </p:spPr>
+        <p:txBody>
+          <a:bodyPr wrap="square" rtlCol="0">
+            <a:spAutoFit/>
+          </a:bodyPr>
+          <a:lstStyle/>
+          <a:p>
+            <a:pPr algn="ctr"/>
+            <a:r>
+              <a:rPr lang="en-IN" dirty="0" smtClean="0">
+                <a:solidFill>
+                  <a:schemeClr val="bg1"/>
+                </a:solidFill>
+              </a:rPr>
+              <a:t>Confirm Password </a:t>
+            </a:r>
+            <a:r>
+              <a:rPr lang="en-IN" dirty="0" smtClean="0"/>
+              <a:t>*</a:t>
             </a:r>
             <a:endParaRPr lang="en-IN" dirty="0">
               <a:solidFill>
@@ -8038,14 +8544,14 @@
       </p:sp>
       <p:sp>
         <p:nvSpPr>
-          <p:cNvPr id="19" name="TextBox 18"/>
+          <p:cNvPr id="2" name="TextBox 1"/>
           <p:cNvSpPr txBox="1"/>
           <p:nvPr/>
         </p:nvSpPr>
         <p:spPr>
           <a:xfrm>
-            <a:off x="617220" y="3836670"/>
-            <a:ext cx="4411980" cy="523220"/>
+            <a:off x="4434017" y="98666"/>
+            <a:ext cx="2756811" cy="369332"/>
           </a:xfrm>
           <a:prstGeom prst="rect">
             <a:avLst/>
@@ -8059,96 +8565,82 @@
           <a:lstStyle/>
           <a:p>
             <a:r>
-              <a:rPr lang="en-IN" sz="2800" dirty="0" smtClean="0">
+              <a:rPr lang="en-IN" dirty="0" smtClean="0">
+                <a:solidFill>
+                  <a:srgbClr val="FF0000"/>
+                </a:solidFill>
+              </a:rPr>
+              <a:t>SIGN-UP Page Contd…</a:t>
+            </a:r>
+            <a:endParaRPr lang="en-IN" dirty="0">
+              <a:solidFill>
+                <a:srgbClr val="FF0000"/>
+              </a:solidFill>
+            </a:endParaRPr>
+          </a:p>
+        </p:txBody>
+      </p:sp>
+      <p:sp>
+        <p:nvSpPr>
+          <p:cNvPr id="3" name="TextBox 2"/>
+          <p:cNvSpPr txBox="1"/>
+          <p:nvPr/>
+        </p:nvSpPr>
+        <p:spPr>
+          <a:xfrm>
+            <a:off x="3238765" y="2726399"/>
+            <a:ext cx="3657600" cy="307777"/>
+          </a:xfrm>
+          <a:prstGeom prst="rect">
+            <a:avLst/>
+          </a:prstGeom>
+          <a:noFill/>
+        </p:spPr>
+        <p:txBody>
+          <a:bodyPr wrap="square" rtlCol="0">
+            <a:spAutoFit/>
+          </a:bodyPr>
+          <a:lstStyle/>
+          <a:p>
+            <a:r>
+              <a:rPr lang="en-IN" sz="1400" dirty="0" smtClean="0">
+                <a:solidFill>
+                  <a:srgbClr val="FFFF00"/>
+                </a:solidFill>
+              </a:rPr>
+              <a:t>Fields Marked with</a:t>
+            </a:r>
+            <a:r>
+              <a:rPr lang="en-IN" sz="1400" dirty="0" smtClean="0">
                 <a:solidFill>
                   <a:schemeClr val="bg1"/>
                 </a:solidFill>
               </a:rPr>
-              <a:t>Address:</a:t>
-            </a:r>
-            <a:r>
-              <a:rPr lang="en-IN" dirty="0" smtClean="0"/>
               <a:t> </a:t>
             </a:r>
-            <a:endParaRPr lang="en-IN" dirty="0"/>
-          </a:p>
-        </p:txBody>
-      </p:sp>
-      <p:sp>
-        <p:nvSpPr>
-          <p:cNvPr id="20" name="TextBox 19"/>
-          <p:cNvSpPr txBox="1"/>
-          <p:nvPr/>
-        </p:nvSpPr>
-        <p:spPr>
-          <a:xfrm>
-            <a:off x="1257300" y="2761595"/>
-            <a:ext cx="1394460" cy="461665"/>
-          </a:xfrm>
-          <a:prstGeom prst="rect">
-            <a:avLst/>
-          </a:prstGeom>
-          <a:noFill/>
-        </p:spPr>
-        <p:txBody>
-          <a:bodyPr wrap="square" rtlCol="0">
-            <a:spAutoFit/>
-          </a:bodyPr>
-          <a:lstStyle/>
-          <a:p>
-            <a:r>
-              <a:rPr lang="en-IN" sz="2400" u="sng" dirty="0" smtClean="0">
-                <a:solidFill>
-                  <a:schemeClr val="accent1">
-                    <a:lumMod val="50000"/>
-                  </a:schemeClr>
-                </a:solidFill>
-              </a:rPr>
-              <a:t>EDIT</a:t>
-            </a:r>
-            <a:endParaRPr lang="en-IN" sz="2400" u="sng" dirty="0">
-              <a:solidFill>
-                <a:schemeClr val="accent1">
-                  <a:lumMod val="50000"/>
-                </a:schemeClr>
-              </a:solidFill>
-            </a:endParaRPr>
-          </a:p>
-        </p:txBody>
-      </p:sp>
-      <p:sp>
-        <p:nvSpPr>
-          <p:cNvPr id="21" name="TextBox 20"/>
-          <p:cNvSpPr txBox="1"/>
-          <p:nvPr/>
-        </p:nvSpPr>
-        <p:spPr>
-          <a:xfrm>
-            <a:off x="331470" y="314623"/>
-            <a:ext cx="3520440" cy="523220"/>
-          </a:xfrm>
-          <a:prstGeom prst="rect">
-            <a:avLst/>
-          </a:prstGeom>
-          <a:noFill/>
-        </p:spPr>
-        <p:txBody>
-          <a:bodyPr wrap="square" rtlCol="0">
-            <a:spAutoFit/>
-          </a:bodyPr>
-          <a:lstStyle/>
-          <a:p>
-            <a:r>
-              <a:rPr lang="en-IN" sz="2800" dirty="0" smtClean="0">
+            <a:r>
+              <a:rPr lang="en-IN" sz="1400" dirty="0" smtClean="0"/>
+              <a:t>*</a:t>
+            </a:r>
+            <a:r>
+              <a:rPr lang="en-IN" sz="1400" dirty="0" smtClean="0">
                 <a:solidFill>
                   <a:schemeClr val="bg1"/>
                 </a:solidFill>
               </a:rPr>
-              <a:t>Social Vibes</a:t>
-            </a:r>
-            <a:endParaRPr lang="en-IN" sz="2800" dirty="0">
+              <a:t> </a:t>
+            </a:r>
+            <a:r>
+              <a:rPr lang="en-IN" sz="1400" dirty="0" smtClean="0">
+                <a:solidFill>
+                  <a:srgbClr val="FFFF00"/>
+                </a:solidFill>
+              </a:rPr>
+              <a:t>are mandatory!</a:t>
+            </a:r>
+            <a:endParaRPr lang="en-IN" sz="1400" dirty="0">
               <a:solidFill>
-                <a:schemeClr val="bg1"/>
+                <a:srgbClr val="FFFF00"/>
               </a:solidFill>
             </a:endParaRPr>
           </a:p>
@@ -8157,7 +8649,7 @@
     </p:spTree>
     <p:extLst>
       <p:ext uri="{BB962C8B-B14F-4D97-AF65-F5344CB8AC3E}">
-        <p14:creationId xmlns:p14="http://schemas.microsoft.com/office/powerpoint/2010/main" val="1585828585"/>
+        <p14:creationId xmlns:p14="http://schemas.microsoft.com/office/powerpoint/2010/main" val="1037638092"/>
       </p:ext>
     </p:extLst>
   </p:cSld>
@@ -8199,8 +8691,8 @@
         </p:nvSpPr>
         <p:spPr>
           <a:xfrm>
-            <a:off x="4542348" y="2523198"/>
-            <a:ext cx="3185680" cy="923330"/>
+            <a:off x="2768694" y="1830867"/>
+            <a:ext cx="7255512" cy="1754326"/>
           </a:xfrm>
           <a:prstGeom prst="rect">
             <a:avLst/>
@@ -8228,7 +8720,26 @@
                   </a:outerShdw>
                 </a:effectLst>
               </a:rPr>
-              <a:t>Login Page</a:t>
+              <a:t>Sign-Up Success Scenario</a:t>
+            </a:r>
+          </a:p>
+          <a:p>
+            <a:pPr algn="ctr"/>
+            <a:r>
+              <a:rPr lang="en-US" sz="5400" dirty="0" smtClean="0">
+                <a:ln w="0"/>
+                <a:solidFill>
+                  <a:schemeClr val="accent1"/>
+                </a:solidFill>
+                <a:effectLst>
+                  <a:outerShdw blurRad="38100" dist="25400" dir="5400000" algn="ctr" rotWithShape="0">
+                    <a:srgbClr val="6E747A">
+                      <a:alpha val="43000"/>
+                    </a:srgbClr>
+                  </a:outerShdw>
+                </a:effectLst>
+              </a:rPr>
+              <a:t>(User Dashboard)</a:t>
             </a:r>
             <a:endParaRPr lang="en-US" sz="5400" b="0" cap="none" spc="0" dirty="0">
               <a:ln w="0"/>
@@ -8249,20 +8760,13 @@
     </p:spTree>
     <p:extLst>
       <p:ext uri="{BB962C8B-B14F-4D97-AF65-F5344CB8AC3E}">
-        <p14:creationId xmlns:p14="http://schemas.microsoft.com/office/powerpoint/2010/main" val="356334159"/>
+        <p14:creationId xmlns:p14="http://schemas.microsoft.com/office/powerpoint/2010/main" val="3054584043"/>
       </p:ext>
     </p:extLst>
   </p:cSld>
   <p:clrMapOvr>
     <a:masterClrMapping/>
   </p:clrMapOvr>
-  <p:timing>
-    <p:tnLst>
-      <p:par>
-        <p:cTn id="1" dur="indefinite" restart="never" nodeType="tmRoot"/>
-      </p:par>
-    </p:tnLst>
-  </p:timing>
 </p:sld>
 </file>
 
@@ -8285,14 +8789,14 @@
       </p:grpSpPr>
       <p:sp>
         <p:nvSpPr>
-          <p:cNvPr id="4" name="Rectangle 3"/>
+          <p:cNvPr id="5" name="Rectangle 4"/>
           <p:cNvSpPr/>
           <p:nvPr/>
         </p:nvSpPr>
         <p:spPr>
           <a:xfrm>
-            <a:off x="3272245" y="418011"/>
-            <a:ext cx="4558937" cy="6191795"/>
+            <a:off x="0" y="0"/>
+            <a:ext cx="12192000" cy="6858000"/>
           </a:xfrm>
           <a:prstGeom prst="rect">
             <a:avLst/>
@@ -8300,13 +8804,13 @@
         </p:spPr>
         <p:style>
           <a:lnRef idx="1">
-            <a:schemeClr val="accent1"/>
+            <a:schemeClr val="accent5"/>
           </a:lnRef>
           <a:fillRef idx="2">
-            <a:schemeClr val="accent1"/>
+            <a:schemeClr val="accent5"/>
           </a:fillRef>
           <a:effectRef idx="1">
-            <a:schemeClr val="accent1"/>
+            <a:schemeClr val="accent5"/>
           </a:effectRef>
           <a:fontRef idx="minor">
             <a:schemeClr val="dk1"/>
@@ -8323,28 +8827,28 @@
       </p:sp>
       <p:sp>
         <p:nvSpPr>
-          <p:cNvPr id="5" name="Rectangle 4"/>
+          <p:cNvPr id="7" name="Rectangle 6"/>
           <p:cNvSpPr/>
           <p:nvPr/>
         </p:nvSpPr>
         <p:spPr>
           <a:xfrm>
-            <a:off x="3905794" y="1319349"/>
-            <a:ext cx="3409406" cy="470262"/>
+            <a:off x="617220" y="1211580"/>
+            <a:ext cx="2171700" cy="2011680"/>
           </a:xfrm>
           <a:prstGeom prst="rect">
             <a:avLst/>
           </a:prstGeom>
         </p:spPr>
         <p:style>
-          <a:lnRef idx="2">
-            <a:schemeClr val="accent6"/>
+          <a:lnRef idx="1">
+            <a:schemeClr val="accent3"/>
           </a:lnRef>
-          <a:fillRef idx="1">
-            <a:schemeClr val="lt1"/>
+          <a:fillRef idx="2">
+            <a:schemeClr val="accent3"/>
           </a:fillRef>
-          <a:effectRef idx="0">
-            <a:schemeClr val="accent6"/>
+          <a:effectRef idx="1">
+            <a:schemeClr val="accent3"/>
           </a:effectRef>
           <a:fontRef idx="minor">
             <a:schemeClr val="dk1"/>
@@ -8361,53 +8865,14 @@
       </p:sp>
       <p:sp>
         <p:nvSpPr>
-          <p:cNvPr id="7" name="TextBox 6"/>
-          <p:cNvSpPr txBox="1"/>
-          <p:nvPr/>
-        </p:nvSpPr>
-        <p:spPr>
-          <a:xfrm>
-            <a:off x="3892731" y="919239"/>
-            <a:ext cx="3317966" cy="400110"/>
-          </a:xfrm>
-          <a:prstGeom prst="rect">
-            <a:avLst/>
-          </a:prstGeom>
-          <a:noFill/>
-        </p:spPr>
-        <p:txBody>
-          <a:bodyPr wrap="square" rtlCol="0">
-            <a:spAutoFit/>
-          </a:bodyPr>
-          <a:lstStyle/>
-          <a:p>
-            <a:pPr algn="ctr"/>
-            <a:r>
-              <a:rPr lang="en-IN" sz="2000" dirty="0" smtClean="0">
-                <a:solidFill>
-                  <a:schemeClr val="bg1"/>
-                </a:solidFill>
-              </a:rPr>
-              <a:t>Username</a:t>
-            </a:r>
-            <a:endParaRPr lang="en-IN" dirty="0">
-              <a:solidFill>
-                <a:schemeClr val="bg1"/>
-              </a:solidFill>
-            </a:endParaRPr>
-          </a:p>
-        </p:txBody>
-      </p:sp>
-      <p:sp>
-        <p:nvSpPr>
           <p:cNvPr id="8" name="Rectangle 7"/>
           <p:cNvSpPr/>
           <p:nvPr/>
         </p:nvSpPr>
         <p:spPr>
           <a:xfrm>
-            <a:off x="3905794" y="2312127"/>
-            <a:ext cx="3409406" cy="470262"/>
+            <a:off x="205740" y="228600"/>
+            <a:ext cx="11567160" cy="800100"/>
           </a:xfrm>
           <a:prstGeom prst="rect">
             <a:avLst/>
@@ -8415,16 +8880,18 @@
         </p:spPr>
         <p:style>
           <a:lnRef idx="2">
-            <a:schemeClr val="accent6"/>
+            <a:schemeClr val="accent1">
+              <a:shade val="50000"/>
+            </a:schemeClr>
           </a:lnRef>
           <a:fillRef idx="1">
-            <a:schemeClr val="lt1"/>
+            <a:schemeClr val="accent1"/>
           </a:fillRef>
           <a:effectRef idx="0">
-            <a:schemeClr val="accent6"/>
+            <a:schemeClr val="accent1"/>
           </a:effectRef>
           <a:fontRef idx="minor">
-            <a:schemeClr val="dk1"/>
+            <a:schemeClr val="lt1"/>
           </a:fontRef>
         </p:style>
         <p:txBody>
@@ -8438,129 +8905,13 @@
       </p:sp>
       <p:sp>
         <p:nvSpPr>
-          <p:cNvPr id="9" name="TextBox 8"/>
-          <p:cNvSpPr txBox="1"/>
-          <p:nvPr/>
-        </p:nvSpPr>
-        <p:spPr>
-          <a:xfrm>
-            <a:off x="4140925" y="1942795"/>
-            <a:ext cx="2939143" cy="369332"/>
-          </a:xfrm>
-          <a:prstGeom prst="rect">
-            <a:avLst/>
-          </a:prstGeom>
-          <a:noFill/>
-        </p:spPr>
-        <p:txBody>
-          <a:bodyPr wrap="square" rtlCol="0">
-            <a:spAutoFit/>
-          </a:bodyPr>
-          <a:lstStyle/>
-          <a:p>
-            <a:pPr algn="ctr"/>
-            <a:r>
-              <a:rPr lang="en-IN" dirty="0" smtClean="0">
-                <a:solidFill>
-                  <a:schemeClr val="bg1"/>
-                </a:solidFill>
-              </a:rPr>
-              <a:t>Password</a:t>
-            </a:r>
-            <a:endParaRPr lang="en-IN" dirty="0">
-              <a:solidFill>
-                <a:schemeClr val="bg1"/>
-              </a:solidFill>
-            </a:endParaRPr>
-          </a:p>
-        </p:txBody>
-      </p:sp>
-      <p:sp>
-        <p:nvSpPr>
-          <p:cNvPr id="10" name="TextBox 9"/>
-          <p:cNvSpPr txBox="1"/>
-          <p:nvPr/>
-        </p:nvSpPr>
-        <p:spPr>
-          <a:xfrm>
-            <a:off x="3331027" y="448977"/>
-            <a:ext cx="4558937" cy="369332"/>
-          </a:xfrm>
-          <a:prstGeom prst="rect">
-            <a:avLst/>
-          </a:prstGeom>
-          <a:noFill/>
-        </p:spPr>
-        <p:txBody>
-          <a:bodyPr wrap="square" rtlCol="0">
-            <a:spAutoFit/>
-          </a:bodyPr>
-          <a:lstStyle/>
-          <a:p>
-            <a:pPr algn="ctr"/>
-            <a:r>
-              <a:rPr lang="en-IN" u="sng" dirty="0" smtClean="0">
-                <a:solidFill>
-                  <a:srgbClr val="002060"/>
-                </a:solidFill>
-              </a:rPr>
-              <a:t>LOGIN / SIGN UP</a:t>
-            </a:r>
-            <a:endParaRPr lang="en-IN" u="sng" dirty="0">
-              <a:solidFill>
-                <a:srgbClr val="002060"/>
-              </a:solidFill>
-            </a:endParaRPr>
-          </a:p>
-        </p:txBody>
-      </p:sp>
-      <p:sp>
-        <p:nvSpPr>
-          <p:cNvPr id="11" name="TextBox 10"/>
-          <p:cNvSpPr txBox="1"/>
-          <p:nvPr/>
-        </p:nvSpPr>
-        <p:spPr>
-          <a:xfrm>
-            <a:off x="3892731" y="2935573"/>
-            <a:ext cx="2710542" cy="369332"/>
-          </a:xfrm>
-          <a:prstGeom prst="rect">
-            <a:avLst/>
-          </a:prstGeom>
-          <a:noFill/>
-        </p:spPr>
-        <p:txBody>
-          <a:bodyPr wrap="square" rtlCol="0">
-            <a:spAutoFit/>
-          </a:bodyPr>
-          <a:lstStyle/>
-          <a:p>
-            <a:r>
-              <a:rPr lang="en-IN" u="sng" dirty="0" smtClean="0">
-                <a:solidFill>
-                  <a:srgbClr val="002060"/>
-                </a:solidFill>
-              </a:rPr>
-              <a:t>Forgot your password?</a:t>
-            </a:r>
-            <a:endParaRPr lang="en-IN" u="sng" dirty="0">
-              <a:solidFill>
-                <a:srgbClr val="002060"/>
-              </a:solidFill>
-            </a:endParaRPr>
-          </a:p>
-        </p:txBody>
-      </p:sp>
-      <p:sp>
-        <p:nvSpPr>
-          <p:cNvPr id="12" name="Rounded Rectangle 11"/>
+          <p:cNvPr id="9" name="Rounded Rectangle 8"/>
           <p:cNvSpPr/>
           <p:nvPr/>
         </p:nvSpPr>
         <p:spPr>
           <a:xfrm>
-            <a:off x="4379321" y="3797721"/>
+            <a:off x="9108077" y="400050"/>
             <a:ext cx="2462348" cy="457200"/>
           </a:xfrm>
           <a:prstGeom prst="roundRect">
@@ -8590,16 +8941,234 @@
             <a:pPr algn="ctr"/>
             <a:r>
               <a:rPr lang="en-IN" dirty="0" smtClean="0"/>
-              <a:t>LOGIN</a:t>
+              <a:t>SIGN OUT</a:t>
             </a:r>
             <a:endParaRPr lang="en-IN" dirty="0"/>
+          </a:p>
+        </p:txBody>
+      </p:sp>
+      <p:sp>
+        <p:nvSpPr>
+          <p:cNvPr id="15" name="TextBox 14"/>
+          <p:cNvSpPr txBox="1"/>
+          <p:nvPr/>
+        </p:nvSpPr>
+        <p:spPr>
+          <a:xfrm>
+            <a:off x="3543300" y="1714500"/>
+            <a:ext cx="7360920" cy="1200329"/>
+          </a:xfrm>
+          <a:prstGeom prst="rect">
+            <a:avLst/>
+          </a:prstGeom>
+          <a:noFill/>
+        </p:spPr>
+        <p:txBody>
+          <a:bodyPr wrap="square" rtlCol="0">
+            <a:spAutoFit/>
+          </a:bodyPr>
+          <a:lstStyle/>
+          <a:p>
+            <a:r>
+              <a:rPr lang="en-IN" sz="7200" b="1" spc="50" dirty="0" smtClean="0">
+                <a:ln w="0"/>
+                <a:solidFill>
+                  <a:schemeClr val="bg2"/>
+                </a:solidFill>
+                <a:effectLst>
+                  <a:innerShdw blurRad="63500" dist="50800" dir="13500000">
+                    <a:srgbClr val="000000">
+                      <a:alpha val="50000"/>
+                    </a:srgbClr>
+                  </a:innerShdw>
+                </a:effectLst>
+              </a:rPr>
+              <a:t>Welcome ABC</a:t>
+            </a:r>
+            <a:endParaRPr lang="en-IN" sz="7200" b="1" spc="50" dirty="0">
+              <a:ln w="0"/>
+              <a:solidFill>
+                <a:schemeClr val="bg2"/>
+              </a:solidFill>
+              <a:effectLst>
+                <a:innerShdw blurRad="63500" dist="50800" dir="13500000">
+                  <a:srgbClr val="000000">
+                    <a:alpha val="50000"/>
+                  </a:srgbClr>
+                </a:innerShdw>
+              </a:effectLst>
+            </a:endParaRPr>
+          </a:p>
+        </p:txBody>
+      </p:sp>
+      <p:sp>
+        <p:nvSpPr>
+          <p:cNvPr id="18" name="TextBox 17"/>
+          <p:cNvSpPr txBox="1"/>
+          <p:nvPr/>
+        </p:nvSpPr>
+        <p:spPr>
+          <a:xfrm>
+            <a:off x="617220" y="4524256"/>
+            <a:ext cx="4411980" cy="523220"/>
+          </a:xfrm>
+          <a:prstGeom prst="rect">
+            <a:avLst/>
+          </a:prstGeom>
+          <a:noFill/>
+        </p:spPr>
+        <p:txBody>
+          <a:bodyPr wrap="square" rtlCol="0">
+            <a:spAutoFit/>
+          </a:bodyPr>
+          <a:lstStyle/>
+          <a:p>
+            <a:r>
+              <a:rPr lang="en-IN" sz="2800" dirty="0" smtClean="0">
+                <a:solidFill>
+                  <a:schemeClr val="bg1"/>
+                </a:solidFill>
+              </a:rPr>
+              <a:t>Birthday</a:t>
+            </a:r>
+            <a:r>
+              <a:rPr lang="en-IN" dirty="0" smtClean="0">
+                <a:solidFill>
+                  <a:schemeClr val="bg1"/>
+                </a:solidFill>
+              </a:rPr>
+              <a:t>:</a:t>
+            </a:r>
+            <a:endParaRPr lang="en-IN" dirty="0">
+              <a:solidFill>
+                <a:schemeClr val="bg1"/>
+              </a:solidFill>
+            </a:endParaRPr>
+          </a:p>
+        </p:txBody>
+      </p:sp>
+      <p:sp>
+        <p:nvSpPr>
+          <p:cNvPr id="19" name="TextBox 18"/>
+          <p:cNvSpPr txBox="1"/>
+          <p:nvPr/>
+        </p:nvSpPr>
+        <p:spPr>
+          <a:xfrm>
+            <a:off x="617220" y="3836670"/>
+            <a:ext cx="4411980" cy="523220"/>
+          </a:xfrm>
+          <a:prstGeom prst="rect">
+            <a:avLst/>
+          </a:prstGeom>
+          <a:noFill/>
+        </p:spPr>
+        <p:txBody>
+          <a:bodyPr wrap="square" rtlCol="0">
+            <a:spAutoFit/>
+          </a:bodyPr>
+          <a:lstStyle/>
+          <a:p>
+            <a:r>
+              <a:rPr lang="en-IN" sz="2800" dirty="0" smtClean="0">
+                <a:solidFill>
+                  <a:schemeClr val="bg1"/>
+                </a:solidFill>
+              </a:rPr>
+              <a:t>Address:</a:t>
+            </a:r>
+            <a:r>
+              <a:rPr lang="en-IN" dirty="0" smtClean="0"/>
+              <a:t> </a:t>
+            </a:r>
+            <a:endParaRPr lang="en-IN" dirty="0"/>
+          </a:p>
+        </p:txBody>
+      </p:sp>
+      <p:sp>
+        <p:nvSpPr>
+          <p:cNvPr id="20" name="TextBox 19"/>
+          <p:cNvSpPr txBox="1"/>
+          <p:nvPr/>
+        </p:nvSpPr>
+        <p:spPr>
+          <a:xfrm>
+            <a:off x="1257300" y="2761595"/>
+            <a:ext cx="1394460" cy="461665"/>
+          </a:xfrm>
+          <a:prstGeom prst="rect">
+            <a:avLst/>
+          </a:prstGeom>
+          <a:noFill/>
+        </p:spPr>
+        <p:txBody>
+          <a:bodyPr wrap="square" rtlCol="0">
+            <a:spAutoFit/>
+          </a:bodyPr>
+          <a:lstStyle/>
+          <a:p>
+            <a:r>
+              <a:rPr lang="en-IN" sz="2400" u="sng" dirty="0" smtClean="0">
+                <a:solidFill>
+                  <a:schemeClr val="accent1">
+                    <a:lumMod val="50000"/>
+                  </a:schemeClr>
+                </a:solidFill>
+              </a:rPr>
+              <a:t>EDIT</a:t>
+            </a:r>
+            <a:endParaRPr lang="en-IN" sz="2400" u="sng" dirty="0">
+              <a:solidFill>
+                <a:schemeClr val="accent1">
+                  <a:lumMod val="50000"/>
+                </a:schemeClr>
+              </a:solidFill>
+            </a:endParaRPr>
+          </a:p>
+        </p:txBody>
+      </p:sp>
+      <p:sp>
+        <p:nvSpPr>
+          <p:cNvPr id="21" name="TextBox 20"/>
+          <p:cNvSpPr txBox="1"/>
+          <p:nvPr/>
+        </p:nvSpPr>
+        <p:spPr>
+          <a:xfrm>
+            <a:off x="331470" y="314623"/>
+            <a:ext cx="3520440" cy="523220"/>
+          </a:xfrm>
+          <a:prstGeom prst="rect">
+            <a:avLst/>
+          </a:prstGeom>
+          <a:noFill/>
+        </p:spPr>
+        <p:txBody>
+          <a:bodyPr wrap="square" rtlCol="0">
+            <a:spAutoFit/>
+          </a:bodyPr>
+          <a:lstStyle/>
+          <a:p>
+            <a:r>
+              <a:rPr lang="en-IN" sz="2800" dirty="0" smtClean="0">
+                <a:solidFill>
+                  <a:schemeClr val="bg1"/>
+                </a:solidFill>
+              </a:rPr>
+              <a:t>Social Vibes</a:t>
+            </a:r>
+            <a:endParaRPr lang="en-IN" sz="2800" dirty="0">
+              <a:solidFill>
+                <a:schemeClr val="bg1"/>
+              </a:solidFill>
+            </a:endParaRPr>
           </a:p>
         </p:txBody>
       </p:sp>
     </p:spTree>
     <p:extLst>
       <p:ext uri="{BB962C8B-B14F-4D97-AF65-F5344CB8AC3E}">
-        <p14:creationId xmlns:p14="http://schemas.microsoft.com/office/powerpoint/2010/main" val="1676867740"/>
+        <p14:creationId xmlns:p14="http://schemas.microsoft.com/office/powerpoint/2010/main" val="1585828585"/>
       </p:ext>
     </p:extLst>
   </p:cSld>
@@ -8641,8 +9210,8 @@
         </p:nvSpPr>
         <p:spPr>
           <a:xfrm>
-            <a:off x="3123436" y="2026810"/>
-            <a:ext cx="6310894" cy="923330"/>
+            <a:off x="4542348" y="2523198"/>
+            <a:ext cx="3185680" cy="923330"/>
           </a:xfrm>
           <a:prstGeom prst="rect">
             <a:avLst/>
@@ -8670,7 +9239,7 @@
                   </a:outerShdw>
                 </a:effectLst>
               </a:rPr>
-              <a:t>Login Failure Scenario</a:t>
+              <a:t>Login Page</a:t>
             </a:r>
             <a:endParaRPr lang="en-US" sz="5400" b="0" cap="none" spc="0" dirty="0">
               <a:ln w="0"/>
@@ -8691,7 +9260,7 @@
     </p:spTree>
     <p:extLst>
       <p:ext uri="{BB962C8B-B14F-4D97-AF65-F5344CB8AC3E}">
-        <p14:creationId xmlns:p14="http://schemas.microsoft.com/office/powerpoint/2010/main" val="3670692891"/>
+        <p14:creationId xmlns:p14="http://schemas.microsoft.com/office/powerpoint/2010/main" val="356334159"/>
       </p:ext>
     </p:extLst>
   </p:cSld>
